--- a/파이썬_강좌/3. 파이썬기초 변수 사칙연산.pptx
+++ b/파이썬_강좌/3. 파이썬기초 변수 사칙연산.pptx
@@ -1,28 +1,28 @@
 
 <file path=ppt/presentation.xml><?xml version="1.0" encoding="utf-8"?>
-<p:presentation xmlns:a="http://schemas.openxmlformats.org/drawingml/2006/main" xmlns:r="http://schemas.openxmlformats.org/officeDocument/2006/relationships" xmlns:mc="http://schemas.openxmlformats.org/markup-compatibility/2006" xmlns:mv="urn:schemas-microsoft-com:mac:vml" xmlns:p="http://schemas.openxmlformats.org/presentationml/2006/main" xmlns:c="http://schemas.openxmlformats.org/drawingml/2006/chart" xmlns:dgm="http://schemas.openxmlformats.org/drawingml/2006/diagram" xmlns:o="urn:schemas-microsoft-com:office:office" xmlns:v="urn:schemas-microsoft-com:vml" xmlns:pvml="urn:schemas-microsoft-com:office:powerpoint" xmlns:com="http://schemas.openxmlformats.org/drawingml/2006/compatibility" xmlns:p14="http://schemas.microsoft.com/office/powerpoint/2010/main" xmlns:p15="http://schemas.microsoft.com/office/powerpoint/2012/main" xmlns:ahyp="http://schemas.microsoft.com/office/drawing/2018/hyperlinkcolor" autoCompressPictures="0" strictFirstAndLastChars="0" saveSubsetFonts="1">
+<p:presentation xmlns:a="http://schemas.openxmlformats.org/drawingml/2006/main" xmlns:r="http://schemas.openxmlformats.org/officeDocument/2006/relationships" xmlns:p="http://schemas.openxmlformats.org/presentationml/2006/main" strictFirstAndLastChars="0" saveSubsetFonts="1" autoCompressPictures="0">
   <p:sldMasterIdLst>
-    <p:sldMasterId id="2147483659" r:id="rId4"/>
+    <p:sldMasterId id="2147483659" r:id="rId1"/>
   </p:sldMasterIdLst>
   <p:notesMasterIdLst>
-    <p:notesMasterId r:id="rId5"/>
+    <p:notesMasterId r:id="rId12"/>
   </p:notesMasterIdLst>
   <p:sldIdLst>
-    <p:sldId id="256" r:id="rId6"/>
-    <p:sldId id="257" r:id="rId7"/>
-    <p:sldId id="258" r:id="rId8"/>
-    <p:sldId id="259" r:id="rId9"/>
-    <p:sldId id="260" r:id="rId10"/>
-    <p:sldId id="261" r:id="rId11"/>
-    <p:sldId id="262" r:id="rId12"/>
-    <p:sldId id="263" r:id="rId13"/>
-    <p:sldId id="264" r:id="rId14"/>
-    <p:sldId id="265" r:id="rId15"/>
+    <p:sldId id="256" r:id="rId2"/>
+    <p:sldId id="257" r:id="rId3"/>
+    <p:sldId id="258" r:id="rId4"/>
+    <p:sldId id="259" r:id="rId5"/>
+    <p:sldId id="260" r:id="rId6"/>
+    <p:sldId id="261" r:id="rId7"/>
+    <p:sldId id="262" r:id="rId8"/>
+    <p:sldId id="263" r:id="rId9"/>
+    <p:sldId id="264" r:id="rId10"/>
+    <p:sldId id="265" r:id="rId11"/>
   </p:sldIdLst>
-  <p:sldSz cy="6858000" cx="9144000"/>
+  <p:sldSz cx="12192000" cy="6858000"/>
   <p:notesSz cx="6858000" cy="9144000"/>
   <p:defaultTextStyle>
-    <a:defPPr lvl="0" marR="0" rtl="0" algn="l">
+    <a:defPPr marR="0" lvl="0" algn="l" rtl="0">
       <a:lnSpc>
         <a:spcPct val="100000"/>
       </a:lnSpc>
@@ -33,7 +33,7 @@
         <a:spcPts val="0"/>
       </a:spcAft>
     </a:defPPr>
-    <a:lvl1pPr lvl="0" marR="0" rtl="0" algn="l">
+    <a:lvl1pPr marR="0" lvl="0" algn="l" rtl="0">
       <a:lnSpc>
         <a:spcPct val="100000"/>
       </a:lnSpc>
@@ -47,7 +47,7 @@
         <a:srgbClr val="000000"/>
       </a:buClr>
       <a:buFont typeface="Arial"/>
-      <a:defRPr b="0" i="0" sz="1400" u="none" cap="none" strike="noStrike">
+      <a:defRPr sz="1400" b="0" i="0" u="none" strike="noStrike" cap="none">
         <a:solidFill>
           <a:srgbClr val="000000"/>
         </a:solidFill>
@@ -57,7 +57,7 @@
         <a:sym typeface="Arial"/>
       </a:defRPr>
     </a:lvl1pPr>
-    <a:lvl2pPr lvl="1" marR="0" rtl="0" algn="l">
+    <a:lvl2pPr marR="0" lvl="1" algn="l" rtl="0">
       <a:lnSpc>
         <a:spcPct val="100000"/>
       </a:lnSpc>
@@ -71,7 +71,7 @@
         <a:srgbClr val="000000"/>
       </a:buClr>
       <a:buFont typeface="Arial"/>
-      <a:defRPr b="0" i="0" sz="1400" u="none" cap="none" strike="noStrike">
+      <a:defRPr sz="1400" b="0" i="0" u="none" strike="noStrike" cap="none">
         <a:solidFill>
           <a:srgbClr val="000000"/>
         </a:solidFill>
@@ -81,7 +81,7 @@
         <a:sym typeface="Arial"/>
       </a:defRPr>
     </a:lvl2pPr>
-    <a:lvl3pPr lvl="2" marR="0" rtl="0" algn="l">
+    <a:lvl3pPr marR="0" lvl="2" algn="l" rtl="0">
       <a:lnSpc>
         <a:spcPct val="100000"/>
       </a:lnSpc>
@@ -95,7 +95,7 @@
         <a:srgbClr val="000000"/>
       </a:buClr>
       <a:buFont typeface="Arial"/>
-      <a:defRPr b="0" i="0" sz="1400" u="none" cap="none" strike="noStrike">
+      <a:defRPr sz="1400" b="0" i="0" u="none" strike="noStrike" cap="none">
         <a:solidFill>
           <a:srgbClr val="000000"/>
         </a:solidFill>
@@ -105,7 +105,7 @@
         <a:sym typeface="Arial"/>
       </a:defRPr>
     </a:lvl3pPr>
-    <a:lvl4pPr lvl="3" marR="0" rtl="0" algn="l">
+    <a:lvl4pPr marR="0" lvl="3" algn="l" rtl="0">
       <a:lnSpc>
         <a:spcPct val="100000"/>
       </a:lnSpc>
@@ -119,7 +119,7 @@
         <a:srgbClr val="000000"/>
       </a:buClr>
       <a:buFont typeface="Arial"/>
-      <a:defRPr b="0" i="0" sz="1400" u="none" cap="none" strike="noStrike">
+      <a:defRPr sz="1400" b="0" i="0" u="none" strike="noStrike" cap="none">
         <a:solidFill>
           <a:srgbClr val="000000"/>
         </a:solidFill>
@@ -129,7 +129,7 @@
         <a:sym typeface="Arial"/>
       </a:defRPr>
     </a:lvl4pPr>
-    <a:lvl5pPr lvl="4" marR="0" rtl="0" algn="l">
+    <a:lvl5pPr marR="0" lvl="4" algn="l" rtl="0">
       <a:lnSpc>
         <a:spcPct val="100000"/>
       </a:lnSpc>
@@ -143,7 +143,7 @@
         <a:srgbClr val="000000"/>
       </a:buClr>
       <a:buFont typeface="Arial"/>
-      <a:defRPr b="0" i="0" sz="1400" u="none" cap="none" strike="noStrike">
+      <a:defRPr sz="1400" b="0" i="0" u="none" strike="noStrike" cap="none">
         <a:solidFill>
           <a:srgbClr val="000000"/>
         </a:solidFill>
@@ -153,7 +153,7 @@
         <a:sym typeface="Arial"/>
       </a:defRPr>
     </a:lvl5pPr>
-    <a:lvl6pPr lvl="5" marR="0" rtl="0" algn="l">
+    <a:lvl6pPr marR="0" lvl="5" algn="l" rtl="0">
       <a:lnSpc>
         <a:spcPct val="100000"/>
       </a:lnSpc>
@@ -167,7 +167,7 @@
         <a:srgbClr val="000000"/>
       </a:buClr>
       <a:buFont typeface="Arial"/>
-      <a:defRPr b="0" i="0" sz="1400" u="none" cap="none" strike="noStrike">
+      <a:defRPr sz="1400" b="0" i="0" u="none" strike="noStrike" cap="none">
         <a:solidFill>
           <a:srgbClr val="000000"/>
         </a:solidFill>
@@ -177,7 +177,7 @@
         <a:sym typeface="Arial"/>
       </a:defRPr>
     </a:lvl6pPr>
-    <a:lvl7pPr lvl="6" marR="0" rtl="0" algn="l">
+    <a:lvl7pPr marR="0" lvl="6" algn="l" rtl="0">
       <a:lnSpc>
         <a:spcPct val="100000"/>
       </a:lnSpc>
@@ -191,7 +191,7 @@
         <a:srgbClr val="000000"/>
       </a:buClr>
       <a:buFont typeface="Arial"/>
-      <a:defRPr b="0" i="0" sz="1400" u="none" cap="none" strike="noStrike">
+      <a:defRPr sz="1400" b="0" i="0" u="none" strike="noStrike" cap="none">
         <a:solidFill>
           <a:srgbClr val="000000"/>
         </a:solidFill>
@@ -201,7 +201,7 @@
         <a:sym typeface="Arial"/>
       </a:defRPr>
     </a:lvl7pPr>
-    <a:lvl8pPr lvl="7" marR="0" rtl="0" algn="l">
+    <a:lvl8pPr marR="0" lvl="7" algn="l" rtl="0">
       <a:lnSpc>
         <a:spcPct val="100000"/>
       </a:lnSpc>
@@ -215,7 +215,7 @@
         <a:srgbClr val="000000"/>
       </a:buClr>
       <a:buFont typeface="Arial"/>
-      <a:defRPr b="0" i="0" sz="1400" u="none" cap="none" strike="noStrike">
+      <a:defRPr sz="1400" b="0" i="0" u="none" strike="noStrike" cap="none">
         <a:solidFill>
           <a:srgbClr val="000000"/>
         </a:solidFill>
@@ -225,7 +225,7 @@
         <a:sym typeface="Arial"/>
       </a:defRPr>
     </a:lvl8pPr>
-    <a:lvl9pPr lvl="8" marR="0" rtl="0" algn="l">
+    <a:lvl9pPr marR="0" lvl="8" algn="l" rtl="0">
       <a:lnSpc>
         <a:spcPct val="100000"/>
       </a:lnSpc>
@@ -239,7 +239,7 @@
         <a:srgbClr val="000000"/>
       </a:buClr>
       <a:buFont typeface="Arial"/>
-      <a:defRPr b="0" i="0" sz="1400" u="none" cap="none" strike="noStrike">
+      <a:defRPr sz="1400" b="0" i="0" u="none" strike="noStrike" cap="none">
         <a:solidFill>
           <a:srgbClr val="000000"/>
         </a:solidFill>
@@ -252,13 +252,13 @@
   </p:defaultTextStyle>
   <p:extLst>
     <p:ext uri="{EFAFB233-063F-42B5-8137-9DF3F51BA10A}">
-      <p15:sldGuideLst>
-        <p15:guide id="1" orient="horz" pos="2160">
+      <p15:sldGuideLst xmlns:p15="http://schemas.microsoft.com/office/powerpoint/2012/main">
+        <p15:guide id="1" orient="horz" pos="2160" userDrawn="1">
           <p15:clr>
             <a:srgbClr val="A4A3A4"/>
           </p15:clr>
         </p15:guide>
-        <p15:guide id="2" pos="2880">
+        <p15:guide id="2" pos="3840" userDrawn="1">
           <p15:clr>
             <a:srgbClr val="A4A3A4"/>
           </p15:clr>
@@ -270,11 +270,16 @@
 </file>
 
 <file path=ppt/notesMasters/notesMaster1.xml><?xml version="1.0" encoding="utf-8"?>
-<p:notesMaster xmlns:a="http://schemas.openxmlformats.org/drawingml/2006/main" xmlns:r="http://schemas.openxmlformats.org/officeDocument/2006/relationships" xmlns:mc="http://schemas.openxmlformats.org/markup-compatibility/2006" xmlns:mv="urn:schemas-microsoft-com:mac:vml" xmlns:p="http://schemas.openxmlformats.org/presentationml/2006/main" xmlns:c="http://schemas.openxmlformats.org/drawingml/2006/chart" xmlns:dgm="http://schemas.openxmlformats.org/drawingml/2006/diagram" xmlns:o="urn:schemas-microsoft-com:office:office" xmlns:v="urn:schemas-microsoft-com:vml" xmlns:pvml="urn:schemas-microsoft-com:office:powerpoint" xmlns:com="http://schemas.openxmlformats.org/drawingml/2006/compatibility" xmlns:p14="http://schemas.microsoft.com/office/powerpoint/2010/main" xmlns:p15="http://schemas.microsoft.com/office/powerpoint/2012/main" xmlns:ahyp="http://schemas.microsoft.com/office/drawing/2018/hyperlinkcolor">
+<p:notesMaster xmlns:a="http://schemas.openxmlformats.org/drawingml/2006/main" xmlns:r="http://schemas.openxmlformats.org/officeDocument/2006/relationships" xmlns:p="http://schemas.openxmlformats.org/presentationml/2006/main">
   <p:cSld>
+    <p:bg>
+      <p:bgRef idx="1001">
+        <a:schemeClr val="bg1"/>
+      </p:bgRef>
+    </p:bg>
     <p:spTree>
       <p:nvGrpSpPr>
-        <p:cNvPr id="2" name="Shape 2"/>
+        <p:cNvPr id="1" name="Shape 2"/>
         <p:cNvGrpSpPr/>
         <p:nvPr/>
       </p:nvGrpSpPr>
@@ -289,20 +294,26 @@
       <p:sp>
         <p:nvSpPr>
           <p:cNvPr id="3" name="Google Shape;3;n"/>
-          <p:cNvSpPr/>
+          <p:cNvSpPr>
+            <a:spLocks noGrp="1" noRot="1" noChangeAspect="1"/>
+          </p:cNvSpPr>
           <p:nvPr>
-            <p:ph idx="2" type="sldImg"/>
+            <p:ph type="sldImg" idx="2"/>
           </p:nvPr>
         </p:nvSpPr>
         <p:spPr>
           <a:xfrm>
-            <a:off x="1143309" y="685800"/>
-            <a:ext cx="4572000" cy="3429000"/>
+            <a:off x="381000" y="685800"/>
+            <a:ext cx="6096000" cy="3429000"/>
           </a:xfrm>
           <a:custGeom>
-            <a:rect b="b" l="l" r="r" t="t"/>
+            <a:avLst/>
+            <a:gdLst/>
+            <a:ahLst/>
+            <a:cxnLst/>
+            <a:rect l="l" t="t" r="r" b="b"/>
             <a:pathLst>
-              <a:path extrusionOk="0" h="120000" w="120000">
+              <a:path w="120000" h="120000" extrusionOk="0">
                 <a:moveTo>
                   <a:pt x="0" y="0"/>
                 </a:moveTo>
@@ -320,23 +331,25 @@
             </a:pathLst>
           </a:custGeom>
           <a:noFill/>
-          <a:ln cap="flat" cmpd="sng" w="9525">
+          <a:ln w="9525" cap="flat" cmpd="sng">
             <a:solidFill>
               <a:srgbClr val="000000"/>
             </a:solidFill>
             <a:prstDash val="solid"/>
             <a:round/>
-            <a:headEnd len="sm" w="sm" type="none"/>
-            <a:tailEnd len="sm" w="sm" type="none"/>
+            <a:headEnd type="none" w="sm" len="sm"/>
+            <a:tailEnd type="none" w="sm" len="sm"/>
           </a:ln>
         </p:spPr>
       </p:sp>
       <p:sp>
         <p:nvSpPr>
           <p:cNvPr id="4" name="Google Shape;4;n"/>
-          <p:cNvSpPr txBox="1"/>
+          <p:cNvSpPr txBox="1">
+            <a:spLocks noGrp="1"/>
+          </p:cNvSpPr>
           <p:nvPr>
-            <p:ph idx="1" type="body"/>
+            <p:ph type="body" idx="1"/>
           </p:nvPr>
         </p:nvSpPr>
         <p:spPr>
@@ -353,11 +366,11 @@
           </a:ln>
         </p:spPr>
         <p:txBody>
-          <a:bodyPr anchorCtr="0" anchor="t" bIns="91425" lIns="91425" spcFirstLastPara="1" rIns="91425" wrap="square" tIns="91425">
+          <a:bodyPr spcFirstLastPara="1" wrap="square" lIns="91425" tIns="91425" rIns="91425" bIns="91425" anchor="t" anchorCtr="0">
             <a:noAutofit/>
           </a:bodyPr>
           <a:lstStyle>
-            <a:lvl1pPr indent="-298450" lvl="0" marL="457200">
+            <a:lvl1pPr marL="457200" lvl="0" indent="-298450">
               <a:spcBef>
                 <a:spcPts val="0"/>
               </a:spcBef>
@@ -368,7 +381,7 @@
               <a:buChar char="●"/>
               <a:defRPr sz="1100"/>
             </a:lvl1pPr>
-            <a:lvl2pPr indent="-298450" lvl="1" marL="914400">
+            <a:lvl2pPr marL="914400" lvl="1" indent="-298450">
               <a:spcBef>
                 <a:spcPts val="0"/>
               </a:spcBef>
@@ -379,7 +392,7 @@
               <a:buChar char="○"/>
               <a:defRPr sz="1100"/>
             </a:lvl2pPr>
-            <a:lvl3pPr indent="-298450" lvl="2" marL="1371600">
+            <a:lvl3pPr marL="1371600" lvl="2" indent="-298450">
               <a:spcBef>
                 <a:spcPts val="0"/>
               </a:spcBef>
@@ -390,7 +403,7 @@
               <a:buChar char="■"/>
               <a:defRPr sz="1100"/>
             </a:lvl3pPr>
-            <a:lvl4pPr indent="-298450" lvl="3" marL="1828800">
+            <a:lvl4pPr marL="1828800" lvl="3" indent="-298450">
               <a:spcBef>
                 <a:spcPts val="0"/>
               </a:spcBef>
@@ -401,7 +414,7 @@
               <a:buChar char="●"/>
               <a:defRPr sz="1100"/>
             </a:lvl4pPr>
-            <a:lvl5pPr indent="-298450" lvl="4" marL="2286000">
+            <a:lvl5pPr marL="2286000" lvl="4" indent="-298450">
               <a:spcBef>
                 <a:spcPts val="0"/>
               </a:spcBef>
@@ -412,7 +425,7 @@
               <a:buChar char="○"/>
               <a:defRPr sz="1100"/>
             </a:lvl5pPr>
-            <a:lvl6pPr indent="-298450" lvl="5" marL="2743200">
+            <a:lvl6pPr marL="2743200" lvl="5" indent="-298450">
               <a:spcBef>
                 <a:spcPts val="0"/>
               </a:spcBef>
@@ -423,7 +436,7 @@
               <a:buChar char="■"/>
               <a:defRPr sz="1100"/>
             </a:lvl6pPr>
-            <a:lvl7pPr indent="-298450" lvl="6" marL="3200400">
+            <a:lvl7pPr marL="3200400" lvl="6" indent="-298450">
               <a:spcBef>
                 <a:spcPts val="0"/>
               </a:spcBef>
@@ -434,7 +447,7 @@
               <a:buChar char="●"/>
               <a:defRPr sz="1100"/>
             </a:lvl7pPr>
-            <a:lvl8pPr indent="-298450" lvl="7" marL="3657600">
+            <a:lvl8pPr marL="3657600" lvl="7" indent="-298450">
               <a:spcBef>
                 <a:spcPts val="0"/>
               </a:spcBef>
@@ -445,7 +458,7 @@
               <a:buChar char="○"/>
               <a:defRPr sz="1100"/>
             </a:lvl8pPr>
-            <a:lvl9pPr indent="-298450" lvl="8" marL="4114800">
+            <a:lvl9pPr marL="4114800" lvl="8" indent="-298450">
               <a:spcBef>
                 <a:spcPts val="0"/>
               </a:spcBef>
@@ -457,14 +470,16 @@
               <a:defRPr sz="1100"/>
             </a:lvl9pPr>
           </a:lstStyle>
-          <a:p/>
+          <a:p>
+            <a:endParaRPr/>
+          </a:p>
         </p:txBody>
       </p:sp>
     </p:spTree>
   </p:cSld>
-  <p:clrMap accent1="accent1" accent2="accent2" accent3="accent3" accent4="accent4" accent5="accent5" accent6="accent6" bg1="lt1" bg2="dk2" tx1="dk1" tx2="lt2" folHlink="folHlink" hlink="hlink"/>
+  <p:clrMap bg1="lt1" tx1="dk1" bg2="dk2" tx2="lt2" accent1="accent1" accent2="accent2" accent3="accent3" accent4="accent4" accent5="accent5" accent6="accent6" hlink="hlink" folHlink="folHlink"/>
   <p:notesStyle>
-    <a:defPPr lvl="0" marR="0" rtl="0" algn="l">
+    <a:defPPr marR="0" lvl="0" algn="l" rtl="0">
       <a:lnSpc>
         <a:spcPct val="100000"/>
       </a:lnSpc>
@@ -475,7 +490,7 @@
         <a:spcPts val="0"/>
       </a:spcAft>
     </a:defPPr>
-    <a:lvl1pPr lvl="0" marR="0" rtl="0" algn="l">
+    <a:lvl1pPr marR="0" lvl="0" algn="l" rtl="0">
       <a:lnSpc>
         <a:spcPct val="100000"/>
       </a:lnSpc>
@@ -489,7 +504,7 @@
         <a:srgbClr val="000000"/>
       </a:buClr>
       <a:buFont typeface="Arial"/>
-      <a:defRPr b="0" i="0" sz="1400" u="none" cap="none" strike="noStrike">
+      <a:defRPr sz="1400" b="0" i="0" u="none" strike="noStrike" cap="none">
         <a:solidFill>
           <a:srgbClr val="000000"/>
         </a:solidFill>
@@ -499,7 +514,7 @@
         <a:sym typeface="Arial"/>
       </a:defRPr>
     </a:lvl1pPr>
-    <a:lvl2pPr lvl="1" marR="0" rtl="0" algn="l">
+    <a:lvl2pPr marR="0" lvl="1" algn="l" rtl="0">
       <a:lnSpc>
         <a:spcPct val="100000"/>
       </a:lnSpc>
@@ -513,7 +528,7 @@
         <a:srgbClr val="000000"/>
       </a:buClr>
       <a:buFont typeface="Arial"/>
-      <a:defRPr b="0" i="0" sz="1400" u="none" cap="none" strike="noStrike">
+      <a:defRPr sz="1400" b="0" i="0" u="none" strike="noStrike" cap="none">
         <a:solidFill>
           <a:srgbClr val="000000"/>
         </a:solidFill>
@@ -523,7 +538,7 @@
         <a:sym typeface="Arial"/>
       </a:defRPr>
     </a:lvl2pPr>
-    <a:lvl3pPr lvl="2" marR="0" rtl="0" algn="l">
+    <a:lvl3pPr marR="0" lvl="2" algn="l" rtl="0">
       <a:lnSpc>
         <a:spcPct val="100000"/>
       </a:lnSpc>
@@ -537,7 +552,7 @@
         <a:srgbClr val="000000"/>
       </a:buClr>
       <a:buFont typeface="Arial"/>
-      <a:defRPr b="0" i="0" sz="1400" u="none" cap="none" strike="noStrike">
+      <a:defRPr sz="1400" b="0" i="0" u="none" strike="noStrike" cap="none">
         <a:solidFill>
           <a:srgbClr val="000000"/>
         </a:solidFill>
@@ -547,7 +562,7 @@
         <a:sym typeface="Arial"/>
       </a:defRPr>
     </a:lvl3pPr>
-    <a:lvl4pPr lvl="3" marR="0" rtl="0" algn="l">
+    <a:lvl4pPr marR="0" lvl="3" algn="l" rtl="0">
       <a:lnSpc>
         <a:spcPct val="100000"/>
       </a:lnSpc>
@@ -561,7 +576,7 @@
         <a:srgbClr val="000000"/>
       </a:buClr>
       <a:buFont typeface="Arial"/>
-      <a:defRPr b="0" i="0" sz="1400" u="none" cap="none" strike="noStrike">
+      <a:defRPr sz="1400" b="0" i="0" u="none" strike="noStrike" cap="none">
         <a:solidFill>
           <a:srgbClr val="000000"/>
         </a:solidFill>
@@ -571,7 +586,7 @@
         <a:sym typeface="Arial"/>
       </a:defRPr>
     </a:lvl4pPr>
-    <a:lvl5pPr lvl="4" marR="0" rtl="0" algn="l">
+    <a:lvl5pPr marR="0" lvl="4" algn="l" rtl="0">
       <a:lnSpc>
         <a:spcPct val="100000"/>
       </a:lnSpc>
@@ -585,7 +600,7 @@
         <a:srgbClr val="000000"/>
       </a:buClr>
       <a:buFont typeface="Arial"/>
-      <a:defRPr b="0" i="0" sz="1400" u="none" cap="none" strike="noStrike">
+      <a:defRPr sz="1400" b="0" i="0" u="none" strike="noStrike" cap="none">
         <a:solidFill>
           <a:srgbClr val="000000"/>
         </a:solidFill>
@@ -595,7 +610,7 @@
         <a:sym typeface="Arial"/>
       </a:defRPr>
     </a:lvl5pPr>
-    <a:lvl6pPr lvl="5" marR="0" rtl="0" algn="l">
+    <a:lvl6pPr marR="0" lvl="5" algn="l" rtl="0">
       <a:lnSpc>
         <a:spcPct val="100000"/>
       </a:lnSpc>
@@ -609,7 +624,7 @@
         <a:srgbClr val="000000"/>
       </a:buClr>
       <a:buFont typeface="Arial"/>
-      <a:defRPr b="0" i="0" sz="1400" u="none" cap="none" strike="noStrike">
+      <a:defRPr sz="1400" b="0" i="0" u="none" strike="noStrike" cap="none">
         <a:solidFill>
           <a:srgbClr val="000000"/>
         </a:solidFill>
@@ -619,7 +634,7 @@
         <a:sym typeface="Arial"/>
       </a:defRPr>
     </a:lvl6pPr>
-    <a:lvl7pPr lvl="6" marR="0" rtl="0" algn="l">
+    <a:lvl7pPr marR="0" lvl="6" algn="l" rtl="0">
       <a:lnSpc>
         <a:spcPct val="100000"/>
       </a:lnSpc>
@@ -633,7 +648,7 @@
         <a:srgbClr val="000000"/>
       </a:buClr>
       <a:buFont typeface="Arial"/>
-      <a:defRPr b="0" i="0" sz="1400" u="none" cap="none" strike="noStrike">
+      <a:defRPr sz="1400" b="0" i="0" u="none" strike="noStrike" cap="none">
         <a:solidFill>
           <a:srgbClr val="000000"/>
         </a:solidFill>
@@ -643,7 +658,7 @@
         <a:sym typeface="Arial"/>
       </a:defRPr>
     </a:lvl7pPr>
-    <a:lvl8pPr lvl="7" marR="0" rtl="0" algn="l">
+    <a:lvl8pPr marR="0" lvl="7" algn="l" rtl="0">
       <a:lnSpc>
         <a:spcPct val="100000"/>
       </a:lnSpc>
@@ -657,7 +672,7 @@
         <a:srgbClr val="000000"/>
       </a:buClr>
       <a:buFont typeface="Arial"/>
-      <a:defRPr b="0" i="0" sz="1400" u="none" cap="none" strike="noStrike">
+      <a:defRPr sz="1400" b="0" i="0" u="none" strike="noStrike" cap="none">
         <a:solidFill>
           <a:srgbClr val="000000"/>
         </a:solidFill>
@@ -667,7 +682,7 @@
         <a:sym typeface="Arial"/>
       </a:defRPr>
     </a:lvl8pPr>
-    <a:lvl9pPr lvl="8" marR="0" rtl="0" algn="l">
+    <a:lvl9pPr marR="0" lvl="8" algn="l" rtl="0">
       <a:lnSpc>
         <a:spcPct val="100000"/>
       </a:lnSpc>
@@ -681,7 +696,7 @@
         <a:srgbClr val="000000"/>
       </a:buClr>
       <a:buFont typeface="Arial"/>
-      <a:defRPr b="0" i="0" sz="1400" u="none" cap="none" strike="noStrike">
+      <a:defRPr sz="1400" b="0" i="0" u="none" strike="noStrike" cap="none">
         <a:solidFill>
           <a:srgbClr val="000000"/>
         </a:solidFill>
@@ -696,11 +711,11 @@
 </file>
 
 <file path=ppt/notesSlides/notesSlide1.xml><?xml version="1.0" encoding="utf-8"?>
-<p:notes xmlns:a="http://schemas.openxmlformats.org/drawingml/2006/main" xmlns:r="http://schemas.openxmlformats.org/officeDocument/2006/relationships" xmlns:mc="http://schemas.openxmlformats.org/markup-compatibility/2006" xmlns:mv="urn:schemas-microsoft-com:mac:vml" xmlns:p="http://schemas.openxmlformats.org/presentationml/2006/main" xmlns:c="http://schemas.openxmlformats.org/drawingml/2006/chart" xmlns:dgm="http://schemas.openxmlformats.org/drawingml/2006/diagram" xmlns:o="urn:schemas-microsoft-com:office:office" xmlns:v="urn:schemas-microsoft-com:vml" xmlns:pvml="urn:schemas-microsoft-com:office:powerpoint" xmlns:com="http://schemas.openxmlformats.org/drawingml/2006/compatibility" xmlns:p14="http://schemas.microsoft.com/office/powerpoint/2010/main" xmlns:p15="http://schemas.microsoft.com/office/powerpoint/2012/main" xmlns:ahyp="http://schemas.microsoft.com/office/drawing/2018/hyperlinkcolor" showMasterPhAnim="0" showMasterSp="0">
+<p:notes xmlns:a="http://schemas.openxmlformats.org/drawingml/2006/main" xmlns:r="http://schemas.openxmlformats.org/officeDocument/2006/relationships" xmlns:p="http://schemas.openxmlformats.org/presentationml/2006/main" showMasterSp="0" showMasterPhAnim="0">
   <p:cSld>
     <p:spTree>
       <p:nvGrpSpPr>
-        <p:cNvPr id="50" name="Shape 50"/>
+        <p:cNvPr id="1" name="Shape 50"/>
         <p:cNvGrpSpPr/>
         <p:nvPr/>
       </p:nvGrpSpPr>
@@ -715,20 +730,26 @@
       <p:sp>
         <p:nvSpPr>
           <p:cNvPr id="51" name="Google Shape;51;p:notes"/>
-          <p:cNvSpPr/>
+          <p:cNvSpPr>
+            <a:spLocks noGrp="1" noRot="1" noChangeAspect="1"/>
+          </p:cNvSpPr>
           <p:nvPr>
-            <p:ph idx="2" type="sldImg"/>
+            <p:ph type="sldImg" idx="2"/>
           </p:nvPr>
         </p:nvSpPr>
         <p:spPr>
           <a:xfrm>
-            <a:off x="1143309" y="685800"/>
-            <a:ext cx="4572000" cy="3429000"/>
+            <a:off x="381000" y="685800"/>
+            <a:ext cx="6096000" cy="3429000"/>
           </a:xfrm>
           <a:custGeom>
-            <a:rect b="b" l="l" r="r" t="t"/>
+            <a:avLst/>
+            <a:gdLst/>
+            <a:ahLst/>
+            <a:cxnLst/>
+            <a:rect l="l" t="t" r="r" b="b"/>
             <a:pathLst>
-              <a:path extrusionOk="0" h="120000" w="120000">
+              <a:path w="120000" h="120000" extrusionOk="0">
                 <a:moveTo>
                   <a:pt x="0" y="0"/>
                 </a:moveTo>
@@ -750,9 +771,11 @@
       <p:sp>
         <p:nvSpPr>
           <p:cNvPr id="52" name="Google Shape;52;p:notes"/>
-          <p:cNvSpPr txBox="1"/>
+          <p:cNvSpPr txBox="1">
+            <a:spLocks noGrp="1"/>
+          </p:cNvSpPr>
           <p:nvPr>
-            <p:ph idx="1" type="body"/>
+            <p:ph type="body" idx="1"/>
           </p:nvPr>
         </p:nvSpPr>
         <p:spPr>
@@ -765,12 +788,12 @@
           </a:prstGeom>
         </p:spPr>
         <p:txBody>
-          <a:bodyPr anchorCtr="0" anchor="t" bIns="91425" lIns="91425" spcFirstLastPara="1" rIns="91425" wrap="square" tIns="91425">
+          <a:bodyPr spcFirstLastPara="1" wrap="square" lIns="91425" tIns="91425" rIns="91425" bIns="91425" anchor="t" anchorCtr="0">
             <a:noAutofit/>
           </a:bodyPr>
           <a:lstStyle/>
           <a:p>
-            <a:pPr indent="0" lvl="0" marL="0" rtl="0" algn="l">
+            <a:pPr marL="0" lvl="0" indent="0" algn="l" rtl="0">
               <a:spcBef>
                 <a:spcPts val="0"/>
               </a:spcBef>
@@ -779,9 +802,6 @@
               </a:spcAft>
               <a:buNone/>
             </a:pPr>
-            <a:r>
-              <a:t/>
-            </a:r>
             <a:endParaRPr/>
           </a:p>
         </p:txBody>
@@ -795,11 +815,11 @@
 </file>
 
 <file path=ppt/notesSlides/notesSlide10.xml><?xml version="1.0" encoding="utf-8"?>
-<p:notes xmlns:a="http://schemas.openxmlformats.org/drawingml/2006/main" xmlns:r="http://schemas.openxmlformats.org/officeDocument/2006/relationships" xmlns:mc="http://schemas.openxmlformats.org/markup-compatibility/2006" xmlns:mv="urn:schemas-microsoft-com:mac:vml" xmlns:p="http://schemas.openxmlformats.org/presentationml/2006/main" xmlns:c="http://schemas.openxmlformats.org/drawingml/2006/chart" xmlns:dgm="http://schemas.openxmlformats.org/drawingml/2006/diagram" xmlns:o="urn:schemas-microsoft-com:office:office" xmlns:v="urn:schemas-microsoft-com:vml" xmlns:pvml="urn:schemas-microsoft-com:office:powerpoint" xmlns:com="http://schemas.openxmlformats.org/drawingml/2006/compatibility" xmlns:p14="http://schemas.microsoft.com/office/powerpoint/2010/main" xmlns:p15="http://schemas.microsoft.com/office/powerpoint/2012/main" xmlns:ahyp="http://schemas.microsoft.com/office/drawing/2018/hyperlinkcolor" showMasterPhAnim="0" showMasterSp="0">
+<p:notes xmlns:a="http://schemas.openxmlformats.org/drawingml/2006/main" xmlns:r="http://schemas.openxmlformats.org/officeDocument/2006/relationships" xmlns:p="http://schemas.openxmlformats.org/presentationml/2006/main" showMasterSp="0" showMasterPhAnim="0">
   <p:cSld>
     <p:spTree>
       <p:nvGrpSpPr>
-        <p:cNvPr id="129" name="Shape 129"/>
+        <p:cNvPr id="1" name="Shape 129"/>
         <p:cNvGrpSpPr/>
         <p:nvPr/>
       </p:nvGrpSpPr>
@@ -814,20 +834,26 @@
       <p:sp>
         <p:nvSpPr>
           <p:cNvPr id="130" name="Google Shape;130;g100b009ac04_0_60:notes"/>
-          <p:cNvSpPr/>
+          <p:cNvSpPr>
+            <a:spLocks noGrp="1" noRot="1" noChangeAspect="1"/>
+          </p:cNvSpPr>
           <p:nvPr>
-            <p:ph idx="2" type="sldImg"/>
+            <p:ph type="sldImg" idx="2"/>
           </p:nvPr>
         </p:nvSpPr>
         <p:spPr>
           <a:xfrm>
-            <a:off x="1143309" y="685800"/>
-            <a:ext cx="4572000" cy="3429000"/>
+            <a:off x="381000" y="685800"/>
+            <a:ext cx="6096000" cy="3429000"/>
           </a:xfrm>
           <a:custGeom>
-            <a:rect b="b" l="l" r="r" t="t"/>
+            <a:avLst/>
+            <a:gdLst/>
+            <a:ahLst/>
+            <a:cxnLst/>
+            <a:rect l="l" t="t" r="r" b="b"/>
             <a:pathLst>
-              <a:path extrusionOk="0" h="120000" w="120000">
+              <a:path w="120000" h="120000" extrusionOk="0">
                 <a:moveTo>
                   <a:pt x="0" y="0"/>
                 </a:moveTo>
@@ -849,9 +875,11 @@
       <p:sp>
         <p:nvSpPr>
           <p:cNvPr id="131" name="Google Shape;131;g100b009ac04_0_60:notes"/>
-          <p:cNvSpPr txBox="1"/>
+          <p:cNvSpPr txBox="1">
+            <a:spLocks noGrp="1"/>
+          </p:cNvSpPr>
           <p:nvPr>
-            <p:ph idx="1" type="body"/>
+            <p:ph type="body" idx="1"/>
           </p:nvPr>
         </p:nvSpPr>
         <p:spPr>
@@ -864,12 +892,12 @@
           </a:prstGeom>
         </p:spPr>
         <p:txBody>
-          <a:bodyPr anchorCtr="0" anchor="t" bIns="91425" lIns="91425" spcFirstLastPara="1" rIns="91425" wrap="square" tIns="91425">
+          <a:bodyPr spcFirstLastPara="1" wrap="square" lIns="91425" tIns="91425" rIns="91425" bIns="91425" anchor="t" anchorCtr="0">
             <a:noAutofit/>
           </a:bodyPr>
           <a:lstStyle/>
           <a:p>
-            <a:pPr indent="0" lvl="0" marL="0" rtl="0" algn="l">
+            <a:pPr marL="0" lvl="0" indent="0" algn="l" rtl="0">
               <a:spcBef>
                 <a:spcPts val="0"/>
               </a:spcBef>
@@ -878,9 +906,6 @@
               </a:spcAft>
               <a:buNone/>
             </a:pPr>
-            <a:r>
-              <a:t/>
-            </a:r>
             <a:endParaRPr/>
           </a:p>
         </p:txBody>
@@ -894,11 +919,11 @@
 </file>
 
 <file path=ppt/notesSlides/notesSlide2.xml><?xml version="1.0" encoding="utf-8"?>
-<p:notes xmlns:a="http://schemas.openxmlformats.org/drawingml/2006/main" xmlns:r="http://schemas.openxmlformats.org/officeDocument/2006/relationships" xmlns:mc="http://schemas.openxmlformats.org/markup-compatibility/2006" xmlns:mv="urn:schemas-microsoft-com:mac:vml" xmlns:p="http://schemas.openxmlformats.org/presentationml/2006/main" xmlns:c="http://schemas.openxmlformats.org/drawingml/2006/chart" xmlns:dgm="http://schemas.openxmlformats.org/drawingml/2006/diagram" xmlns:o="urn:schemas-microsoft-com:office:office" xmlns:v="urn:schemas-microsoft-com:vml" xmlns:pvml="urn:schemas-microsoft-com:office:powerpoint" xmlns:com="http://schemas.openxmlformats.org/drawingml/2006/compatibility" xmlns:p14="http://schemas.microsoft.com/office/powerpoint/2010/main" xmlns:p15="http://schemas.microsoft.com/office/powerpoint/2012/main" xmlns:ahyp="http://schemas.microsoft.com/office/drawing/2018/hyperlinkcolor" showMasterPhAnim="0" showMasterSp="0">
+<p:notes xmlns:a="http://schemas.openxmlformats.org/drawingml/2006/main" xmlns:r="http://schemas.openxmlformats.org/officeDocument/2006/relationships" xmlns:p="http://schemas.openxmlformats.org/presentationml/2006/main" showMasterSp="0" showMasterPhAnim="0">
   <p:cSld>
     <p:spTree>
       <p:nvGrpSpPr>
-        <p:cNvPr id="56" name="Shape 56"/>
+        <p:cNvPr id="1" name="Shape 56"/>
         <p:cNvGrpSpPr/>
         <p:nvPr/>
       </p:nvGrpSpPr>
@@ -913,20 +938,26 @@
       <p:sp>
         <p:nvSpPr>
           <p:cNvPr id="57" name="Google Shape;57;g100b009ac04_0_0:notes"/>
-          <p:cNvSpPr/>
+          <p:cNvSpPr>
+            <a:spLocks noGrp="1" noRot="1" noChangeAspect="1"/>
+          </p:cNvSpPr>
           <p:nvPr>
-            <p:ph idx="2" type="sldImg"/>
+            <p:ph type="sldImg" idx="2"/>
           </p:nvPr>
         </p:nvSpPr>
         <p:spPr>
           <a:xfrm>
-            <a:off x="1143309" y="685800"/>
-            <a:ext cx="4572000" cy="3429000"/>
+            <a:off x="381000" y="685800"/>
+            <a:ext cx="6096000" cy="3429000"/>
           </a:xfrm>
           <a:custGeom>
-            <a:rect b="b" l="l" r="r" t="t"/>
+            <a:avLst/>
+            <a:gdLst/>
+            <a:ahLst/>
+            <a:cxnLst/>
+            <a:rect l="l" t="t" r="r" b="b"/>
             <a:pathLst>
-              <a:path extrusionOk="0" h="120000" w="120000">
+              <a:path w="120000" h="120000" extrusionOk="0">
                 <a:moveTo>
                   <a:pt x="0" y="0"/>
                 </a:moveTo>
@@ -948,9 +979,11 @@
       <p:sp>
         <p:nvSpPr>
           <p:cNvPr id="58" name="Google Shape;58;g100b009ac04_0_0:notes"/>
-          <p:cNvSpPr txBox="1"/>
+          <p:cNvSpPr txBox="1">
+            <a:spLocks noGrp="1"/>
+          </p:cNvSpPr>
           <p:nvPr>
-            <p:ph idx="1" type="body"/>
+            <p:ph type="body" idx="1"/>
           </p:nvPr>
         </p:nvSpPr>
         <p:spPr>
@@ -963,12 +996,12 @@
           </a:prstGeom>
         </p:spPr>
         <p:txBody>
-          <a:bodyPr anchorCtr="0" anchor="t" bIns="91425" lIns="91425" spcFirstLastPara="1" rIns="91425" wrap="square" tIns="91425">
+          <a:bodyPr spcFirstLastPara="1" wrap="square" lIns="91425" tIns="91425" rIns="91425" bIns="91425" anchor="t" anchorCtr="0">
             <a:noAutofit/>
           </a:bodyPr>
           <a:lstStyle/>
           <a:p>
-            <a:pPr indent="0" lvl="0" marL="0" rtl="0" algn="l">
+            <a:pPr marL="0" lvl="0" indent="0" algn="l" rtl="0">
               <a:spcBef>
                 <a:spcPts val="0"/>
               </a:spcBef>
@@ -977,9 +1010,6 @@
               </a:spcAft>
               <a:buNone/>
             </a:pPr>
-            <a:r>
-              <a:t/>
-            </a:r>
             <a:endParaRPr/>
           </a:p>
         </p:txBody>
@@ -993,11 +1023,11 @@
 </file>
 
 <file path=ppt/notesSlides/notesSlide3.xml><?xml version="1.0" encoding="utf-8"?>
-<p:notes xmlns:a="http://schemas.openxmlformats.org/drawingml/2006/main" xmlns:r="http://schemas.openxmlformats.org/officeDocument/2006/relationships" xmlns:mc="http://schemas.openxmlformats.org/markup-compatibility/2006" xmlns:mv="urn:schemas-microsoft-com:mac:vml" xmlns:p="http://schemas.openxmlformats.org/presentationml/2006/main" xmlns:c="http://schemas.openxmlformats.org/drawingml/2006/chart" xmlns:dgm="http://schemas.openxmlformats.org/drawingml/2006/diagram" xmlns:o="urn:schemas-microsoft-com:office:office" xmlns:v="urn:schemas-microsoft-com:vml" xmlns:pvml="urn:schemas-microsoft-com:office:powerpoint" xmlns:com="http://schemas.openxmlformats.org/drawingml/2006/compatibility" xmlns:p14="http://schemas.microsoft.com/office/powerpoint/2010/main" xmlns:p15="http://schemas.microsoft.com/office/powerpoint/2012/main" xmlns:ahyp="http://schemas.microsoft.com/office/drawing/2018/hyperlinkcolor" showMasterPhAnim="0" showMasterSp="0">
+<p:notes xmlns:a="http://schemas.openxmlformats.org/drawingml/2006/main" xmlns:r="http://schemas.openxmlformats.org/officeDocument/2006/relationships" xmlns:p="http://schemas.openxmlformats.org/presentationml/2006/main" showMasterSp="0" showMasterPhAnim="0">
   <p:cSld>
     <p:spTree>
       <p:nvGrpSpPr>
-        <p:cNvPr id="63" name="Shape 63"/>
+        <p:cNvPr id="1" name="Shape 63"/>
         <p:cNvGrpSpPr/>
         <p:nvPr/>
       </p:nvGrpSpPr>
@@ -1012,20 +1042,26 @@
       <p:sp>
         <p:nvSpPr>
           <p:cNvPr id="64" name="Google Shape;64;g100b009ac04_0_6:notes"/>
-          <p:cNvSpPr/>
+          <p:cNvSpPr>
+            <a:spLocks noGrp="1" noRot="1" noChangeAspect="1"/>
+          </p:cNvSpPr>
           <p:nvPr>
-            <p:ph idx="2" type="sldImg"/>
+            <p:ph type="sldImg" idx="2"/>
           </p:nvPr>
         </p:nvSpPr>
         <p:spPr>
           <a:xfrm>
-            <a:off x="1143309" y="685800"/>
-            <a:ext cx="4572000" cy="3429000"/>
+            <a:off x="381000" y="685800"/>
+            <a:ext cx="6096000" cy="3429000"/>
           </a:xfrm>
           <a:custGeom>
-            <a:rect b="b" l="l" r="r" t="t"/>
+            <a:avLst/>
+            <a:gdLst/>
+            <a:ahLst/>
+            <a:cxnLst/>
+            <a:rect l="l" t="t" r="r" b="b"/>
             <a:pathLst>
-              <a:path extrusionOk="0" h="120000" w="120000">
+              <a:path w="120000" h="120000" extrusionOk="0">
                 <a:moveTo>
                   <a:pt x="0" y="0"/>
                 </a:moveTo>
@@ -1047,9 +1083,11 @@
       <p:sp>
         <p:nvSpPr>
           <p:cNvPr id="65" name="Google Shape;65;g100b009ac04_0_6:notes"/>
-          <p:cNvSpPr txBox="1"/>
+          <p:cNvSpPr txBox="1">
+            <a:spLocks noGrp="1"/>
+          </p:cNvSpPr>
           <p:nvPr>
-            <p:ph idx="1" type="body"/>
+            <p:ph type="body" idx="1"/>
           </p:nvPr>
         </p:nvSpPr>
         <p:spPr>
@@ -1062,12 +1100,12 @@
           </a:prstGeom>
         </p:spPr>
         <p:txBody>
-          <a:bodyPr anchorCtr="0" anchor="t" bIns="91425" lIns="91425" spcFirstLastPara="1" rIns="91425" wrap="square" tIns="91425">
+          <a:bodyPr spcFirstLastPara="1" wrap="square" lIns="91425" tIns="91425" rIns="91425" bIns="91425" anchor="t" anchorCtr="0">
             <a:noAutofit/>
           </a:bodyPr>
           <a:lstStyle/>
           <a:p>
-            <a:pPr indent="0" lvl="0" marL="0" rtl="0" algn="l">
+            <a:pPr marL="0" lvl="0" indent="0" algn="l" rtl="0">
               <a:spcBef>
                 <a:spcPts val="0"/>
               </a:spcBef>
@@ -1076,9 +1114,6 @@
               </a:spcAft>
               <a:buNone/>
             </a:pPr>
-            <a:r>
-              <a:t/>
-            </a:r>
             <a:endParaRPr/>
           </a:p>
         </p:txBody>
@@ -1092,11 +1127,11 @@
 </file>
 
 <file path=ppt/notesSlides/notesSlide4.xml><?xml version="1.0" encoding="utf-8"?>
-<p:notes xmlns:a="http://schemas.openxmlformats.org/drawingml/2006/main" xmlns:r="http://schemas.openxmlformats.org/officeDocument/2006/relationships" xmlns:mc="http://schemas.openxmlformats.org/markup-compatibility/2006" xmlns:mv="urn:schemas-microsoft-com:mac:vml" xmlns:p="http://schemas.openxmlformats.org/presentationml/2006/main" xmlns:c="http://schemas.openxmlformats.org/drawingml/2006/chart" xmlns:dgm="http://schemas.openxmlformats.org/drawingml/2006/diagram" xmlns:o="urn:schemas-microsoft-com:office:office" xmlns:v="urn:schemas-microsoft-com:vml" xmlns:pvml="urn:schemas-microsoft-com:office:powerpoint" xmlns:com="http://schemas.openxmlformats.org/drawingml/2006/compatibility" xmlns:p14="http://schemas.microsoft.com/office/powerpoint/2010/main" xmlns:p15="http://schemas.microsoft.com/office/powerpoint/2012/main" xmlns:ahyp="http://schemas.microsoft.com/office/drawing/2018/hyperlinkcolor" showMasterPhAnim="0" showMasterSp="0">
+<p:notes xmlns:a="http://schemas.openxmlformats.org/drawingml/2006/main" xmlns:r="http://schemas.openxmlformats.org/officeDocument/2006/relationships" xmlns:p="http://schemas.openxmlformats.org/presentationml/2006/main" showMasterSp="0" showMasterPhAnim="0">
   <p:cSld>
     <p:spTree>
       <p:nvGrpSpPr>
-        <p:cNvPr id="78" name="Shape 78"/>
+        <p:cNvPr id="1" name="Shape 78"/>
         <p:cNvGrpSpPr/>
         <p:nvPr/>
       </p:nvGrpSpPr>
@@ -1111,20 +1146,26 @@
       <p:sp>
         <p:nvSpPr>
           <p:cNvPr id="79" name="Google Shape;79;gfa90d6d916_0_0:notes"/>
-          <p:cNvSpPr/>
+          <p:cNvSpPr>
+            <a:spLocks noGrp="1" noRot="1" noChangeAspect="1"/>
+          </p:cNvSpPr>
           <p:nvPr>
-            <p:ph idx="2" type="sldImg"/>
+            <p:ph type="sldImg" idx="2"/>
           </p:nvPr>
         </p:nvSpPr>
         <p:spPr>
           <a:xfrm>
-            <a:off x="1143309" y="685800"/>
-            <a:ext cx="4572000" cy="3429000"/>
+            <a:off x="381000" y="685800"/>
+            <a:ext cx="6096000" cy="3429000"/>
           </a:xfrm>
           <a:custGeom>
-            <a:rect b="b" l="l" r="r" t="t"/>
+            <a:avLst/>
+            <a:gdLst/>
+            <a:ahLst/>
+            <a:cxnLst/>
+            <a:rect l="l" t="t" r="r" b="b"/>
             <a:pathLst>
-              <a:path extrusionOk="0" h="120000" w="120000">
+              <a:path w="120000" h="120000" extrusionOk="0">
                 <a:moveTo>
                   <a:pt x="0" y="0"/>
                 </a:moveTo>
@@ -1146,9 +1187,11 @@
       <p:sp>
         <p:nvSpPr>
           <p:cNvPr id="80" name="Google Shape;80;gfa90d6d916_0_0:notes"/>
-          <p:cNvSpPr txBox="1"/>
+          <p:cNvSpPr txBox="1">
+            <a:spLocks noGrp="1"/>
+          </p:cNvSpPr>
           <p:nvPr>
-            <p:ph idx="1" type="body"/>
+            <p:ph type="body" idx="1"/>
           </p:nvPr>
         </p:nvSpPr>
         <p:spPr>
@@ -1161,12 +1204,12 @@
           </a:prstGeom>
         </p:spPr>
         <p:txBody>
-          <a:bodyPr anchorCtr="0" anchor="t" bIns="91425" lIns="91425" spcFirstLastPara="1" rIns="91425" wrap="square" tIns="91425">
+          <a:bodyPr spcFirstLastPara="1" wrap="square" lIns="91425" tIns="91425" rIns="91425" bIns="91425" anchor="t" anchorCtr="0">
             <a:noAutofit/>
           </a:bodyPr>
           <a:lstStyle/>
           <a:p>
-            <a:pPr indent="0" lvl="0" marL="0" rtl="0" algn="l">
+            <a:pPr marL="0" lvl="0" indent="0" algn="l" rtl="0">
               <a:spcBef>
                 <a:spcPts val="0"/>
               </a:spcBef>
@@ -1175,9 +1218,6 @@
               </a:spcAft>
               <a:buNone/>
             </a:pPr>
-            <a:r>
-              <a:t/>
-            </a:r>
             <a:endParaRPr/>
           </a:p>
         </p:txBody>
@@ -1191,11 +1231,11 @@
 </file>
 
 <file path=ppt/notesSlides/notesSlide5.xml><?xml version="1.0" encoding="utf-8"?>
-<p:notes xmlns:a="http://schemas.openxmlformats.org/drawingml/2006/main" xmlns:r="http://schemas.openxmlformats.org/officeDocument/2006/relationships" xmlns:mc="http://schemas.openxmlformats.org/markup-compatibility/2006" xmlns:mv="urn:schemas-microsoft-com:mac:vml" xmlns:p="http://schemas.openxmlformats.org/presentationml/2006/main" xmlns:c="http://schemas.openxmlformats.org/drawingml/2006/chart" xmlns:dgm="http://schemas.openxmlformats.org/drawingml/2006/diagram" xmlns:o="urn:schemas-microsoft-com:office:office" xmlns:v="urn:schemas-microsoft-com:vml" xmlns:pvml="urn:schemas-microsoft-com:office:powerpoint" xmlns:com="http://schemas.openxmlformats.org/drawingml/2006/compatibility" xmlns:p14="http://schemas.microsoft.com/office/powerpoint/2010/main" xmlns:p15="http://schemas.microsoft.com/office/powerpoint/2012/main" xmlns:ahyp="http://schemas.microsoft.com/office/drawing/2018/hyperlinkcolor" showMasterPhAnim="0" showMasterSp="0">
+<p:notes xmlns:a="http://schemas.openxmlformats.org/drawingml/2006/main" xmlns:r="http://schemas.openxmlformats.org/officeDocument/2006/relationships" xmlns:p="http://schemas.openxmlformats.org/presentationml/2006/main" showMasterSp="0" showMasterPhAnim="0">
   <p:cSld>
     <p:spTree>
       <p:nvGrpSpPr>
-        <p:cNvPr id="84" name="Shape 84"/>
+        <p:cNvPr id="1" name="Shape 84"/>
         <p:cNvGrpSpPr/>
         <p:nvPr/>
       </p:nvGrpSpPr>
@@ -1210,20 +1250,26 @@
       <p:sp>
         <p:nvSpPr>
           <p:cNvPr id="85" name="Google Shape;85;g100b009ac04_0_20:notes"/>
-          <p:cNvSpPr/>
+          <p:cNvSpPr>
+            <a:spLocks noGrp="1" noRot="1" noChangeAspect="1"/>
+          </p:cNvSpPr>
           <p:nvPr>
-            <p:ph idx="2" type="sldImg"/>
+            <p:ph type="sldImg" idx="2"/>
           </p:nvPr>
         </p:nvSpPr>
         <p:spPr>
           <a:xfrm>
-            <a:off x="1143309" y="685800"/>
-            <a:ext cx="4572000" cy="3429000"/>
+            <a:off x="381000" y="685800"/>
+            <a:ext cx="6096000" cy="3429000"/>
           </a:xfrm>
           <a:custGeom>
-            <a:rect b="b" l="l" r="r" t="t"/>
+            <a:avLst/>
+            <a:gdLst/>
+            <a:ahLst/>
+            <a:cxnLst/>
+            <a:rect l="l" t="t" r="r" b="b"/>
             <a:pathLst>
-              <a:path extrusionOk="0" h="120000" w="120000">
+              <a:path w="120000" h="120000" extrusionOk="0">
                 <a:moveTo>
                   <a:pt x="0" y="0"/>
                 </a:moveTo>
@@ -1245,9 +1291,11 @@
       <p:sp>
         <p:nvSpPr>
           <p:cNvPr id="86" name="Google Shape;86;g100b009ac04_0_20:notes"/>
-          <p:cNvSpPr txBox="1"/>
+          <p:cNvSpPr txBox="1">
+            <a:spLocks noGrp="1"/>
+          </p:cNvSpPr>
           <p:nvPr>
-            <p:ph idx="1" type="body"/>
+            <p:ph type="body" idx="1"/>
           </p:nvPr>
         </p:nvSpPr>
         <p:spPr>
@@ -1260,12 +1308,12 @@
           </a:prstGeom>
         </p:spPr>
         <p:txBody>
-          <a:bodyPr anchorCtr="0" anchor="t" bIns="91425" lIns="91425" spcFirstLastPara="1" rIns="91425" wrap="square" tIns="91425">
+          <a:bodyPr spcFirstLastPara="1" wrap="square" lIns="91425" tIns="91425" rIns="91425" bIns="91425" anchor="t" anchorCtr="0">
             <a:noAutofit/>
           </a:bodyPr>
           <a:lstStyle/>
           <a:p>
-            <a:pPr indent="0" lvl="0" marL="0" rtl="0" algn="l">
+            <a:pPr marL="0" lvl="0" indent="0" algn="l" rtl="0">
               <a:spcBef>
                 <a:spcPts val="0"/>
               </a:spcBef>
@@ -1274,9 +1322,6 @@
               </a:spcAft>
               <a:buNone/>
             </a:pPr>
-            <a:r>
-              <a:t/>
-            </a:r>
             <a:endParaRPr/>
           </a:p>
         </p:txBody>
@@ -1290,11 +1335,11 @@
 </file>
 
 <file path=ppt/notesSlides/notesSlide6.xml><?xml version="1.0" encoding="utf-8"?>
-<p:notes xmlns:a="http://schemas.openxmlformats.org/drawingml/2006/main" xmlns:r="http://schemas.openxmlformats.org/officeDocument/2006/relationships" xmlns:mc="http://schemas.openxmlformats.org/markup-compatibility/2006" xmlns:mv="urn:schemas-microsoft-com:mac:vml" xmlns:p="http://schemas.openxmlformats.org/presentationml/2006/main" xmlns:c="http://schemas.openxmlformats.org/drawingml/2006/chart" xmlns:dgm="http://schemas.openxmlformats.org/drawingml/2006/diagram" xmlns:o="urn:schemas-microsoft-com:office:office" xmlns:v="urn:schemas-microsoft-com:vml" xmlns:pvml="urn:schemas-microsoft-com:office:powerpoint" xmlns:com="http://schemas.openxmlformats.org/drawingml/2006/compatibility" xmlns:p14="http://schemas.microsoft.com/office/powerpoint/2010/main" xmlns:p15="http://schemas.microsoft.com/office/powerpoint/2012/main" xmlns:ahyp="http://schemas.microsoft.com/office/drawing/2018/hyperlinkcolor" showMasterPhAnim="0" showMasterSp="0">
+<p:notes xmlns:a="http://schemas.openxmlformats.org/drawingml/2006/main" xmlns:r="http://schemas.openxmlformats.org/officeDocument/2006/relationships" xmlns:p="http://schemas.openxmlformats.org/presentationml/2006/main" showMasterSp="0" showMasterPhAnim="0">
   <p:cSld>
     <p:spTree>
       <p:nvGrpSpPr>
-        <p:cNvPr id="93" name="Shape 93"/>
+        <p:cNvPr id="1" name="Shape 93"/>
         <p:cNvGrpSpPr/>
         <p:nvPr/>
       </p:nvGrpSpPr>
@@ -1309,20 +1354,26 @@
       <p:sp>
         <p:nvSpPr>
           <p:cNvPr id="94" name="Google Shape;94;g100b009ac04_0_26:notes"/>
-          <p:cNvSpPr/>
+          <p:cNvSpPr>
+            <a:spLocks noGrp="1" noRot="1" noChangeAspect="1"/>
+          </p:cNvSpPr>
           <p:nvPr>
-            <p:ph idx="2" type="sldImg"/>
+            <p:ph type="sldImg" idx="2"/>
           </p:nvPr>
         </p:nvSpPr>
         <p:spPr>
           <a:xfrm>
-            <a:off x="1143309" y="685800"/>
-            <a:ext cx="4572000" cy="3429000"/>
+            <a:off x="381000" y="685800"/>
+            <a:ext cx="6096000" cy="3429000"/>
           </a:xfrm>
           <a:custGeom>
-            <a:rect b="b" l="l" r="r" t="t"/>
+            <a:avLst/>
+            <a:gdLst/>
+            <a:ahLst/>
+            <a:cxnLst/>
+            <a:rect l="l" t="t" r="r" b="b"/>
             <a:pathLst>
-              <a:path extrusionOk="0" h="120000" w="120000">
+              <a:path w="120000" h="120000" extrusionOk="0">
                 <a:moveTo>
                   <a:pt x="0" y="0"/>
                 </a:moveTo>
@@ -1344,9 +1395,11 @@
       <p:sp>
         <p:nvSpPr>
           <p:cNvPr id="95" name="Google Shape;95;g100b009ac04_0_26:notes"/>
-          <p:cNvSpPr txBox="1"/>
+          <p:cNvSpPr txBox="1">
+            <a:spLocks noGrp="1"/>
+          </p:cNvSpPr>
           <p:nvPr>
-            <p:ph idx="1" type="body"/>
+            <p:ph type="body" idx="1"/>
           </p:nvPr>
         </p:nvSpPr>
         <p:spPr>
@@ -1359,12 +1412,12 @@
           </a:prstGeom>
         </p:spPr>
         <p:txBody>
-          <a:bodyPr anchorCtr="0" anchor="t" bIns="91425" lIns="91425" spcFirstLastPara="1" rIns="91425" wrap="square" tIns="91425">
+          <a:bodyPr spcFirstLastPara="1" wrap="square" lIns="91425" tIns="91425" rIns="91425" bIns="91425" anchor="t" anchorCtr="0">
             <a:noAutofit/>
           </a:bodyPr>
           <a:lstStyle/>
           <a:p>
-            <a:pPr indent="0" lvl="0" marL="0" rtl="0" algn="l">
+            <a:pPr marL="0" lvl="0" indent="0" algn="l" rtl="0">
               <a:spcBef>
                 <a:spcPts val="0"/>
               </a:spcBef>
@@ -1373,9 +1426,6 @@
               </a:spcAft>
               <a:buNone/>
             </a:pPr>
-            <a:r>
-              <a:t/>
-            </a:r>
             <a:endParaRPr/>
           </a:p>
         </p:txBody>
@@ -1389,11 +1439,11 @@
 </file>
 
 <file path=ppt/notesSlides/notesSlide7.xml><?xml version="1.0" encoding="utf-8"?>
-<p:notes xmlns:a="http://schemas.openxmlformats.org/drawingml/2006/main" xmlns:r="http://schemas.openxmlformats.org/officeDocument/2006/relationships" xmlns:mc="http://schemas.openxmlformats.org/markup-compatibility/2006" xmlns:mv="urn:schemas-microsoft-com:mac:vml" xmlns:p="http://schemas.openxmlformats.org/presentationml/2006/main" xmlns:c="http://schemas.openxmlformats.org/drawingml/2006/chart" xmlns:dgm="http://schemas.openxmlformats.org/drawingml/2006/diagram" xmlns:o="urn:schemas-microsoft-com:office:office" xmlns:v="urn:schemas-microsoft-com:vml" xmlns:pvml="urn:schemas-microsoft-com:office:powerpoint" xmlns:com="http://schemas.openxmlformats.org/drawingml/2006/compatibility" xmlns:p14="http://schemas.microsoft.com/office/powerpoint/2010/main" xmlns:p15="http://schemas.microsoft.com/office/powerpoint/2012/main" xmlns:ahyp="http://schemas.microsoft.com/office/drawing/2018/hyperlinkcolor" showMasterPhAnim="0" showMasterSp="0">
+<p:notes xmlns:a="http://schemas.openxmlformats.org/drawingml/2006/main" xmlns:r="http://schemas.openxmlformats.org/officeDocument/2006/relationships" xmlns:p="http://schemas.openxmlformats.org/presentationml/2006/main" showMasterSp="0" showMasterPhAnim="0">
   <p:cSld>
     <p:spTree>
       <p:nvGrpSpPr>
-        <p:cNvPr id="100" name="Shape 100"/>
+        <p:cNvPr id="1" name="Shape 100"/>
         <p:cNvGrpSpPr/>
         <p:nvPr/>
       </p:nvGrpSpPr>
@@ -1408,20 +1458,26 @@
       <p:sp>
         <p:nvSpPr>
           <p:cNvPr id="101" name="Google Shape;101;g100b009ac04_0_32:notes"/>
-          <p:cNvSpPr/>
+          <p:cNvSpPr>
+            <a:spLocks noGrp="1" noRot="1" noChangeAspect="1"/>
+          </p:cNvSpPr>
           <p:nvPr>
-            <p:ph idx="2" type="sldImg"/>
+            <p:ph type="sldImg" idx="2"/>
           </p:nvPr>
         </p:nvSpPr>
         <p:spPr>
           <a:xfrm>
-            <a:off x="1143309" y="685800"/>
-            <a:ext cx="4572000" cy="3429000"/>
+            <a:off x="381000" y="685800"/>
+            <a:ext cx="6096000" cy="3429000"/>
           </a:xfrm>
           <a:custGeom>
-            <a:rect b="b" l="l" r="r" t="t"/>
+            <a:avLst/>
+            <a:gdLst/>
+            <a:ahLst/>
+            <a:cxnLst/>
+            <a:rect l="l" t="t" r="r" b="b"/>
             <a:pathLst>
-              <a:path extrusionOk="0" h="120000" w="120000">
+              <a:path w="120000" h="120000" extrusionOk="0">
                 <a:moveTo>
                   <a:pt x="0" y="0"/>
                 </a:moveTo>
@@ -1443,9 +1499,11 @@
       <p:sp>
         <p:nvSpPr>
           <p:cNvPr id="102" name="Google Shape;102;g100b009ac04_0_32:notes"/>
-          <p:cNvSpPr txBox="1"/>
+          <p:cNvSpPr txBox="1">
+            <a:spLocks noGrp="1"/>
+          </p:cNvSpPr>
           <p:nvPr>
-            <p:ph idx="1" type="body"/>
+            <p:ph type="body" idx="1"/>
           </p:nvPr>
         </p:nvSpPr>
         <p:spPr>
@@ -1458,12 +1516,12 @@
           </a:prstGeom>
         </p:spPr>
         <p:txBody>
-          <a:bodyPr anchorCtr="0" anchor="t" bIns="91425" lIns="91425" spcFirstLastPara="1" rIns="91425" wrap="square" tIns="91425">
+          <a:bodyPr spcFirstLastPara="1" wrap="square" lIns="91425" tIns="91425" rIns="91425" bIns="91425" anchor="t" anchorCtr="0">
             <a:noAutofit/>
           </a:bodyPr>
           <a:lstStyle/>
           <a:p>
-            <a:pPr indent="0" lvl="0" marL="0" rtl="0" algn="l">
+            <a:pPr marL="0" lvl="0" indent="0" algn="l" rtl="0">
               <a:spcBef>
                 <a:spcPts val="0"/>
               </a:spcBef>
@@ -1472,9 +1530,6 @@
               </a:spcAft>
               <a:buNone/>
             </a:pPr>
-            <a:r>
-              <a:t/>
-            </a:r>
             <a:endParaRPr/>
           </a:p>
         </p:txBody>
@@ -1488,11 +1543,11 @@
 </file>
 
 <file path=ppt/notesSlides/notesSlide8.xml><?xml version="1.0" encoding="utf-8"?>
-<p:notes xmlns:a="http://schemas.openxmlformats.org/drawingml/2006/main" xmlns:r="http://schemas.openxmlformats.org/officeDocument/2006/relationships" xmlns:mc="http://schemas.openxmlformats.org/markup-compatibility/2006" xmlns:mv="urn:schemas-microsoft-com:mac:vml" xmlns:p="http://schemas.openxmlformats.org/presentationml/2006/main" xmlns:c="http://schemas.openxmlformats.org/drawingml/2006/chart" xmlns:dgm="http://schemas.openxmlformats.org/drawingml/2006/diagram" xmlns:o="urn:schemas-microsoft-com:office:office" xmlns:v="urn:schemas-microsoft-com:vml" xmlns:pvml="urn:schemas-microsoft-com:office:powerpoint" xmlns:com="http://schemas.openxmlformats.org/drawingml/2006/compatibility" xmlns:p14="http://schemas.microsoft.com/office/powerpoint/2010/main" xmlns:p15="http://schemas.microsoft.com/office/powerpoint/2012/main" xmlns:ahyp="http://schemas.microsoft.com/office/drawing/2018/hyperlinkcolor" showMasterPhAnim="0" showMasterSp="0">
+<p:notes xmlns:a="http://schemas.openxmlformats.org/drawingml/2006/main" xmlns:r="http://schemas.openxmlformats.org/officeDocument/2006/relationships" xmlns:p="http://schemas.openxmlformats.org/presentationml/2006/main" showMasterSp="0" showMasterPhAnim="0">
   <p:cSld>
     <p:spTree>
       <p:nvGrpSpPr>
-        <p:cNvPr id="107" name="Shape 107"/>
+        <p:cNvPr id="1" name="Shape 107"/>
         <p:cNvGrpSpPr/>
         <p:nvPr/>
       </p:nvGrpSpPr>
@@ -1507,20 +1562,26 @@
       <p:sp>
         <p:nvSpPr>
           <p:cNvPr id="108" name="Google Shape;108;g100b009ac04_0_40:notes"/>
-          <p:cNvSpPr/>
+          <p:cNvSpPr>
+            <a:spLocks noGrp="1" noRot="1" noChangeAspect="1"/>
+          </p:cNvSpPr>
           <p:nvPr>
-            <p:ph idx="2" type="sldImg"/>
+            <p:ph type="sldImg" idx="2"/>
           </p:nvPr>
         </p:nvSpPr>
         <p:spPr>
           <a:xfrm>
-            <a:off x="1143309" y="685800"/>
-            <a:ext cx="4572000" cy="3429000"/>
+            <a:off x="381000" y="685800"/>
+            <a:ext cx="6096000" cy="3429000"/>
           </a:xfrm>
           <a:custGeom>
-            <a:rect b="b" l="l" r="r" t="t"/>
+            <a:avLst/>
+            <a:gdLst/>
+            <a:ahLst/>
+            <a:cxnLst/>
+            <a:rect l="l" t="t" r="r" b="b"/>
             <a:pathLst>
-              <a:path extrusionOk="0" h="120000" w="120000">
+              <a:path w="120000" h="120000" extrusionOk="0">
                 <a:moveTo>
                   <a:pt x="0" y="0"/>
                 </a:moveTo>
@@ -1542,9 +1603,11 @@
       <p:sp>
         <p:nvSpPr>
           <p:cNvPr id="109" name="Google Shape;109;g100b009ac04_0_40:notes"/>
-          <p:cNvSpPr txBox="1"/>
+          <p:cNvSpPr txBox="1">
+            <a:spLocks noGrp="1"/>
+          </p:cNvSpPr>
           <p:nvPr>
-            <p:ph idx="1" type="body"/>
+            <p:ph type="body" idx="1"/>
           </p:nvPr>
         </p:nvSpPr>
         <p:spPr>
@@ -1557,12 +1620,12 @@
           </a:prstGeom>
         </p:spPr>
         <p:txBody>
-          <a:bodyPr anchorCtr="0" anchor="t" bIns="91425" lIns="91425" spcFirstLastPara="1" rIns="91425" wrap="square" tIns="91425">
+          <a:bodyPr spcFirstLastPara="1" wrap="square" lIns="91425" tIns="91425" rIns="91425" bIns="91425" anchor="t" anchorCtr="0">
             <a:noAutofit/>
           </a:bodyPr>
           <a:lstStyle/>
           <a:p>
-            <a:pPr indent="0" lvl="0" marL="0" rtl="0" algn="l">
+            <a:pPr marL="0" lvl="0" indent="0" algn="l" rtl="0">
               <a:spcBef>
                 <a:spcPts val="0"/>
               </a:spcBef>
@@ -1571,9 +1634,6 @@
               </a:spcAft>
               <a:buNone/>
             </a:pPr>
-            <a:r>
-              <a:t/>
-            </a:r>
             <a:endParaRPr/>
           </a:p>
         </p:txBody>
@@ -1587,11 +1647,11 @@
 </file>
 
 <file path=ppt/notesSlides/notesSlide9.xml><?xml version="1.0" encoding="utf-8"?>
-<p:notes xmlns:a="http://schemas.openxmlformats.org/drawingml/2006/main" xmlns:r="http://schemas.openxmlformats.org/officeDocument/2006/relationships" xmlns:mc="http://schemas.openxmlformats.org/markup-compatibility/2006" xmlns:mv="urn:schemas-microsoft-com:mac:vml" xmlns:p="http://schemas.openxmlformats.org/presentationml/2006/main" xmlns:c="http://schemas.openxmlformats.org/drawingml/2006/chart" xmlns:dgm="http://schemas.openxmlformats.org/drawingml/2006/diagram" xmlns:o="urn:schemas-microsoft-com:office:office" xmlns:v="urn:schemas-microsoft-com:vml" xmlns:pvml="urn:schemas-microsoft-com:office:powerpoint" xmlns:com="http://schemas.openxmlformats.org/drawingml/2006/compatibility" xmlns:p14="http://schemas.microsoft.com/office/powerpoint/2010/main" xmlns:p15="http://schemas.microsoft.com/office/powerpoint/2012/main" xmlns:ahyp="http://schemas.microsoft.com/office/drawing/2018/hyperlinkcolor" showMasterPhAnim="0" showMasterSp="0">
+<p:notes xmlns:a="http://schemas.openxmlformats.org/drawingml/2006/main" xmlns:r="http://schemas.openxmlformats.org/officeDocument/2006/relationships" xmlns:p="http://schemas.openxmlformats.org/presentationml/2006/main" showMasterSp="0" showMasterPhAnim="0">
   <p:cSld>
     <p:spTree>
       <p:nvGrpSpPr>
-        <p:cNvPr id="122" name="Shape 122"/>
+        <p:cNvPr id="1" name="Shape 122"/>
         <p:cNvGrpSpPr/>
         <p:nvPr/>
       </p:nvGrpSpPr>
@@ -1606,20 +1666,26 @@
       <p:sp>
         <p:nvSpPr>
           <p:cNvPr id="123" name="Google Shape;123;g100b009ac04_0_54:notes"/>
-          <p:cNvSpPr/>
+          <p:cNvSpPr>
+            <a:spLocks noGrp="1" noRot="1" noChangeAspect="1"/>
+          </p:cNvSpPr>
           <p:nvPr>
-            <p:ph idx="2" type="sldImg"/>
+            <p:ph type="sldImg" idx="2"/>
           </p:nvPr>
         </p:nvSpPr>
         <p:spPr>
           <a:xfrm>
-            <a:off x="1143309" y="685800"/>
-            <a:ext cx="4572000" cy="3429000"/>
+            <a:off x="381000" y="685800"/>
+            <a:ext cx="6096000" cy="3429000"/>
           </a:xfrm>
           <a:custGeom>
-            <a:rect b="b" l="l" r="r" t="t"/>
+            <a:avLst/>
+            <a:gdLst/>
+            <a:ahLst/>
+            <a:cxnLst/>
+            <a:rect l="l" t="t" r="r" b="b"/>
             <a:pathLst>
-              <a:path extrusionOk="0" h="120000" w="120000">
+              <a:path w="120000" h="120000" extrusionOk="0">
                 <a:moveTo>
                   <a:pt x="0" y="0"/>
                 </a:moveTo>
@@ -1641,9 +1707,11 @@
       <p:sp>
         <p:nvSpPr>
           <p:cNvPr id="124" name="Google Shape;124;g100b009ac04_0_54:notes"/>
-          <p:cNvSpPr txBox="1"/>
+          <p:cNvSpPr txBox="1">
+            <a:spLocks noGrp="1"/>
+          </p:cNvSpPr>
           <p:nvPr>
-            <p:ph idx="1" type="body"/>
+            <p:ph type="body" idx="1"/>
           </p:nvPr>
         </p:nvSpPr>
         <p:spPr>
@@ -1656,12 +1724,12 @@
           </a:prstGeom>
         </p:spPr>
         <p:txBody>
-          <a:bodyPr anchorCtr="0" anchor="t" bIns="91425" lIns="91425" spcFirstLastPara="1" rIns="91425" wrap="square" tIns="91425">
+          <a:bodyPr spcFirstLastPara="1" wrap="square" lIns="91425" tIns="91425" rIns="91425" bIns="91425" anchor="t" anchorCtr="0">
             <a:noAutofit/>
           </a:bodyPr>
           <a:lstStyle/>
           <a:p>
-            <a:pPr indent="0" lvl="0" marL="0" rtl="0" algn="l">
+            <a:pPr marL="0" lvl="0" indent="0" algn="l" rtl="0">
               <a:spcBef>
                 <a:spcPts val="0"/>
               </a:spcBef>
@@ -1670,9 +1738,6 @@
               </a:spcAft>
               <a:buNone/>
             </a:pPr>
-            <a:r>
-              <a:t/>
-            </a:r>
             <a:endParaRPr/>
           </a:p>
         </p:txBody>
@@ -1686,11 +1751,11 @@
 </file>
 
 <file path=ppt/slideLayouts/slideLayout1.xml><?xml version="1.0" encoding="utf-8"?>
-<p:sldLayout xmlns:a="http://schemas.openxmlformats.org/drawingml/2006/main" xmlns:r="http://schemas.openxmlformats.org/officeDocument/2006/relationships" xmlns:mc="http://schemas.openxmlformats.org/markup-compatibility/2006" xmlns:mv="urn:schemas-microsoft-com:mac:vml" xmlns:p="http://schemas.openxmlformats.org/presentationml/2006/main" xmlns:c="http://schemas.openxmlformats.org/drawingml/2006/chart" xmlns:dgm="http://schemas.openxmlformats.org/drawingml/2006/diagram" xmlns:o="urn:schemas-microsoft-com:office:office" xmlns:v="urn:schemas-microsoft-com:vml" xmlns:pvml="urn:schemas-microsoft-com:office:powerpoint" xmlns:com="http://schemas.openxmlformats.org/drawingml/2006/compatibility" xmlns:p14="http://schemas.microsoft.com/office/powerpoint/2010/main" xmlns:p15="http://schemas.microsoft.com/office/powerpoint/2012/main" xmlns:ahyp="http://schemas.microsoft.com/office/drawing/2018/hyperlinkcolor" matchingName="Title slide" type="title">
+<p:sldLayout xmlns:a="http://schemas.openxmlformats.org/drawingml/2006/main" xmlns:r="http://schemas.openxmlformats.org/officeDocument/2006/relationships" xmlns:p="http://schemas.openxmlformats.org/presentationml/2006/main" matchingName="Title slide" type="title">
   <p:cSld name="TITLE">
     <p:spTree>
       <p:nvGrpSpPr>
-        <p:cNvPr id="9" name="Shape 9"/>
+        <p:cNvPr id="1" name="Shape 9"/>
         <p:cNvGrpSpPr/>
         <p:nvPr/>
       </p:nvGrpSpPr>
@@ -1705,22 +1770,24 @@
       <p:sp>
         <p:nvSpPr>
           <p:cNvPr id="10" name="Google Shape;10;p2"/>
-          <p:cNvSpPr txBox="1"/>
+          <p:cNvSpPr txBox="1">
+            <a:spLocks noGrp="1"/>
+          </p:cNvSpPr>
           <p:nvPr>
             <p:ph type="ctrTitle"/>
           </p:nvPr>
         </p:nvSpPr>
         <p:spPr>
           <a:xfrm>
-            <a:off x="311708" y="992767"/>
-            <a:ext cx="8520600" cy="2736900"/>
+            <a:off x="415611" y="992767"/>
+            <a:ext cx="11360800" cy="2736900"/>
           </a:xfrm>
           <a:prstGeom prst="rect">
             <a:avLst/>
           </a:prstGeom>
         </p:spPr>
         <p:txBody>
-          <a:bodyPr anchorCtr="0" anchor="b" bIns="91425" lIns="91425" spcFirstLastPara="1" rIns="91425" wrap="square" tIns="91425">
+          <a:bodyPr spcFirstLastPara="1" wrap="square" lIns="91425" tIns="91425" rIns="91425" bIns="91425" anchor="b" anchorCtr="0">
             <a:normAutofit/>
           </a:bodyPr>
           <a:lstStyle>
@@ -1824,28 +1891,32 @@
               <a:defRPr sz="5200"/>
             </a:lvl9pPr>
           </a:lstStyle>
-          <a:p/>
+          <a:p>
+            <a:endParaRPr/>
+          </a:p>
         </p:txBody>
       </p:sp>
       <p:sp>
         <p:nvSpPr>
           <p:cNvPr id="11" name="Google Shape;11;p2"/>
-          <p:cNvSpPr txBox="1"/>
+          <p:cNvSpPr txBox="1">
+            <a:spLocks noGrp="1"/>
+          </p:cNvSpPr>
           <p:nvPr>
-            <p:ph idx="1" type="subTitle"/>
+            <p:ph type="subTitle" idx="1"/>
           </p:nvPr>
         </p:nvSpPr>
         <p:spPr>
           <a:xfrm>
-            <a:off x="311700" y="3778833"/>
-            <a:ext cx="8520600" cy="1056900"/>
+            <a:off x="415600" y="3778833"/>
+            <a:ext cx="11360800" cy="1056900"/>
           </a:xfrm>
           <a:prstGeom prst="rect">
             <a:avLst/>
           </a:prstGeom>
         </p:spPr>
         <p:txBody>
-          <a:bodyPr anchorCtr="0" anchor="t" bIns="91425" lIns="91425" spcFirstLastPara="1" rIns="91425" wrap="square" tIns="91425">
+          <a:bodyPr spcFirstLastPara="1" wrap="square" lIns="91425" tIns="91425" rIns="91425" bIns="91425" anchor="t" anchorCtr="0">
             <a:normAutofit/>
           </a:bodyPr>
           <a:lstStyle>
@@ -1976,28 +2047,32 @@
               <a:defRPr sz="2800"/>
             </a:lvl9pPr>
           </a:lstStyle>
-          <a:p/>
+          <a:p>
+            <a:endParaRPr/>
+          </a:p>
         </p:txBody>
       </p:sp>
       <p:sp>
         <p:nvSpPr>
           <p:cNvPr id="12" name="Google Shape;12;p2"/>
-          <p:cNvSpPr txBox="1"/>
+          <p:cNvSpPr txBox="1">
+            <a:spLocks noGrp="1"/>
+          </p:cNvSpPr>
           <p:nvPr>
-            <p:ph idx="12" type="sldNum"/>
+            <p:ph type="sldNum" idx="12"/>
           </p:nvPr>
         </p:nvSpPr>
         <p:spPr>
           <a:xfrm>
-            <a:off x="8472458" y="6217622"/>
-            <a:ext cx="548700" cy="524700"/>
+            <a:off x="11296611" y="6217622"/>
+            <a:ext cx="731600" cy="524700"/>
           </a:xfrm>
           <a:prstGeom prst="rect">
             <a:avLst/>
           </a:prstGeom>
         </p:spPr>
         <p:txBody>
-          <a:bodyPr anchorCtr="0" anchor="ctr" bIns="91425" lIns="91425" spcFirstLastPara="1" rIns="91425" wrap="square" tIns="91425">
+          <a:bodyPr spcFirstLastPara="1" wrap="square" lIns="91425" tIns="91425" rIns="91425" bIns="91425" anchor="ctr" anchorCtr="0">
             <a:normAutofit/>
           </a:bodyPr>
           <a:lstStyle>
@@ -2039,23 +2114,45 @@
             </a:lvl9pPr>
           </a:lstStyle>
           <a:p>
-            <a:pPr indent="0" lvl="0" marL="0" rtl="0" algn="r">
-              <a:spcBef>
-                <a:spcPts val="0"/>
-              </a:spcBef>
-              <a:spcAft>
-                <a:spcPts val="0"/>
-              </a:spcAft>
-              <a:buNone/>
-            </a:pPr>
             <a:fld id="{00000000-1234-1234-1234-123412341234}" type="slidenum">
-              <a:rPr lang="en"/>
+              <a:rPr lang="en" smtClean="0"/>
+              <a:pPr/>
               <a:t>‹#›</a:t>
             </a:fld>
-            <a:endParaRPr/>
+            <a:endParaRPr lang="en"/>
           </a:p>
         </p:txBody>
       </p:sp>
+      <p:pic>
+        <p:nvPicPr>
+          <p:cNvPr id="2" name="그림 1">
+            <a:extLst>
+              <a:ext uri="{FF2B5EF4-FFF2-40B4-BE49-F238E27FC236}">
+                <a16:creationId xmlns:a16="http://schemas.microsoft.com/office/drawing/2014/main" id="{748E591C-5ADD-D8A2-5AA8-D0C188B5BEE5}"/>
+              </a:ext>
+            </a:extLst>
+          </p:cNvPr>
+          <p:cNvPicPr>
+            <a:picLocks noChangeAspect="1"/>
+          </p:cNvPicPr>
+          <p:nvPr userDrawn="1"/>
+        </p:nvPicPr>
+        <p:blipFill>
+          <a:blip r:embed="rId2"/>
+          <a:stretch>
+            <a:fillRect/>
+          </a:stretch>
+        </p:blipFill>
+        <p:spPr>
+          <a:xfrm>
+            <a:off x="4772910" y="4688868"/>
+            <a:ext cx="2646180" cy="1046769"/>
+          </a:xfrm>
+          <a:prstGeom prst="rect">
+            <a:avLst/>
+          </a:prstGeom>
+        </p:spPr>
+      </p:pic>
     </p:spTree>
   </p:cSld>
   <p:clrMapOvr>
@@ -2065,11 +2162,11 @@
 </file>
 
 <file path=ppt/slideLayouts/slideLayout10.xml><?xml version="1.0" encoding="utf-8"?>
-<p:sldLayout xmlns:a="http://schemas.openxmlformats.org/drawingml/2006/main" xmlns:r="http://schemas.openxmlformats.org/officeDocument/2006/relationships" xmlns:mc="http://schemas.openxmlformats.org/markup-compatibility/2006" xmlns:mv="urn:schemas-microsoft-com:mac:vml" xmlns:p="http://schemas.openxmlformats.org/presentationml/2006/main" xmlns:c="http://schemas.openxmlformats.org/drawingml/2006/chart" xmlns:dgm="http://schemas.openxmlformats.org/drawingml/2006/diagram" xmlns:o="urn:schemas-microsoft-com:office:office" xmlns:v="urn:schemas-microsoft-com:vml" xmlns:pvml="urn:schemas-microsoft-com:office:powerpoint" xmlns:com="http://schemas.openxmlformats.org/drawingml/2006/compatibility" xmlns:p14="http://schemas.microsoft.com/office/powerpoint/2010/main" xmlns:p15="http://schemas.microsoft.com/office/powerpoint/2012/main" xmlns:ahyp="http://schemas.microsoft.com/office/drawing/2018/hyperlinkcolor" matchingName="Big number">
+<p:sldLayout xmlns:a="http://schemas.openxmlformats.org/drawingml/2006/main" xmlns:r="http://schemas.openxmlformats.org/officeDocument/2006/relationships" xmlns:p="http://schemas.openxmlformats.org/presentationml/2006/main" matchingName="Big number">
   <p:cSld name="BIG_NUMBER">
     <p:spTree>
       <p:nvGrpSpPr>
-        <p:cNvPr id="44" name="Shape 44"/>
+        <p:cNvPr id="1" name="Shape 44"/>
         <p:cNvGrpSpPr/>
         <p:nvPr/>
       </p:nvGrpSpPr>
@@ -2084,22 +2181,24 @@
       <p:sp>
         <p:nvSpPr>
           <p:cNvPr id="45" name="Google Shape;45;p11"/>
-          <p:cNvSpPr txBox="1"/>
+          <p:cNvSpPr txBox="1">
+            <a:spLocks noGrp="1"/>
+          </p:cNvSpPr>
           <p:nvPr>
-            <p:ph hasCustomPrompt="1" type="title"/>
+            <p:ph type="title" hasCustomPrompt="1"/>
           </p:nvPr>
         </p:nvSpPr>
         <p:spPr>
           <a:xfrm>
-            <a:off x="311700" y="1474833"/>
-            <a:ext cx="8520600" cy="2618100"/>
+            <a:off x="415600" y="1474833"/>
+            <a:ext cx="11360800" cy="2618100"/>
           </a:xfrm>
           <a:prstGeom prst="rect">
             <a:avLst/>
           </a:prstGeom>
         </p:spPr>
         <p:txBody>
-          <a:bodyPr anchorCtr="0" anchor="b" bIns="91425" lIns="91425" spcFirstLastPara="1" rIns="91425" wrap="square" tIns="91425">
+          <a:bodyPr spcFirstLastPara="1" wrap="square" lIns="91425" tIns="91425" rIns="91425" bIns="91425" anchor="b" anchorCtr="0">
             <a:normAutofit/>
           </a:bodyPr>
           <a:lstStyle>
@@ -2213,26 +2312,28 @@
       <p:sp>
         <p:nvSpPr>
           <p:cNvPr id="46" name="Google Shape;46;p11"/>
-          <p:cNvSpPr txBox="1"/>
+          <p:cNvSpPr txBox="1">
+            <a:spLocks noGrp="1"/>
+          </p:cNvSpPr>
           <p:nvPr>
-            <p:ph idx="1" type="body"/>
+            <p:ph type="body" idx="1"/>
           </p:nvPr>
         </p:nvSpPr>
         <p:spPr>
           <a:xfrm>
-            <a:off x="311700" y="4202967"/>
-            <a:ext cx="8520600" cy="1734300"/>
+            <a:off x="415600" y="4202967"/>
+            <a:ext cx="11360800" cy="1734300"/>
           </a:xfrm>
           <a:prstGeom prst="rect">
             <a:avLst/>
           </a:prstGeom>
         </p:spPr>
         <p:txBody>
-          <a:bodyPr anchorCtr="0" anchor="t" bIns="91425" lIns="91425" spcFirstLastPara="1" rIns="91425" wrap="square" tIns="91425">
+          <a:bodyPr spcFirstLastPara="1" wrap="square" lIns="91425" tIns="91425" rIns="91425" bIns="91425" anchor="t" anchorCtr="0">
             <a:normAutofit/>
           </a:bodyPr>
           <a:lstStyle>
-            <a:lvl1pPr indent="-342900" lvl="0" marL="457200" algn="ctr">
+            <a:lvl1pPr marL="457200" lvl="0" indent="-342900" algn="ctr">
               <a:spcBef>
                 <a:spcPts val="0"/>
               </a:spcBef>
@@ -2243,7 +2344,7 @@
               <a:buChar char="●"/>
               <a:defRPr/>
             </a:lvl1pPr>
-            <a:lvl2pPr indent="-317500" lvl="1" marL="914400" algn="ctr">
+            <a:lvl2pPr marL="914400" lvl="1" indent="-317500" algn="ctr">
               <a:spcBef>
                 <a:spcPts val="0"/>
               </a:spcBef>
@@ -2254,7 +2355,7 @@
               <a:buChar char="○"/>
               <a:defRPr/>
             </a:lvl2pPr>
-            <a:lvl3pPr indent="-317500" lvl="2" marL="1371600" algn="ctr">
+            <a:lvl3pPr marL="1371600" lvl="2" indent="-317500" algn="ctr">
               <a:spcBef>
                 <a:spcPts val="0"/>
               </a:spcBef>
@@ -2265,7 +2366,7 @@
               <a:buChar char="■"/>
               <a:defRPr/>
             </a:lvl3pPr>
-            <a:lvl4pPr indent="-317500" lvl="3" marL="1828800" algn="ctr">
+            <a:lvl4pPr marL="1828800" lvl="3" indent="-317500" algn="ctr">
               <a:spcBef>
                 <a:spcPts val="0"/>
               </a:spcBef>
@@ -2276,7 +2377,7 @@
               <a:buChar char="●"/>
               <a:defRPr/>
             </a:lvl4pPr>
-            <a:lvl5pPr indent="-317500" lvl="4" marL="2286000" algn="ctr">
+            <a:lvl5pPr marL="2286000" lvl="4" indent="-317500" algn="ctr">
               <a:spcBef>
                 <a:spcPts val="0"/>
               </a:spcBef>
@@ -2287,7 +2388,7 @@
               <a:buChar char="○"/>
               <a:defRPr/>
             </a:lvl5pPr>
-            <a:lvl6pPr indent="-317500" lvl="5" marL="2743200" algn="ctr">
+            <a:lvl6pPr marL="2743200" lvl="5" indent="-317500" algn="ctr">
               <a:spcBef>
                 <a:spcPts val="0"/>
               </a:spcBef>
@@ -2298,7 +2399,7 @@
               <a:buChar char="■"/>
               <a:defRPr/>
             </a:lvl6pPr>
-            <a:lvl7pPr indent="-317500" lvl="6" marL="3200400" algn="ctr">
+            <a:lvl7pPr marL="3200400" lvl="6" indent="-317500" algn="ctr">
               <a:spcBef>
                 <a:spcPts val="0"/>
               </a:spcBef>
@@ -2309,7 +2410,7 @@
               <a:buChar char="●"/>
               <a:defRPr/>
             </a:lvl7pPr>
-            <a:lvl8pPr indent="-317500" lvl="7" marL="3657600" algn="ctr">
+            <a:lvl8pPr marL="3657600" lvl="7" indent="-317500" algn="ctr">
               <a:spcBef>
                 <a:spcPts val="0"/>
               </a:spcBef>
@@ -2320,7 +2421,7 @@
               <a:buChar char="○"/>
               <a:defRPr/>
             </a:lvl8pPr>
-            <a:lvl9pPr indent="-317500" lvl="8" marL="4114800" algn="ctr">
+            <a:lvl9pPr marL="4114800" lvl="8" indent="-317500" algn="ctr">
               <a:spcBef>
                 <a:spcPts val="0"/>
               </a:spcBef>
@@ -2332,28 +2433,32 @@
               <a:defRPr/>
             </a:lvl9pPr>
           </a:lstStyle>
-          <a:p/>
+          <a:p>
+            <a:endParaRPr/>
+          </a:p>
         </p:txBody>
       </p:sp>
       <p:sp>
         <p:nvSpPr>
           <p:cNvPr id="47" name="Google Shape;47;p11"/>
-          <p:cNvSpPr txBox="1"/>
+          <p:cNvSpPr txBox="1">
+            <a:spLocks noGrp="1"/>
+          </p:cNvSpPr>
           <p:nvPr>
-            <p:ph idx="12" type="sldNum"/>
+            <p:ph type="sldNum" idx="12"/>
           </p:nvPr>
         </p:nvSpPr>
         <p:spPr>
           <a:xfrm>
-            <a:off x="8472458" y="6217622"/>
-            <a:ext cx="548700" cy="524700"/>
+            <a:off x="11296611" y="6217622"/>
+            <a:ext cx="731600" cy="524700"/>
           </a:xfrm>
           <a:prstGeom prst="rect">
             <a:avLst/>
           </a:prstGeom>
         </p:spPr>
         <p:txBody>
-          <a:bodyPr anchorCtr="0" anchor="ctr" bIns="91425" lIns="91425" spcFirstLastPara="1" rIns="91425" wrap="square" tIns="91425">
+          <a:bodyPr spcFirstLastPara="1" wrap="square" lIns="91425" tIns="91425" rIns="91425" bIns="91425" anchor="ctr" anchorCtr="0">
             <a:normAutofit/>
           </a:bodyPr>
           <a:lstStyle>
@@ -2395,20 +2500,12 @@
             </a:lvl9pPr>
           </a:lstStyle>
           <a:p>
-            <a:pPr indent="0" lvl="0" marL="0" rtl="0" algn="r">
-              <a:spcBef>
-                <a:spcPts val="0"/>
-              </a:spcBef>
-              <a:spcAft>
-                <a:spcPts val="0"/>
-              </a:spcAft>
-              <a:buNone/>
-            </a:pPr>
             <a:fld id="{00000000-1234-1234-1234-123412341234}" type="slidenum">
-              <a:rPr lang="en"/>
+              <a:rPr lang="en" smtClean="0"/>
+              <a:pPr/>
               <a:t>‹#›</a:t>
             </a:fld>
-            <a:endParaRPr/>
+            <a:endParaRPr lang="en"/>
           </a:p>
         </p:txBody>
       </p:sp>
@@ -2421,11 +2518,11 @@
 </file>
 
 <file path=ppt/slideLayouts/slideLayout11.xml><?xml version="1.0" encoding="utf-8"?>
-<p:sldLayout xmlns:a="http://schemas.openxmlformats.org/drawingml/2006/main" xmlns:r="http://schemas.openxmlformats.org/officeDocument/2006/relationships" xmlns:mc="http://schemas.openxmlformats.org/markup-compatibility/2006" xmlns:mv="urn:schemas-microsoft-com:mac:vml" xmlns:p="http://schemas.openxmlformats.org/presentationml/2006/main" xmlns:c="http://schemas.openxmlformats.org/drawingml/2006/chart" xmlns:dgm="http://schemas.openxmlformats.org/drawingml/2006/diagram" xmlns:o="urn:schemas-microsoft-com:office:office" xmlns:v="urn:schemas-microsoft-com:vml" xmlns:pvml="urn:schemas-microsoft-com:office:powerpoint" xmlns:com="http://schemas.openxmlformats.org/drawingml/2006/compatibility" xmlns:p14="http://schemas.microsoft.com/office/powerpoint/2010/main" xmlns:p15="http://schemas.microsoft.com/office/powerpoint/2012/main" xmlns:ahyp="http://schemas.microsoft.com/office/drawing/2018/hyperlinkcolor" matchingName="Blank" type="blank">
+<p:sldLayout xmlns:a="http://schemas.openxmlformats.org/drawingml/2006/main" xmlns:r="http://schemas.openxmlformats.org/officeDocument/2006/relationships" xmlns:p="http://schemas.openxmlformats.org/presentationml/2006/main" matchingName="Blank" type="blank">
   <p:cSld name="BLANK">
     <p:spTree>
       <p:nvGrpSpPr>
-        <p:cNvPr id="48" name="Shape 48"/>
+        <p:cNvPr id="1" name="Shape 48"/>
         <p:cNvGrpSpPr/>
         <p:nvPr/>
       </p:nvGrpSpPr>
@@ -2440,22 +2537,24 @@
       <p:sp>
         <p:nvSpPr>
           <p:cNvPr id="49" name="Google Shape;49;p12"/>
-          <p:cNvSpPr txBox="1"/>
+          <p:cNvSpPr txBox="1">
+            <a:spLocks noGrp="1"/>
+          </p:cNvSpPr>
           <p:nvPr>
-            <p:ph idx="12" type="sldNum"/>
+            <p:ph type="sldNum" idx="12"/>
           </p:nvPr>
         </p:nvSpPr>
         <p:spPr>
           <a:xfrm>
-            <a:off x="8472458" y="6217622"/>
-            <a:ext cx="548700" cy="524700"/>
+            <a:off x="11296611" y="6217622"/>
+            <a:ext cx="731600" cy="524700"/>
           </a:xfrm>
           <a:prstGeom prst="rect">
             <a:avLst/>
           </a:prstGeom>
         </p:spPr>
         <p:txBody>
-          <a:bodyPr anchorCtr="0" anchor="ctr" bIns="91425" lIns="91425" spcFirstLastPara="1" rIns="91425" wrap="square" tIns="91425">
+          <a:bodyPr spcFirstLastPara="1" wrap="square" lIns="91425" tIns="91425" rIns="91425" bIns="91425" anchor="ctr" anchorCtr="0">
             <a:normAutofit/>
           </a:bodyPr>
           <a:lstStyle>
@@ -2497,20 +2596,12 @@
             </a:lvl9pPr>
           </a:lstStyle>
           <a:p>
-            <a:pPr indent="0" lvl="0" marL="0" rtl="0" algn="r">
-              <a:spcBef>
-                <a:spcPts val="0"/>
-              </a:spcBef>
-              <a:spcAft>
-                <a:spcPts val="0"/>
-              </a:spcAft>
-              <a:buNone/>
-            </a:pPr>
             <a:fld id="{00000000-1234-1234-1234-123412341234}" type="slidenum">
-              <a:rPr lang="en"/>
+              <a:rPr lang="en" smtClean="0"/>
+              <a:pPr/>
               <a:t>‹#›</a:t>
             </a:fld>
-            <a:endParaRPr/>
+            <a:endParaRPr lang="en"/>
           </a:p>
         </p:txBody>
       </p:sp>
@@ -2523,11 +2614,11 @@
 </file>
 
 <file path=ppt/slideLayouts/slideLayout2.xml><?xml version="1.0" encoding="utf-8"?>
-<p:sldLayout xmlns:a="http://schemas.openxmlformats.org/drawingml/2006/main" xmlns:r="http://schemas.openxmlformats.org/officeDocument/2006/relationships" xmlns:mc="http://schemas.openxmlformats.org/markup-compatibility/2006" xmlns:mv="urn:schemas-microsoft-com:mac:vml" xmlns:p="http://schemas.openxmlformats.org/presentationml/2006/main" xmlns:c="http://schemas.openxmlformats.org/drawingml/2006/chart" xmlns:dgm="http://schemas.openxmlformats.org/drawingml/2006/diagram" xmlns:o="urn:schemas-microsoft-com:office:office" xmlns:v="urn:schemas-microsoft-com:vml" xmlns:pvml="urn:schemas-microsoft-com:office:powerpoint" xmlns:com="http://schemas.openxmlformats.org/drawingml/2006/compatibility" xmlns:p14="http://schemas.microsoft.com/office/powerpoint/2010/main" xmlns:p15="http://schemas.microsoft.com/office/powerpoint/2012/main" xmlns:ahyp="http://schemas.microsoft.com/office/drawing/2018/hyperlinkcolor" matchingName="Section header" type="secHead">
+<p:sldLayout xmlns:a="http://schemas.openxmlformats.org/drawingml/2006/main" xmlns:r="http://schemas.openxmlformats.org/officeDocument/2006/relationships" xmlns:p="http://schemas.openxmlformats.org/presentationml/2006/main" matchingName="Section header" type="secHead">
   <p:cSld name="SECTION_HEADER">
     <p:spTree>
       <p:nvGrpSpPr>
-        <p:cNvPr id="13" name="Shape 13"/>
+        <p:cNvPr id="1" name="Shape 13"/>
         <p:cNvGrpSpPr/>
         <p:nvPr/>
       </p:nvGrpSpPr>
@@ -2542,22 +2633,24 @@
       <p:sp>
         <p:nvSpPr>
           <p:cNvPr id="14" name="Google Shape;14;p3"/>
-          <p:cNvSpPr txBox="1"/>
+          <p:cNvSpPr txBox="1">
+            <a:spLocks noGrp="1"/>
+          </p:cNvSpPr>
           <p:nvPr>
             <p:ph type="title"/>
           </p:nvPr>
         </p:nvSpPr>
         <p:spPr>
           <a:xfrm>
-            <a:off x="311700" y="2867800"/>
-            <a:ext cx="8520600" cy="1122300"/>
+            <a:off x="415600" y="2867800"/>
+            <a:ext cx="11360800" cy="1122300"/>
           </a:xfrm>
           <a:prstGeom prst="rect">
             <a:avLst/>
           </a:prstGeom>
         </p:spPr>
         <p:txBody>
-          <a:bodyPr anchorCtr="0" anchor="ctr" bIns="91425" lIns="91425" spcFirstLastPara="1" rIns="91425" wrap="square" tIns="91425">
+          <a:bodyPr spcFirstLastPara="1" wrap="square" lIns="91425" tIns="91425" rIns="91425" bIns="91425" anchor="ctr" anchorCtr="0">
             <a:normAutofit/>
           </a:bodyPr>
           <a:lstStyle>
@@ -2661,28 +2754,32 @@
               <a:defRPr sz="3600"/>
             </a:lvl9pPr>
           </a:lstStyle>
-          <a:p/>
+          <a:p>
+            <a:endParaRPr/>
+          </a:p>
         </p:txBody>
       </p:sp>
       <p:sp>
         <p:nvSpPr>
           <p:cNvPr id="15" name="Google Shape;15;p3"/>
-          <p:cNvSpPr txBox="1"/>
+          <p:cNvSpPr txBox="1">
+            <a:spLocks noGrp="1"/>
+          </p:cNvSpPr>
           <p:nvPr>
-            <p:ph idx="12" type="sldNum"/>
+            <p:ph type="sldNum" idx="12"/>
           </p:nvPr>
         </p:nvSpPr>
         <p:spPr>
           <a:xfrm>
-            <a:off x="8472458" y="6217622"/>
-            <a:ext cx="548700" cy="524700"/>
+            <a:off x="11296611" y="6217622"/>
+            <a:ext cx="731600" cy="524700"/>
           </a:xfrm>
           <a:prstGeom prst="rect">
             <a:avLst/>
           </a:prstGeom>
         </p:spPr>
         <p:txBody>
-          <a:bodyPr anchorCtr="0" anchor="ctr" bIns="91425" lIns="91425" spcFirstLastPara="1" rIns="91425" wrap="square" tIns="91425">
+          <a:bodyPr spcFirstLastPara="1" wrap="square" lIns="91425" tIns="91425" rIns="91425" bIns="91425" anchor="ctr" anchorCtr="0">
             <a:normAutofit/>
           </a:bodyPr>
           <a:lstStyle>
@@ -2724,20 +2821,12 @@
             </a:lvl9pPr>
           </a:lstStyle>
           <a:p>
-            <a:pPr indent="0" lvl="0" marL="0" rtl="0" algn="r">
-              <a:spcBef>
-                <a:spcPts val="0"/>
-              </a:spcBef>
-              <a:spcAft>
-                <a:spcPts val="0"/>
-              </a:spcAft>
-              <a:buNone/>
-            </a:pPr>
             <a:fld id="{00000000-1234-1234-1234-123412341234}" type="slidenum">
-              <a:rPr lang="en"/>
+              <a:rPr lang="en" smtClean="0"/>
+              <a:pPr/>
               <a:t>‹#›</a:t>
             </a:fld>
-            <a:endParaRPr/>
+            <a:endParaRPr lang="en"/>
           </a:p>
         </p:txBody>
       </p:sp>
@@ -2750,11 +2839,11 @@
 </file>
 
 <file path=ppt/slideLayouts/slideLayout3.xml><?xml version="1.0" encoding="utf-8"?>
-<p:sldLayout xmlns:a="http://schemas.openxmlformats.org/drawingml/2006/main" xmlns:r="http://schemas.openxmlformats.org/officeDocument/2006/relationships" xmlns:mc="http://schemas.openxmlformats.org/markup-compatibility/2006" xmlns:mv="urn:schemas-microsoft-com:mac:vml" xmlns:p="http://schemas.openxmlformats.org/presentationml/2006/main" xmlns:c="http://schemas.openxmlformats.org/drawingml/2006/chart" xmlns:dgm="http://schemas.openxmlformats.org/drawingml/2006/diagram" xmlns:o="urn:schemas-microsoft-com:office:office" xmlns:v="urn:schemas-microsoft-com:vml" xmlns:pvml="urn:schemas-microsoft-com:office:powerpoint" xmlns:com="http://schemas.openxmlformats.org/drawingml/2006/compatibility" xmlns:p14="http://schemas.microsoft.com/office/powerpoint/2010/main" xmlns:p15="http://schemas.microsoft.com/office/powerpoint/2012/main" xmlns:ahyp="http://schemas.microsoft.com/office/drawing/2018/hyperlinkcolor" matchingName="Title and body" type="tx">
+<p:sldLayout xmlns:a="http://schemas.openxmlformats.org/drawingml/2006/main" xmlns:r="http://schemas.openxmlformats.org/officeDocument/2006/relationships" xmlns:p="http://schemas.openxmlformats.org/presentationml/2006/main" matchingName="Title and body" type="tx">
   <p:cSld name="TITLE_AND_BODY">
     <p:spTree>
       <p:nvGrpSpPr>
-        <p:cNvPr id="16" name="Shape 16"/>
+        <p:cNvPr id="1" name="Shape 16"/>
         <p:cNvGrpSpPr/>
         <p:nvPr/>
       </p:nvGrpSpPr>
@@ -2769,22 +2858,24 @@
       <p:sp>
         <p:nvSpPr>
           <p:cNvPr id="17" name="Google Shape;17;p4"/>
-          <p:cNvSpPr txBox="1"/>
+          <p:cNvSpPr txBox="1">
+            <a:spLocks noGrp="1"/>
+          </p:cNvSpPr>
           <p:nvPr>
             <p:ph type="title"/>
           </p:nvPr>
         </p:nvSpPr>
         <p:spPr>
           <a:xfrm>
-            <a:off x="311700" y="593367"/>
-            <a:ext cx="8520600" cy="763500"/>
+            <a:off x="415600" y="593367"/>
+            <a:ext cx="11360800" cy="763500"/>
           </a:xfrm>
           <a:prstGeom prst="rect">
             <a:avLst/>
           </a:prstGeom>
         </p:spPr>
         <p:txBody>
-          <a:bodyPr anchorCtr="0" anchor="t" bIns="91425" lIns="91425" spcFirstLastPara="1" rIns="91425" wrap="square" tIns="91425">
+          <a:bodyPr spcFirstLastPara="1" wrap="square" lIns="91425" tIns="91425" rIns="91425" bIns="91425" anchor="t" anchorCtr="0">
             <a:normAutofit/>
           </a:bodyPr>
           <a:lstStyle>
@@ -2888,32 +2979,36 @@
               <a:defRPr/>
             </a:lvl9pPr>
           </a:lstStyle>
-          <a:p/>
+          <a:p>
+            <a:endParaRPr/>
+          </a:p>
         </p:txBody>
       </p:sp>
       <p:sp>
         <p:nvSpPr>
           <p:cNvPr id="18" name="Google Shape;18;p4"/>
-          <p:cNvSpPr txBox="1"/>
+          <p:cNvSpPr txBox="1">
+            <a:spLocks noGrp="1"/>
+          </p:cNvSpPr>
           <p:nvPr>
-            <p:ph idx="1" type="body"/>
+            <p:ph type="body" idx="1"/>
           </p:nvPr>
         </p:nvSpPr>
         <p:spPr>
           <a:xfrm>
-            <a:off x="311700" y="1536633"/>
-            <a:ext cx="8520600" cy="4555200"/>
+            <a:off x="415600" y="1536633"/>
+            <a:ext cx="11360800" cy="4555200"/>
           </a:xfrm>
           <a:prstGeom prst="rect">
             <a:avLst/>
           </a:prstGeom>
         </p:spPr>
         <p:txBody>
-          <a:bodyPr anchorCtr="0" anchor="t" bIns="91425" lIns="91425" spcFirstLastPara="1" rIns="91425" wrap="square" tIns="91425">
+          <a:bodyPr spcFirstLastPara="1" wrap="square" lIns="91425" tIns="91425" rIns="91425" bIns="91425" anchor="t" anchorCtr="0">
             <a:normAutofit/>
           </a:bodyPr>
           <a:lstStyle>
-            <a:lvl1pPr indent="-342900" lvl="0" marL="457200">
+            <a:lvl1pPr marL="457200" lvl="0" indent="-342900">
               <a:spcBef>
                 <a:spcPts val="0"/>
               </a:spcBef>
@@ -2924,7 +3019,7 @@
               <a:buChar char="●"/>
               <a:defRPr/>
             </a:lvl1pPr>
-            <a:lvl2pPr indent="-317500" lvl="1" marL="914400">
+            <a:lvl2pPr marL="914400" lvl="1" indent="-317500">
               <a:spcBef>
                 <a:spcPts val="0"/>
               </a:spcBef>
@@ -2935,7 +3030,7 @@
               <a:buChar char="○"/>
               <a:defRPr/>
             </a:lvl2pPr>
-            <a:lvl3pPr indent="-317500" lvl="2" marL="1371600">
+            <a:lvl3pPr marL="1371600" lvl="2" indent="-317500">
               <a:spcBef>
                 <a:spcPts val="0"/>
               </a:spcBef>
@@ -2946,7 +3041,7 @@
               <a:buChar char="■"/>
               <a:defRPr/>
             </a:lvl3pPr>
-            <a:lvl4pPr indent="-317500" lvl="3" marL="1828800">
+            <a:lvl4pPr marL="1828800" lvl="3" indent="-317500">
               <a:spcBef>
                 <a:spcPts val="0"/>
               </a:spcBef>
@@ -2957,7 +3052,7 @@
               <a:buChar char="●"/>
               <a:defRPr/>
             </a:lvl4pPr>
-            <a:lvl5pPr indent="-317500" lvl="4" marL="2286000">
+            <a:lvl5pPr marL="2286000" lvl="4" indent="-317500">
               <a:spcBef>
                 <a:spcPts val="0"/>
               </a:spcBef>
@@ -2968,7 +3063,7 @@
               <a:buChar char="○"/>
               <a:defRPr/>
             </a:lvl5pPr>
-            <a:lvl6pPr indent="-317500" lvl="5" marL="2743200">
+            <a:lvl6pPr marL="2743200" lvl="5" indent="-317500">
               <a:spcBef>
                 <a:spcPts val="0"/>
               </a:spcBef>
@@ -2979,7 +3074,7 @@
               <a:buChar char="■"/>
               <a:defRPr/>
             </a:lvl6pPr>
-            <a:lvl7pPr indent="-317500" lvl="6" marL="3200400">
+            <a:lvl7pPr marL="3200400" lvl="6" indent="-317500">
               <a:spcBef>
                 <a:spcPts val="0"/>
               </a:spcBef>
@@ -2990,7 +3085,7 @@
               <a:buChar char="●"/>
               <a:defRPr/>
             </a:lvl7pPr>
-            <a:lvl8pPr indent="-317500" lvl="7" marL="3657600">
+            <a:lvl8pPr marL="3657600" lvl="7" indent="-317500">
               <a:spcBef>
                 <a:spcPts val="0"/>
               </a:spcBef>
@@ -3001,7 +3096,7 @@
               <a:buChar char="○"/>
               <a:defRPr/>
             </a:lvl8pPr>
-            <a:lvl9pPr indent="-317500" lvl="8" marL="4114800">
+            <a:lvl9pPr marL="4114800" lvl="8" indent="-317500">
               <a:spcBef>
                 <a:spcPts val="0"/>
               </a:spcBef>
@@ -3013,28 +3108,32 @@
               <a:defRPr/>
             </a:lvl9pPr>
           </a:lstStyle>
-          <a:p/>
+          <a:p>
+            <a:endParaRPr/>
+          </a:p>
         </p:txBody>
       </p:sp>
       <p:sp>
         <p:nvSpPr>
           <p:cNvPr id="19" name="Google Shape;19;p4"/>
-          <p:cNvSpPr txBox="1"/>
+          <p:cNvSpPr txBox="1">
+            <a:spLocks noGrp="1"/>
+          </p:cNvSpPr>
           <p:nvPr>
-            <p:ph idx="12" type="sldNum"/>
+            <p:ph type="sldNum" idx="12"/>
           </p:nvPr>
         </p:nvSpPr>
         <p:spPr>
           <a:xfrm>
-            <a:off x="8472458" y="6217622"/>
-            <a:ext cx="548700" cy="524700"/>
+            <a:off x="11296611" y="6217622"/>
+            <a:ext cx="731600" cy="524700"/>
           </a:xfrm>
           <a:prstGeom prst="rect">
             <a:avLst/>
           </a:prstGeom>
         </p:spPr>
         <p:txBody>
-          <a:bodyPr anchorCtr="0" anchor="ctr" bIns="91425" lIns="91425" spcFirstLastPara="1" rIns="91425" wrap="square" tIns="91425">
+          <a:bodyPr spcFirstLastPara="1" wrap="square" lIns="91425" tIns="91425" rIns="91425" bIns="91425" anchor="ctr" anchorCtr="0">
             <a:normAutofit/>
           </a:bodyPr>
           <a:lstStyle>
@@ -3076,20 +3175,12 @@
             </a:lvl9pPr>
           </a:lstStyle>
           <a:p>
-            <a:pPr indent="0" lvl="0" marL="0" rtl="0" algn="r">
-              <a:spcBef>
-                <a:spcPts val="0"/>
-              </a:spcBef>
-              <a:spcAft>
-                <a:spcPts val="0"/>
-              </a:spcAft>
-              <a:buNone/>
-            </a:pPr>
             <a:fld id="{00000000-1234-1234-1234-123412341234}" type="slidenum">
-              <a:rPr lang="en"/>
+              <a:rPr lang="en" smtClean="0"/>
+              <a:pPr/>
               <a:t>‹#›</a:t>
             </a:fld>
-            <a:endParaRPr/>
+            <a:endParaRPr lang="en"/>
           </a:p>
         </p:txBody>
       </p:sp>
@@ -3102,11 +3193,11 @@
 </file>
 
 <file path=ppt/slideLayouts/slideLayout4.xml><?xml version="1.0" encoding="utf-8"?>
-<p:sldLayout xmlns:a="http://schemas.openxmlformats.org/drawingml/2006/main" xmlns:r="http://schemas.openxmlformats.org/officeDocument/2006/relationships" xmlns:mc="http://schemas.openxmlformats.org/markup-compatibility/2006" xmlns:mv="urn:schemas-microsoft-com:mac:vml" xmlns:p="http://schemas.openxmlformats.org/presentationml/2006/main" xmlns:c="http://schemas.openxmlformats.org/drawingml/2006/chart" xmlns:dgm="http://schemas.openxmlformats.org/drawingml/2006/diagram" xmlns:o="urn:schemas-microsoft-com:office:office" xmlns:v="urn:schemas-microsoft-com:vml" xmlns:pvml="urn:schemas-microsoft-com:office:powerpoint" xmlns:com="http://schemas.openxmlformats.org/drawingml/2006/compatibility" xmlns:p14="http://schemas.microsoft.com/office/powerpoint/2010/main" xmlns:p15="http://schemas.microsoft.com/office/powerpoint/2012/main" xmlns:ahyp="http://schemas.microsoft.com/office/drawing/2018/hyperlinkcolor" matchingName="Title and two columns" type="twoColTx">
+<p:sldLayout xmlns:a="http://schemas.openxmlformats.org/drawingml/2006/main" xmlns:r="http://schemas.openxmlformats.org/officeDocument/2006/relationships" xmlns:p="http://schemas.openxmlformats.org/presentationml/2006/main" matchingName="Title and two columns" type="twoColTx">
   <p:cSld name="TITLE_AND_TWO_COLUMNS">
     <p:spTree>
       <p:nvGrpSpPr>
-        <p:cNvPr id="20" name="Shape 20"/>
+        <p:cNvPr id="1" name="Shape 20"/>
         <p:cNvGrpSpPr/>
         <p:nvPr/>
       </p:nvGrpSpPr>
@@ -3121,22 +3212,24 @@
       <p:sp>
         <p:nvSpPr>
           <p:cNvPr id="21" name="Google Shape;21;p5"/>
-          <p:cNvSpPr txBox="1"/>
+          <p:cNvSpPr txBox="1">
+            <a:spLocks noGrp="1"/>
+          </p:cNvSpPr>
           <p:nvPr>
             <p:ph type="title"/>
           </p:nvPr>
         </p:nvSpPr>
         <p:spPr>
           <a:xfrm>
-            <a:off x="311700" y="593367"/>
-            <a:ext cx="8520600" cy="763500"/>
+            <a:off x="415600" y="593367"/>
+            <a:ext cx="11360800" cy="763500"/>
           </a:xfrm>
           <a:prstGeom prst="rect">
             <a:avLst/>
           </a:prstGeom>
         </p:spPr>
         <p:txBody>
-          <a:bodyPr anchorCtr="0" anchor="t" bIns="91425" lIns="91425" spcFirstLastPara="1" rIns="91425" wrap="square" tIns="91425">
+          <a:bodyPr spcFirstLastPara="1" wrap="square" lIns="91425" tIns="91425" rIns="91425" bIns="91425" anchor="t" anchorCtr="0">
             <a:normAutofit/>
           </a:bodyPr>
           <a:lstStyle>
@@ -3240,32 +3333,36 @@
               <a:defRPr/>
             </a:lvl9pPr>
           </a:lstStyle>
-          <a:p/>
+          <a:p>
+            <a:endParaRPr/>
+          </a:p>
         </p:txBody>
       </p:sp>
       <p:sp>
         <p:nvSpPr>
           <p:cNvPr id="22" name="Google Shape;22;p5"/>
-          <p:cNvSpPr txBox="1"/>
+          <p:cNvSpPr txBox="1">
+            <a:spLocks noGrp="1"/>
+          </p:cNvSpPr>
           <p:nvPr>
-            <p:ph idx="1" type="body"/>
+            <p:ph type="body" idx="1"/>
           </p:nvPr>
         </p:nvSpPr>
         <p:spPr>
           <a:xfrm>
-            <a:off x="311700" y="1536633"/>
-            <a:ext cx="3999900" cy="4555200"/>
+            <a:off x="415600" y="1536633"/>
+            <a:ext cx="5333200" cy="4555200"/>
           </a:xfrm>
           <a:prstGeom prst="rect">
             <a:avLst/>
           </a:prstGeom>
         </p:spPr>
         <p:txBody>
-          <a:bodyPr anchorCtr="0" anchor="t" bIns="91425" lIns="91425" spcFirstLastPara="1" rIns="91425" wrap="square" tIns="91425">
+          <a:bodyPr spcFirstLastPara="1" wrap="square" lIns="91425" tIns="91425" rIns="91425" bIns="91425" anchor="t" anchorCtr="0">
             <a:normAutofit/>
           </a:bodyPr>
           <a:lstStyle>
-            <a:lvl1pPr indent="-317500" lvl="0" marL="457200">
+            <a:lvl1pPr marL="457200" lvl="0" indent="-317500">
               <a:spcBef>
                 <a:spcPts val="0"/>
               </a:spcBef>
@@ -3276,7 +3373,7 @@
               <a:buChar char="●"/>
               <a:defRPr sz="1400"/>
             </a:lvl1pPr>
-            <a:lvl2pPr indent="-304800" lvl="1" marL="914400">
+            <a:lvl2pPr marL="914400" lvl="1" indent="-304800">
               <a:spcBef>
                 <a:spcPts val="0"/>
               </a:spcBef>
@@ -3287,7 +3384,7 @@
               <a:buChar char="○"/>
               <a:defRPr sz="1200"/>
             </a:lvl2pPr>
-            <a:lvl3pPr indent="-304800" lvl="2" marL="1371600">
+            <a:lvl3pPr marL="1371600" lvl="2" indent="-304800">
               <a:spcBef>
                 <a:spcPts val="0"/>
               </a:spcBef>
@@ -3298,7 +3395,7 @@
               <a:buChar char="■"/>
               <a:defRPr sz="1200"/>
             </a:lvl3pPr>
-            <a:lvl4pPr indent="-304800" lvl="3" marL="1828800">
+            <a:lvl4pPr marL="1828800" lvl="3" indent="-304800">
               <a:spcBef>
                 <a:spcPts val="0"/>
               </a:spcBef>
@@ -3309,7 +3406,7 @@
               <a:buChar char="●"/>
               <a:defRPr sz="1200"/>
             </a:lvl4pPr>
-            <a:lvl5pPr indent="-304800" lvl="4" marL="2286000">
+            <a:lvl5pPr marL="2286000" lvl="4" indent="-304800">
               <a:spcBef>
                 <a:spcPts val="0"/>
               </a:spcBef>
@@ -3320,7 +3417,7 @@
               <a:buChar char="○"/>
               <a:defRPr sz="1200"/>
             </a:lvl5pPr>
-            <a:lvl6pPr indent="-304800" lvl="5" marL="2743200">
+            <a:lvl6pPr marL="2743200" lvl="5" indent="-304800">
               <a:spcBef>
                 <a:spcPts val="0"/>
               </a:spcBef>
@@ -3331,7 +3428,7 @@
               <a:buChar char="■"/>
               <a:defRPr sz="1200"/>
             </a:lvl6pPr>
-            <a:lvl7pPr indent="-304800" lvl="6" marL="3200400">
+            <a:lvl7pPr marL="3200400" lvl="6" indent="-304800">
               <a:spcBef>
                 <a:spcPts val="0"/>
               </a:spcBef>
@@ -3342,7 +3439,7 @@
               <a:buChar char="●"/>
               <a:defRPr sz="1200"/>
             </a:lvl7pPr>
-            <a:lvl8pPr indent="-304800" lvl="7" marL="3657600">
+            <a:lvl8pPr marL="3657600" lvl="7" indent="-304800">
               <a:spcBef>
                 <a:spcPts val="0"/>
               </a:spcBef>
@@ -3353,7 +3450,7 @@
               <a:buChar char="○"/>
               <a:defRPr sz="1200"/>
             </a:lvl8pPr>
-            <a:lvl9pPr indent="-304800" lvl="8" marL="4114800">
+            <a:lvl9pPr marL="4114800" lvl="8" indent="-304800">
               <a:spcBef>
                 <a:spcPts val="0"/>
               </a:spcBef>
@@ -3365,32 +3462,36 @@
               <a:defRPr sz="1200"/>
             </a:lvl9pPr>
           </a:lstStyle>
-          <a:p/>
+          <a:p>
+            <a:endParaRPr/>
+          </a:p>
         </p:txBody>
       </p:sp>
       <p:sp>
         <p:nvSpPr>
           <p:cNvPr id="23" name="Google Shape;23;p5"/>
-          <p:cNvSpPr txBox="1"/>
+          <p:cNvSpPr txBox="1">
+            <a:spLocks noGrp="1"/>
+          </p:cNvSpPr>
           <p:nvPr>
-            <p:ph idx="2" type="body"/>
+            <p:ph type="body" idx="2"/>
           </p:nvPr>
         </p:nvSpPr>
         <p:spPr>
           <a:xfrm>
-            <a:off x="4832400" y="1536633"/>
-            <a:ext cx="3999900" cy="4555200"/>
+            <a:off x="6443200" y="1536633"/>
+            <a:ext cx="5333200" cy="4555200"/>
           </a:xfrm>
           <a:prstGeom prst="rect">
             <a:avLst/>
           </a:prstGeom>
         </p:spPr>
         <p:txBody>
-          <a:bodyPr anchorCtr="0" anchor="t" bIns="91425" lIns="91425" spcFirstLastPara="1" rIns="91425" wrap="square" tIns="91425">
+          <a:bodyPr spcFirstLastPara="1" wrap="square" lIns="91425" tIns="91425" rIns="91425" bIns="91425" anchor="t" anchorCtr="0">
             <a:normAutofit/>
           </a:bodyPr>
           <a:lstStyle>
-            <a:lvl1pPr indent="-317500" lvl="0" marL="457200">
+            <a:lvl1pPr marL="457200" lvl="0" indent="-317500">
               <a:spcBef>
                 <a:spcPts val="0"/>
               </a:spcBef>
@@ -3401,7 +3502,7 @@
               <a:buChar char="●"/>
               <a:defRPr sz="1400"/>
             </a:lvl1pPr>
-            <a:lvl2pPr indent="-304800" lvl="1" marL="914400">
+            <a:lvl2pPr marL="914400" lvl="1" indent="-304800">
               <a:spcBef>
                 <a:spcPts val="0"/>
               </a:spcBef>
@@ -3412,7 +3513,7 @@
               <a:buChar char="○"/>
               <a:defRPr sz="1200"/>
             </a:lvl2pPr>
-            <a:lvl3pPr indent="-304800" lvl="2" marL="1371600">
+            <a:lvl3pPr marL="1371600" lvl="2" indent="-304800">
               <a:spcBef>
                 <a:spcPts val="0"/>
               </a:spcBef>
@@ -3423,7 +3524,7 @@
               <a:buChar char="■"/>
               <a:defRPr sz="1200"/>
             </a:lvl3pPr>
-            <a:lvl4pPr indent="-304800" lvl="3" marL="1828800">
+            <a:lvl4pPr marL="1828800" lvl="3" indent="-304800">
               <a:spcBef>
                 <a:spcPts val="0"/>
               </a:spcBef>
@@ -3434,7 +3535,7 @@
               <a:buChar char="●"/>
               <a:defRPr sz="1200"/>
             </a:lvl4pPr>
-            <a:lvl5pPr indent="-304800" lvl="4" marL="2286000">
+            <a:lvl5pPr marL="2286000" lvl="4" indent="-304800">
               <a:spcBef>
                 <a:spcPts val="0"/>
               </a:spcBef>
@@ -3445,7 +3546,7 @@
               <a:buChar char="○"/>
               <a:defRPr sz="1200"/>
             </a:lvl5pPr>
-            <a:lvl6pPr indent="-304800" lvl="5" marL="2743200">
+            <a:lvl6pPr marL="2743200" lvl="5" indent="-304800">
               <a:spcBef>
                 <a:spcPts val="0"/>
               </a:spcBef>
@@ -3456,7 +3557,7 @@
               <a:buChar char="■"/>
               <a:defRPr sz="1200"/>
             </a:lvl6pPr>
-            <a:lvl7pPr indent="-304800" lvl="6" marL="3200400">
+            <a:lvl7pPr marL="3200400" lvl="6" indent="-304800">
               <a:spcBef>
                 <a:spcPts val="0"/>
               </a:spcBef>
@@ -3467,7 +3568,7 @@
               <a:buChar char="●"/>
               <a:defRPr sz="1200"/>
             </a:lvl7pPr>
-            <a:lvl8pPr indent="-304800" lvl="7" marL="3657600">
+            <a:lvl8pPr marL="3657600" lvl="7" indent="-304800">
               <a:spcBef>
                 <a:spcPts val="0"/>
               </a:spcBef>
@@ -3478,7 +3579,7 @@
               <a:buChar char="○"/>
               <a:defRPr sz="1200"/>
             </a:lvl8pPr>
-            <a:lvl9pPr indent="-304800" lvl="8" marL="4114800">
+            <a:lvl9pPr marL="4114800" lvl="8" indent="-304800">
               <a:spcBef>
                 <a:spcPts val="0"/>
               </a:spcBef>
@@ -3490,28 +3591,32 @@
               <a:defRPr sz="1200"/>
             </a:lvl9pPr>
           </a:lstStyle>
-          <a:p/>
+          <a:p>
+            <a:endParaRPr/>
+          </a:p>
         </p:txBody>
       </p:sp>
       <p:sp>
         <p:nvSpPr>
           <p:cNvPr id="24" name="Google Shape;24;p5"/>
-          <p:cNvSpPr txBox="1"/>
+          <p:cNvSpPr txBox="1">
+            <a:spLocks noGrp="1"/>
+          </p:cNvSpPr>
           <p:nvPr>
-            <p:ph idx="12" type="sldNum"/>
+            <p:ph type="sldNum" idx="12"/>
           </p:nvPr>
         </p:nvSpPr>
         <p:spPr>
           <a:xfrm>
-            <a:off x="8472458" y="6217622"/>
-            <a:ext cx="548700" cy="524700"/>
+            <a:off x="11296611" y="6217622"/>
+            <a:ext cx="731600" cy="524700"/>
           </a:xfrm>
           <a:prstGeom prst="rect">
             <a:avLst/>
           </a:prstGeom>
         </p:spPr>
         <p:txBody>
-          <a:bodyPr anchorCtr="0" anchor="ctr" bIns="91425" lIns="91425" spcFirstLastPara="1" rIns="91425" wrap="square" tIns="91425">
+          <a:bodyPr spcFirstLastPara="1" wrap="square" lIns="91425" tIns="91425" rIns="91425" bIns="91425" anchor="ctr" anchorCtr="0">
             <a:normAutofit/>
           </a:bodyPr>
           <a:lstStyle>
@@ -3553,20 +3658,12 @@
             </a:lvl9pPr>
           </a:lstStyle>
           <a:p>
-            <a:pPr indent="0" lvl="0" marL="0" rtl="0" algn="r">
-              <a:spcBef>
-                <a:spcPts val="0"/>
-              </a:spcBef>
-              <a:spcAft>
-                <a:spcPts val="0"/>
-              </a:spcAft>
-              <a:buNone/>
-            </a:pPr>
             <a:fld id="{00000000-1234-1234-1234-123412341234}" type="slidenum">
-              <a:rPr lang="en"/>
+              <a:rPr lang="en" smtClean="0"/>
+              <a:pPr/>
               <a:t>‹#›</a:t>
             </a:fld>
-            <a:endParaRPr/>
+            <a:endParaRPr lang="en"/>
           </a:p>
         </p:txBody>
       </p:sp>
@@ -3579,11 +3676,11 @@
 </file>
 
 <file path=ppt/slideLayouts/slideLayout5.xml><?xml version="1.0" encoding="utf-8"?>
-<p:sldLayout xmlns:a="http://schemas.openxmlformats.org/drawingml/2006/main" xmlns:r="http://schemas.openxmlformats.org/officeDocument/2006/relationships" xmlns:mc="http://schemas.openxmlformats.org/markup-compatibility/2006" xmlns:mv="urn:schemas-microsoft-com:mac:vml" xmlns:p="http://schemas.openxmlformats.org/presentationml/2006/main" xmlns:c="http://schemas.openxmlformats.org/drawingml/2006/chart" xmlns:dgm="http://schemas.openxmlformats.org/drawingml/2006/diagram" xmlns:o="urn:schemas-microsoft-com:office:office" xmlns:v="urn:schemas-microsoft-com:vml" xmlns:pvml="urn:schemas-microsoft-com:office:powerpoint" xmlns:com="http://schemas.openxmlformats.org/drawingml/2006/compatibility" xmlns:p14="http://schemas.microsoft.com/office/powerpoint/2010/main" xmlns:p15="http://schemas.microsoft.com/office/powerpoint/2012/main" xmlns:ahyp="http://schemas.microsoft.com/office/drawing/2018/hyperlinkcolor" matchingName="Title only" type="titleOnly">
+<p:sldLayout xmlns:a="http://schemas.openxmlformats.org/drawingml/2006/main" xmlns:r="http://schemas.openxmlformats.org/officeDocument/2006/relationships" xmlns:p="http://schemas.openxmlformats.org/presentationml/2006/main" matchingName="Title only" type="titleOnly">
   <p:cSld name="TITLE_ONLY">
     <p:spTree>
       <p:nvGrpSpPr>
-        <p:cNvPr id="25" name="Shape 25"/>
+        <p:cNvPr id="1" name="Shape 25"/>
         <p:cNvGrpSpPr/>
         <p:nvPr/>
       </p:nvGrpSpPr>
@@ -3598,22 +3695,24 @@
       <p:sp>
         <p:nvSpPr>
           <p:cNvPr id="26" name="Google Shape;26;p6"/>
-          <p:cNvSpPr txBox="1"/>
+          <p:cNvSpPr txBox="1">
+            <a:spLocks noGrp="1"/>
+          </p:cNvSpPr>
           <p:nvPr>
             <p:ph type="title"/>
           </p:nvPr>
         </p:nvSpPr>
         <p:spPr>
           <a:xfrm>
-            <a:off x="311700" y="593367"/>
-            <a:ext cx="8520600" cy="763500"/>
+            <a:off x="415600" y="593367"/>
+            <a:ext cx="11360800" cy="763500"/>
           </a:xfrm>
           <a:prstGeom prst="rect">
             <a:avLst/>
           </a:prstGeom>
         </p:spPr>
         <p:txBody>
-          <a:bodyPr anchorCtr="0" anchor="t" bIns="91425" lIns="91425" spcFirstLastPara="1" rIns="91425" wrap="square" tIns="91425">
+          <a:bodyPr spcFirstLastPara="1" wrap="square" lIns="91425" tIns="91425" rIns="91425" bIns="91425" anchor="t" anchorCtr="0">
             <a:normAutofit/>
           </a:bodyPr>
           <a:lstStyle>
@@ -3717,28 +3816,32 @@
               <a:defRPr/>
             </a:lvl9pPr>
           </a:lstStyle>
-          <a:p/>
+          <a:p>
+            <a:endParaRPr/>
+          </a:p>
         </p:txBody>
       </p:sp>
       <p:sp>
         <p:nvSpPr>
           <p:cNvPr id="27" name="Google Shape;27;p6"/>
-          <p:cNvSpPr txBox="1"/>
+          <p:cNvSpPr txBox="1">
+            <a:spLocks noGrp="1"/>
+          </p:cNvSpPr>
           <p:nvPr>
-            <p:ph idx="12" type="sldNum"/>
+            <p:ph type="sldNum" idx="12"/>
           </p:nvPr>
         </p:nvSpPr>
         <p:spPr>
           <a:xfrm>
-            <a:off x="8472458" y="6217622"/>
-            <a:ext cx="548700" cy="524700"/>
+            <a:off x="11296611" y="6217622"/>
+            <a:ext cx="731600" cy="524700"/>
           </a:xfrm>
           <a:prstGeom prst="rect">
             <a:avLst/>
           </a:prstGeom>
         </p:spPr>
         <p:txBody>
-          <a:bodyPr anchorCtr="0" anchor="ctr" bIns="91425" lIns="91425" spcFirstLastPara="1" rIns="91425" wrap="square" tIns="91425">
+          <a:bodyPr spcFirstLastPara="1" wrap="square" lIns="91425" tIns="91425" rIns="91425" bIns="91425" anchor="ctr" anchorCtr="0">
             <a:normAutofit/>
           </a:bodyPr>
           <a:lstStyle>
@@ -3780,20 +3883,12 @@
             </a:lvl9pPr>
           </a:lstStyle>
           <a:p>
-            <a:pPr indent="0" lvl="0" marL="0" rtl="0" algn="r">
-              <a:spcBef>
-                <a:spcPts val="0"/>
-              </a:spcBef>
-              <a:spcAft>
-                <a:spcPts val="0"/>
-              </a:spcAft>
-              <a:buNone/>
-            </a:pPr>
             <a:fld id="{00000000-1234-1234-1234-123412341234}" type="slidenum">
-              <a:rPr lang="en"/>
+              <a:rPr lang="en" smtClean="0"/>
+              <a:pPr/>
               <a:t>‹#›</a:t>
             </a:fld>
-            <a:endParaRPr/>
+            <a:endParaRPr lang="en"/>
           </a:p>
         </p:txBody>
       </p:sp>
@@ -3806,11 +3901,11 @@
 </file>
 
 <file path=ppt/slideLayouts/slideLayout6.xml><?xml version="1.0" encoding="utf-8"?>
-<p:sldLayout xmlns:a="http://schemas.openxmlformats.org/drawingml/2006/main" xmlns:r="http://schemas.openxmlformats.org/officeDocument/2006/relationships" xmlns:mc="http://schemas.openxmlformats.org/markup-compatibility/2006" xmlns:mv="urn:schemas-microsoft-com:mac:vml" xmlns:p="http://schemas.openxmlformats.org/presentationml/2006/main" xmlns:c="http://schemas.openxmlformats.org/drawingml/2006/chart" xmlns:dgm="http://schemas.openxmlformats.org/drawingml/2006/diagram" xmlns:o="urn:schemas-microsoft-com:office:office" xmlns:v="urn:schemas-microsoft-com:vml" xmlns:pvml="urn:schemas-microsoft-com:office:powerpoint" xmlns:com="http://schemas.openxmlformats.org/drawingml/2006/compatibility" xmlns:p14="http://schemas.microsoft.com/office/powerpoint/2010/main" xmlns:p15="http://schemas.microsoft.com/office/powerpoint/2012/main" xmlns:ahyp="http://schemas.microsoft.com/office/drawing/2018/hyperlinkcolor" matchingName="One column text">
+<p:sldLayout xmlns:a="http://schemas.openxmlformats.org/drawingml/2006/main" xmlns:r="http://schemas.openxmlformats.org/officeDocument/2006/relationships" xmlns:p="http://schemas.openxmlformats.org/presentationml/2006/main" matchingName="One column text">
   <p:cSld name="ONE_COLUMN_TEXT">
     <p:spTree>
       <p:nvGrpSpPr>
-        <p:cNvPr id="28" name="Shape 28"/>
+        <p:cNvPr id="1" name="Shape 28"/>
         <p:cNvGrpSpPr/>
         <p:nvPr/>
       </p:nvGrpSpPr>
@@ -3825,22 +3920,24 @@
       <p:sp>
         <p:nvSpPr>
           <p:cNvPr id="29" name="Google Shape;29;p7"/>
-          <p:cNvSpPr txBox="1"/>
+          <p:cNvSpPr txBox="1">
+            <a:spLocks noGrp="1"/>
+          </p:cNvSpPr>
           <p:nvPr>
             <p:ph type="title"/>
           </p:nvPr>
         </p:nvSpPr>
         <p:spPr>
           <a:xfrm>
-            <a:off x="311700" y="740800"/>
-            <a:ext cx="2808000" cy="1007700"/>
+            <a:off x="415600" y="740800"/>
+            <a:ext cx="3744000" cy="1007700"/>
           </a:xfrm>
           <a:prstGeom prst="rect">
             <a:avLst/>
           </a:prstGeom>
         </p:spPr>
         <p:txBody>
-          <a:bodyPr anchorCtr="0" anchor="b" bIns="91425" lIns="91425" spcFirstLastPara="1" rIns="91425" wrap="square" tIns="91425">
+          <a:bodyPr spcFirstLastPara="1" wrap="square" lIns="91425" tIns="91425" rIns="91425" bIns="91425" anchor="b" anchorCtr="0">
             <a:normAutofit/>
           </a:bodyPr>
           <a:lstStyle>
@@ -3944,32 +4041,36 @@
               <a:defRPr sz="2400"/>
             </a:lvl9pPr>
           </a:lstStyle>
-          <a:p/>
+          <a:p>
+            <a:endParaRPr/>
+          </a:p>
         </p:txBody>
       </p:sp>
       <p:sp>
         <p:nvSpPr>
           <p:cNvPr id="30" name="Google Shape;30;p7"/>
-          <p:cNvSpPr txBox="1"/>
+          <p:cNvSpPr txBox="1">
+            <a:spLocks noGrp="1"/>
+          </p:cNvSpPr>
           <p:nvPr>
-            <p:ph idx="1" type="body"/>
+            <p:ph type="body" idx="1"/>
           </p:nvPr>
         </p:nvSpPr>
         <p:spPr>
           <a:xfrm>
-            <a:off x="311700" y="1852800"/>
-            <a:ext cx="2808000" cy="4239300"/>
+            <a:off x="415600" y="1852800"/>
+            <a:ext cx="3744000" cy="4239300"/>
           </a:xfrm>
           <a:prstGeom prst="rect">
             <a:avLst/>
           </a:prstGeom>
         </p:spPr>
         <p:txBody>
-          <a:bodyPr anchorCtr="0" anchor="t" bIns="91425" lIns="91425" spcFirstLastPara="1" rIns="91425" wrap="square" tIns="91425">
+          <a:bodyPr spcFirstLastPara="1" wrap="square" lIns="91425" tIns="91425" rIns="91425" bIns="91425" anchor="t" anchorCtr="0">
             <a:normAutofit/>
           </a:bodyPr>
           <a:lstStyle>
-            <a:lvl1pPr indent="-304800" lvl="0" marL="457200">
+            <a:lvl1pPr marL="457200" lvl="0" indent="-304800">
               <a:spcBef>
                 <a:spcPts val="0"/>
               </a:spcBef>
@@ -3980,7 +4081,7 @@
               <a:buChar char="●"/>
               <a:defRPr sz="1200"/>
             </a:lvl1pPr>
-            <a:lvl2pPr indent="-304800" lvl="1" marL="914400">
+            <a:lvl2pPr marL="914400" lvl="1" indent="-304800">
               <a:spcBef>
                 <a:spcPts val="0"/>
               </a:spcBef>
@@ -3991,7 +4092,7 @@
               <a:buChar char="○"/>
               <a:defRPr sz="1200"/>
             </a:lvl2pPr>
-            <a:lvl3pPr indent="-304800" lvl="2" marL="1371600">
+            <a:lvl3pPr marL="1371600" lvl="2" indent="-304800">
               <a:spcBef>
                 <a:spcPts val="0"/>
               </a:spcBef>
@@ -4002,7 +4103,7 @@
               <a:buChar char="■"/>
               <a:defRPr sz="1200"/>
             </a:lvl3pPr>
-            <a:lvl4pPr indent="-304800" lvl="3" marL="1828800">
+            <a:lvl4pPr marL="1828800" lvl="3" indent="-304800">
               <a:spcBef>
                 <a:spcPts val="0"/>
               </a:spcBef>
@@ -4013,7 +4114,7 @@
               <a:buChar char="●"/>
               <a:defRPr sz="1200"/>
             </a:lvl4pPr>
-            <a:lvl5pPr indent="-304800" lvl="4" marL="2286000">
+            <a:lvl5pPr marL="2286000" lvl="4" indent="-304800">
               <a:spcBef>
                 <a:spcPts val="0"/>
               </a:spcBef>
@@ -4024,7 +4125,7 @@
               <a:buChar char="○"/>
               <a:defRPr sz="1200"/>
             </a:lvl5pPr>
-            <a:lvl6pPr indent="-304800" lvl="5" marL="2743200">
+            <a:lvl6pPr marL="2743200" lvl="5" indent="-304800">
               <a:spcBef>
                 <a:spcPts val="0"/>
               </a:spcBef>
@@ -4035,7 +4136,7 @@
               <a:buChar char="■"/>
               <a:defRPr sz="1200"/>
             </a:lvl6pPr>
-            <a:lvl7pPr indent="-304800" lvl="6" marL="3200400">
+            <a:lvl7pPr marL="3200400" lvl="6" indent="-304800">
               <a:spcBef>
                 <a:spcPts val="0"/>
               </a:spcBef>
@@ -4046,7 +4147,7 @@
               <a:buChar char="●"/>
               <a:defRPr sz="1200"/>
             </a:lvl7pPr>
-            <a:lvl8pPr indent="-304800" lvl="7" marL="3657600">
+            <a:lvl8pPr marL="3657600" lvl="7" indent="-304800">
               <a:spcBef>
                 <a:spcPts val="0"/>
               </a:spcBef>
@@ -4057,7 +4158,7 @@
               <a:buChar char="○"/>
               <a:defRPr sz="1200"/>
             </a:lvl8pPr>
-            <a:lvl9pPr indent="-304800" lvl="8" marL="4114800">
+            <a:lvl9pPr marL="4114800" lvl="8" indent="-304800">
               <a:spcBef>
                 <a:spcPts val="0"/>
               </a:spcBef>
@@ -4069,28 +4170,32 @@
               <a:defRPr sz="1200"/>
             </a:lvl9pPr>
           </a:lstStyle>
-          <a:p/>
+          <a:p>
+            <a:endParaRPr/>
+          </a:p>
         </p:txBody>
       </p:sp>
       <p:sp>
         <p:nvSpPr>
           <p:cNvPr id="31" name="Google Shape;31;p7"/>
-          <p:cNvSpPr txBox="1"/>
+          <p:cNvSpPr txBox="1">
+            <a:spLocks noGrp="1"/>
+          </p:cNvSpPr>
           <p:nvPr>
-            <p:ph idx="12" type="sldNum"/>
+            <p:ph type="sldNum" idx="12"/>
           </p:nvPr>
         </p:nvSpPr>
         <p:spPr>
           <a:xfrm>
-            <a:off x="8472458" y="6217622"/>
-            <a:ext cx="548700" cy="524700"/>
+            <a:off x="11296611" y="6217622"/>
+            <a:ext cx="731600" cy="524700"/>
           </a:xfrm>
           <a:prstGeom prst="rect">
             <a:avLst/>
           </a:prstGeom>
         </p:spPr>
         <p:txBody>
-          <a:bodyPr anchorCtr="0" anchor="ctr" bIns="91425" lIns="91425" spcFirstLastPara="1" rIns="91425" wrap="square" tIns="91425">
+          <a:bodyPr spcFirstLastPara="1" wrap="square" lIns="91425" tIns="91425" rIns="91425" bIns="91425" anchor="ctr" anchorCtr="0">
             <a:normAutofit/>
           </a:bodyPr>
           <a:lstStyle>
@@ -4132,20 +4237,12 @@
             </a:lvl9pPr>
           </a:lstStyle>
           <a:p>
-            <a:pPr indent="0" lvl="0" marL="0" rtl="0" algn="r">
-              <a:spcBef>
-                <a:spcPts val="0"/>
-              </a:spcBef>
-              <a:spcAft>
-                <a:spcPts val="0"/>
-              </a:spcAft>
-              <a:buNone/>
-            </a:pPr>
             <a:fld id="{00000000-1234-1234-1234-123412341234}" type="slidenum">
-              <a:rPr lang="en"/>
+              <a:rPr lang="en" smtClean="0"/>
+              <a:pPr/>
               <a:t>‹#›</a:t>
             </a:fld>
-            <a:endParaRPr/>
+            <a:endParaRPr lang="en"/>
           </a:p>
         </p:txBody>
       </p:sp>
@@ -4158,11 +4255,11 @@
 </file>
 
 <file path=ppt/slideLayouts/slideLayout7.xml><?xml version="1.0" encoding="utf-8"?>
-<p:sldLayout xmlns:a="http://schemas.openxmlformats.org/drawingml/2006/main" xmlns:r="http://schemas.openxmlformats.org/officeDocument/2006/relationships" xmlns:mc="http://schemas.openxmlformats.org/markup-compatibility/2006" xmlns:mv="urn:schemas-microsoft-com:mac:vml" xmlns:p="http://schemas.openxmlformats.org/presentationml/2006/main" xmlns:c="http://schemas.openxmlformats.org/drawingml/2006/chart" xmlns:dgm="http://schemas.openxmlformats.org/drawingml/2006/diagram" xmlns:o="urn:schemas-microsoft-com:office:office" xmlns:v="urn:schemas-microsoft-com:vml" xmlns:pvml="urn:schemas-microsoft-com:office:powerpoint" xmlns:com="http://schemas.openxmlformats.org/drawingml/2006/compatibility" xmlns:p14="http://schemas.microsoft.com/office/powerpoint/2010/main" xmlns:p15="http://schemas.microsoft.com/office/powerpoint/2012/main" xmlns:ahyp="http://schemas.microsoft.com/office/drawing/2018/hyperlinkcolor" matchingName="Main point">
+<p:sldLayout xmlns:a="http://schemas.openxmlformats.org/drawingml/2006/main" xmlns:r="http://schemas.openxmlformats.org/officeDocument/2006/relationships" xmlns:p="http://schemas.openxmlformats.org/presentationml/2006/main" matchingName="Main point">
   <p:cSld name="MAIN_POINT">
     <p:spTree>
       <p:nvGrpSpPr>
-        <p:cNvPr id="32" name="Shape 32"/>
+        <p:cNvPr id="1" name="Shape 32"/>
         <p:cNvGrpSpPr/>
         <p:nvPr/>
       </p:nvGrpSpPr>
@@ -4177,22 +4274,24 @@
       <p:sp>
         <p:nvSpPr>
           <p:cNvPr id="33" name="Google Shape;33;p8"/>
-          <p:cNvSpPr txBox="1"/>
+          <p:cNvSpPr txBox="1">
+            <a:spLocks noGrp="1"/>
+          </p:cNvSpPr>
           <p:nvPr>
             <p:ph type="title"/>
           </p:nvPr>
         </p:nvSpPr>
         <p:spPr>
           <a:xfrm>
-            <a:off x="490250" y="600200"/>
-            <a:ext cx="6367800" cy="5454300"/>
+            <a:off x="653667" y="600200"/>
+            <a:ext cx="8490400" cy="5454300"/>
           </a:xfrm>
           <a:prstGeom prst="rect">
             <a:avLst/>
           </a:prstGeom>
         </p:spPr>
         <p:txBody>
-          <a:bodyPr anchorCtr="0" anchor="ctr" bIns="91425" lIns="91425" spcFirstLastPara="1" rIns="91425" wrap="square" tIns="91425">
+          <a:bodyPr spcFirstLastPara="1" wrap="square" lIns="91425" tIns="91425" rIns="91425" bIns="91425" anchor="ctr" anchorCtr="0">
             <a:normAutofit/>
           </a:bodyPr>
           <a:lstStyle>
@@ -4296,28 +4395,32 @@
               <a:defRPr sz="4800"/>
             </a:lvl9pPr>
           </a:lstStyle>
-          <a:p/>
+          <a:p>
+            <a:endParaRPr/>
+          </a:p>
         </p:txBody>
       </p:sp>
       <p:sp>
         <p:nvSpPr>
           <p:cNvPr id="34" name="Google Shape;34;p8"/>
-          <p:cNvSpPr txBox="1"/>
+          <p:cNvSpPr txBox="1">
+            <a:spLocks noGrp="1"/>
+          </p:cNvSpPr>
           <p:nvPr>
-            <p:ph idx="12" type="sldNum"/>
+            <p:ph type="sldNum" idx="12"/>
           </p:nvPr>
         </p:nvSpPr>
         <p:spPr>
           <a:xfrm>
-            <a:off x="8472458" y="6217622"/>
-            <a:ext cx="548700" cy="524700"/>
+            <a:off x="11296611" y="6217622"/>
+            <a:ext cx="731600" cy="524700"/>
           </a:xfrm>
           <a:prstGeom prst="rect">
             <a:avLst/>
           </a:prstGeom>
         </p:spPr>
         <p:txBody>
-          <a:bodyPr anchorCtr="0" anchor="ctr" bIns="91425" lIns="91425" spcFirstLastPara="1" rIns="91425" wrap="square" tIns="91425">
+          <a:bodyPr spcFirstLastPara="1" wrap="square" lIns="91425" tIns="91425" rIns="91425" bIns="91425" anchor="ctr" anchorCtr="0">
             <a:normAutofit/>
           </a:bodyPr>
           <a:lstStyle>
@@ -4359,20 +4462,12 @@
             </a:lvl9pPr>
           </a:lstStyle>
           <a:p>
-            <a:pPr indent="0" lvl="0" marL="0" rtl="0" algn="r">
-              <a:spcBef>
-                <a:spcPts val="0"/>
-              </a:spcBef>
-              <a:spcAft>
-                <a:spcPts val="0"/>
-              </a:spcAft>
-              <a:buNone/>
-            </a:pPr>
             <a:fld id="{00000000-1234-1234-1234-123412341234}" type="slidenum">
-              <a:rPr lang="en"/>
+              <a:rPr lang="en" smtClean="0"/>
+              <a:pPr/>
               <a:t>‹#›</a:t>
             </a:fld>
-            <a:endParaRPr/>
+            <a:endParaRPr lang="en"/>
           </a:p>
         </p:txBody>
       </p:sp>
@@ -4385,11 +4480,11 @@
 </file>
 
 <file path=ppt/slideLayouts/slideLayout8.xml><?xml version="1.0" encoding="utf-8"?>
-<p:sldLayout xmlns:a="http://schemas.openxmlformats.org/drawingml/2006/main" xmlns:r="http://schemas.openxmlformats.org/officeDocument/2006/relationships" xmlns:mc="http://schemas.openxmlformats.org/markup-compatibility/2006" xmlns:mv="urn:schemas-microsoft-com:mac:vml" xmlns:p="http://schemas.openxmlformats.org/presentationml/2006/main" xmlns:c="http://schemas.openxmlformats.org/drawingml/2006/chart" xmlns:dgm="http://schemas.openxmlformats.org/drawingml/2006/diagram" xmlns:o="urn:schemas-microsoft-com:office:office" xmlns:v="urn:schemas-microsoft-com:vml" xmlns:pvml="urn:schemas-microsoft-com:office:powerpoint" xmlns:com="http://schemas.openxmlformats.org/drawingml/2006/compatibility" xmlns:p14="http://schemas.microsoft.com/office/powerpoint/2010/main" xmlns:p15="http://schemas.microsoft.com/office/powerpoint/2012/main" xmlns:ahyp="http://schemas.microsoft.com/office/drawing/2018/hyperlinkcolor" matchingName="Section title and description">
+<p:sldLayout xmlns:a="http://schemas.openxmlformats.org/drawingml/2006/main" xmlns:r="http://schemas.openxmlformats.org/officeDocument/2006/relationships" xmlns:p="http://schemas.openxmlformats.org/presentationml/2006/main" matchingName="Section title and description">
   <p:cSld name="SECTION_TITLE_AND_DESCRIPTION">
     <p:spTree>
       <p:nvGrpSpPr>
-        <p:cNvPr id="35" name="Shape 35"/>
+        <p:cNvPr id="1" name="Shape 35"/>
         <p:cNvGrpSpPr/>
         <p:nvPr/>
       </p:nvGrpSpPr>
@@ -4409,8 +4504,8 @@
         </p:nvSpPr>
         <p:spPr>
           <a:xfrm>
-            <a:off x="4572000" y="-167"/>
-            <a:ext cx="4572000" cy="6858000"/>
+            <a:off x="6096000" y="-167"/>
+            <a:ext cx="6096000" cy="6858000"/>
           </a:xfrm>
           <a:prstGeom prst="rect">
             <a:avLst/>
@@ -4423,12 +4518,12 @@
           </a:ln>
         </p:spPr>
         <p:txBody>
-          <a:bodyPr anchorCtr="0" anchor="ctr" bIns="91425" lIns="91425" spcFirstLastPara="1" rIns="91425" wrap="square" tIns="91425">
+          <a:bodyPr spcFirstLastPara="1" wrap="square" lIns="91425" tIns="91425" rIns="91425" bIns="91425" anchor="ctr" anchorCtr="0">
             <a:noAutofit/>
           </a:bodyPr>
           <a:lstStyle/>
           <a:p>
-            <a:pPr indent="0" lvl="0" marL="0" rtl="0" algn="l">
+            <a:pPr marL="0" lvl="0" indent="0" algn="l" rtl="0">
               <a:spcBef>
                 <a:spcPts val="0"/>
               </a:spcBef>
@@ -4437,32 +4532,31 @@
               </a:spcAft>
               <a:buNone/>
             </a:pPr>
-            <a:r>
-              <a:t/>
-            </a:r>
-            <a:endParaRPr/>
+            <a:endParaRPr sz="1400"/>
           </a:p>
         </p:txBody>
       </p:sp>
       <p:sp>
         <p:nvSpPr>
           <p:cNvPr id="37" name="Google Shape;37;p9"/>
-          <p:cNvSpPr txBox="1"/>
+          <p:cNvSpPr txBox="1">
+            <a:spLocks noGrp="1"/>
+          </p:cNvSpPr>
           <p:nvPr>
             <p:ph type="title"/>
           </p:nvPr>
         </p:nvSpPr>
         <p:spPr>
           <a:xfrm>
-            <a:off x="265500" y="1644233"/>
-            <a:ext cx="4045200" cy="1976400"/>
+            <a:off x="354000" y="1644233"/>
+            <a:ext cx="5393600" cy="1976400"/>
           </a:xfrm>
           <a:prstGeom prst="rect">
             <a:avLst/>
           </a:prstGeom>
         </p:spPr>
         <p:txBody>
-          <a:bodyPr anchorCtr="0" anchor="b" bIns="91425" lIns="91425" spcFirstLastPara="1" rIns="91425" wrap="square" tIns="91425">
+          <a:bodyPr spcFirstLastPara="1" wrap="square" lIns="91425" tIns="91425" rIns="91425" bIns="91425" anchor="b" anchorCtr="0">
             <a:normAutofit/>
           </a:bodyPr>
           <a:lstStyle>
@@ -4566,28 +4660,32 @@
               <a:defRPr sz="4200"/>
             </a:lvl9pPr>
           </a:lstStyle>
-          <a:p/>
+          <a:p>
+            <a:endParaRPr/>
+          </a:p>
         </p:txBody>
       </p:sp>
       <p:sp>
         <p:nvSpPr>
           <p:cNvPr id="38" name="Google Shape;38;p9"/>
-          <p:cNvSpPr txBox="1"/>
+          <p:cNvSpPr txBox="1">
+            <a:spLocks noGrp="1"/>
+          </p:cNvSpPr>
           <p:nvPr>
-            <p:ph idx="1" type="subTitle"/>
+            <p:ph type="subTitle" idx="1"/>
           </p:nvPr>
         </p:nvSpPr>
         <p:spPr>
           <a:xfrm>
-            <a:off x="265500" y="3737433"/>
-            <a:ext cx="4045200" cy="1646700"/>
+            <a:off x="354000" y="3737433"/>
+            <a:ext cx="5393600" cy="1646700"/>
           </a:xfrm>
           <a:prstGeom prst="rect">
             <a:avLst/>
           </a:prstGeom>
         </p:spPr>
         <p:txBody>
-          <a:bodyPr anchorCtr="0" anchor="t" bIns="91425" lIns="91425" spcFirstLastPara="1" rIns="91425" wrap="square" tIns="91425">
+          <a:bodyPr spcFirstLastPara="1" wrap="square" lIns="91425" tIns="91425" rIns="91425" bIns="91425" anchor="t" anchorCtr="0">
             <a:normAutofit/>
           </a:bodyPr>
           <a:lstStyle>
@@ -4718,32 +4816,36 @@
               <a:defRPr sz="2100"/>
             </a:lvl9pPr>
           </a:lstStyle>
-          <a:p/>
+          <a:p>
+            <a:endParaRPr/>
+          </a:p>
         </p:txBody>
       </p:sp>
       <p:sp>
         <p:nvSpPr>
           <p:cNvPr id="39" name="Google Shape;39;p9"/>
-          <p:cNvSpPr txBox="1"/>
+          <p:cNvSpPr txBox="1">
+            <a:spLocks noGrp="1"/>
+          </p:cNvSpPr>
           <p:nvPr>
-            <p:ph idx="2" type="body"/>
+            <p:ph type="body" idx="2"/>
           </p:nvPr>
         </p:nvSpPr>
         <p:spPr>
           <a:xfrm>
-            <a:off x="4939500" y="965433"/>
-            <a:ext cx="3837000" cy="4926900"/>
+            <a:off x="6586000" y="965433"/>
+            <a:ext cx="5116000" cy="4926900"/>
           </a:xfrm>
           <a:prstGeom prst="rect">
             <a:avLst/>
           </a:prstGeom>
         </p:spPr>
         <p:txBody>
-          <a:bodyPr anchorCtr="0" anchor="ctr" bIns="91425" lIns="91425" spcFirstLastPara="1" rIns="91425" wrap="square" tIns="91425">
+          <a:bodyPr spcFirstLastPara="1" wrap="square" lIns="91425" tIns="91425" rIns="91425" bIns="91425" anchor="ctr" anchorCtr="0">
             <a:normAutofit/>
           </a:bodyPr>
           <a:lstStyle>
-            <a:lvl1pPr indent="-342900" lvl="0" marL="457200">
+            <a:lvl1pPr marL="457200" lvl="0" indent="-342900">
               <a:spcBef>
                 <a:spcPts val="0"/>
               </a:spcBef>
@@ -4754,7 +4856,7 @@
               <a:buChar char="●"/>
               <a:defRPr/>
             </a:lvl1pPr>
-            <a:lvl2pPr indent="-317500" lvl="1" marL="914400">
+            <a:lvl2pPr marL="914400" lvl="1" indent="-317500">
               <a:spcBef>
                 <a:spcPts val="0"/>
               </a:spcBef>
@@ -4765,7 +4867,7 @@
               <a:buChar char="○"/>
               <a:defRPr/>
             </a:lvl2pPr>
-            <a:lvl3pPr indent="-317500" lvl="2" marL="1371600">
+            <a:lvl3pPr marL="1371600" lvl="2" indent="-317500">
               <a:spcBef>
                 <a:spcPts val="0"/>
               </a:spcBef>
@@ -4776,7 +4878,7 @@
               <a:buChar char="■"/>
               <a:defRPr/>
             </a:lvl3pPr>
-            <a:lvl4pPr indent="-317500" lvl="3" marL="1828800">
+            <a:lvl4pPr marL="1828800" lvl="3" indent="-317500">
               <a:spcBef>
                 <a:spcPts val="0"/>
               </a:spcBef>
@@ -4787,7 +4889,7 @@
               <a:buChar char="●"/>
               <a:defRPr/>
             </a:lvl4pPr>
-            <a:lvl5pPr indent="-317500" lvl="4" marL="2286000">
+            <a:lvl5pPr marL="2286000" lvl="4" indent="-317500">
               <a:spcBef>
                 <a:spcPts val="0"/>
               </a:spcBef>
@@ -4798,7 +4900,7 @@
               <a:buChar char="○"/>
               <a:defRPr/>
             </a:lvl5pPr>
-            <a:lvl6pPr indent="-317500" lvl="5" marL="2743200">
+            <a:lvl6pPr marL="2743200" lvl="5" indent="-317500">
               <a:spcBef>
                 <a:spcPts val="0"/>
               </a:spcBef>
@@ -4809,7 +4911,7 @@
               <a:buChar char="■"/>
               <a:defRPr/>
             </a:lvl6pPr>
-            <a:lvl7pPr indent="-317500" lvl="6" marL="3200400">
+            <a:lvl7pPr marL="3200400" lvl="6" indent="-317500">
               <a:spcBef>
                 <a:spcPts val="0"/>
               </a:spcBef>
@@ -4820,7 +4922,7 @@
               <a:buChar char="●"/>
               <a:defRPr/>
             </a:lvl7pPr>
-            <a:lvl8pPr indent="-317500" lvl="7" marL="3657600">
+            <a:lvl8pPr marL="3657600" lvl="7" indent="-317500">
               <a:spcBef>
                 <a:spcPts val="0"/>
               </a:spcBef>
@@ -4831,7 +4933,7 @@
               <a:buChar char="○"/>
               <a:defRPr/>
             </a:lvl8pPr>
-            <a:lvl9pPr indent="-317500" lvl="8" marL="4114800">
+            <a:lvl9pPr marL="4114800" lvl="8" indent="-317500">
               <a:spcBef>
                 <a:spcPts val="0"/>
               </a:spcBef>
@@ -4843,28 +4945,32 @@
               <a:defRPr/>
             </a:lvl9pPr>
           </a:lstStyle>
-          <a:p/>
+          <a:p>
+            <a:endParaRPr/>
+          </a:p>
         </p:txBody>
       </p:sp>
       <p:sp>
         <p:nvSpPr>
           <p:cNvPr id="40" name="Google Shape;40;p9"/>
-          <p:cNvSpPr txBox="1"/>
+          <p:cNvSpPr txBox="1">
+            <a:spLocks noGrp="1"/>
+          </p:cNvSpPr>
           <p:nvPr>
-            <p:ph idx="12" type="sldNum"/>
+            <p:ph type="sldNum" idx="12"/>
           </p:nvPr>
         </p:nvSpPr>
         <p:spPr>
           <a:xfrm>
-            <a:off x="8472458" y="6217622"/>
-            <a:ext cx="548700" cy="524700"/>
+            <a:off x="11296611" y="6217622"/>
+            <a:ext cx="731600" cy="524700"/>
           </a:xfrm>
           <a:prstGeom prst="rect">
             <a:avLst/>
           </a:prstGeom>
         </p:spPr>
         <p:txBody>
-          <a:bodyPr anchorCtr="0" anchor="ctr" bIns="91425" lIns="91425" spcFirstLastPara="1" rIns="91425" wrap="square" tIns="91425">
+          <a:bodyPr spcFirstLastPara="1" wrap="square" lIns="91425" tIns="91425" rIns="91425" bIns="91425" anchor="ctr" anchorCtr="0">
             <a:normAutofit/>
           </a:bodyPr>
           <a:lstStyle>
@@ -4906,20 +5012,12 @@
             </a:lvl9pPr>
           </a:lstStyle>
           <a:p>
-            <a:pPr indent="0" lvl="0" marL="0" rtl="0" algn="r">
-              <a:spcBef>
-                <a:spcPts val="0"/>
-              </a:spcBef>
-              <a:spcAft>
-                <a:spcPts val="0"/>
-              </a:spcAft>
-              <a:buNone/>
-            </a:pPr>
             <a:fld id="{00000000-1234-1234-1234-123412341234}" type="slidenum">
-              <a:rPr lang="en"/>
+              <a:rPr lang="en" smtClean="0"/>
+              <a:pPr/>
               <a:t>‹#›</a:t>
             </a:fld>
-            <a:endParaRPr/>
+            <a:endParaRPr lang="en"/>
           </a:p>
         </p:txBody>
       </p:sp>
@@ -4932,11 +5030,11 @@
 </file>
 
 <file path=ppt/slideLayouts/slideLayout9.xml><?xml version="1.0" encoding="utf-8"?>
-<p:sldLayout xmlns:a="http://schemas.openxmlformats.org/drawingml/2006/main" xmlns:r="http://schemas.openxmlformats.org/officeDocument/2006/relationships" xmlns:mc="http://schemas.openxmlformats.org/markup-compatibility/2006" xmlns:mv="urn:schemas-microsoft-com:mac:vml" xmlns:p="http://schemas.openxmlformats.org/presentationml/2006/main" xmlns:c="http://schemas.openxmlformats.org/drawingml/2006/chart" xmlns:dgm="http://schemas.openxmlformats.org/drawingml/2006/diagram" xmlns:o="urn:schemas-microsoft-com:office:office" xmlns:v="urn:schemas-microsoft-com:vml" xmlns:pvml="urn:schemas-microsoft-com:office:powerpoint" xmlns:com="http://schemas.openxmlformats.org/drawingml/2006/compatibility" xmlns:p14="http://schemas.microsoft.com/office/powerpoint/2010/main" xmlns:p15="http://schemas.microsoft.com/office/powerpoint/2012/main" xmlns:ahyp="http://schemas.microsoft.com/office/drawing/2018/hyperlinkcolor" matchingName="Caption">
+<p:sldLayout xmlns:a="http://schemas.openxmlformats.org/drawingml/2006/main" xmlns:r="http://schemas.openxmlformats.org/officeDocument/2006/relationships" xmlns:p="http://schemas.openxmlformats.org/presentationml/2006/main" matchingName="Caption">
   <p:cSld name="CAPTION_ONLY">
     <p:spTree>
       <p:nvGrpSpPr>
-        <p:cNvPr id="41" name="Shape 41"/>
+        <p:cNvPr id="1" name="Shape 41"/>
         <p:cNvGrpSpPr/>
         <p:nvPr/>
       </p:nvGrpSpPr>
@@ -4951,26 +5049,28 @@
       <p:sp>
         <p:nvSpPr>
           <p:cNvPr id="42" name="Google Shape;42;p10"/>
-          <p:cNvSpPr txBox="1"/>
+          <p:cNvSpPr txBox="1">
+            <a:spLocks noGrp="1"/>
+          </p:cNvSpPr>
           <p:nvPr>
-            <p:ph idx="1" type="body"/>
+            <p:ph type="body" idx="1"/>
           </p:nvPr>
         </p:nvSpPr>
         <p:spPr>
           <a:xfrm>
-            <a:off x="311700" y="5640767"/>
-            <a:ext cx="5998800" cy="806700"/>
+            <a:off x="415600" y="5640767"/>
+            <a:ext cx="7998400" cy="806700"/>
           </a:xfrm>
           <a:prstGeom prst="rect">
             <a:avLst/>
           </a:prstGeom>
         </p:spPr>
         <p:txBody>
-          <a:bodyPr anchorCtr="0" anchor="ctr" bIns="91425" lIns="91425" spcFirstLastPara="1" rIns="91425" wrap="square" tIns="91425">
+          <a:bodyPr spcFirstLastPara="1" wrap="square" lIns="91425" tIns="91425" rIns="91425" bIns="91425" anchor="ctr" anchorCtr="0">
             <a:normAutofit/>
           </a:bodyPr>
           <a:lstStyle>
-            <a:lvl1pPr indent="-228600" lvl="0" marL="457200">
+            <a:lvl1pPr marL="457200" lvl="0" indent="-228600">
               <a:lnSpc>
                 <a:spcPct val="100000"/>
               </a:lnSpc>
@@ -4985,28 +5085,32 @@
               <a:defRPr/>
             </a:lvl1pPr>
           </a:lstStyle>
-          <a:p/>
+          <a:p>
+            <a:endParaRPr/>
+          </a:p>
         </p:txBody>
       </p:sp>
       <p:sp>
         <p:nvSpPr>
           <p:cNvPr id="43" name="Google Shape;43;p10"/>
-          <p:cNvSpPr txBox="1"/>
+          <p:cNvSpPr txBox="1">
+            <a:spLocks noGrp="1"/>
+          </p:cNvSpPr>
           <p:nvPr>
-            <p:ph idx="12" type="sldNum"/>
+            <p:ph type="sldNum" idx="12"/>
           </p:nvPr>
         </p:nvSpPr>
         <p:spPr>
           <a:xfrm>
-            <a:off x="8472458" y="6217622"/>
-            <a:ext cx="548700" cy="524700"/>
+            <a:off x="11296611" y="6217622"/>
+            <a:ext cx="731600" cy="524700"/>
           </a:xfrm>
           <a:prstGeom prst="rect">
             <a:avLst/>
           </a:prstGeom>
         </p:spPr>
         <p:txBody>
-          <a:bodyPr anchorCtr="0" anchor="ctr" bIns="91425" lIns="91425" spcFirstLastPara="1" rIns="91425" wrap="square" tIns="91425">
+          <a:bodyPr spcFirstLastPara="1" wrap="square" lIns="91425" tIns="91425" rIns="91425" bIns="91425" anchor="ctr" anchorCtr="0">
             <a:normAutofit/>
           </a:bodyPr>
           <a:lstStyle>
@@ -5048,20 +5152,12 @@
             </a:lvl9pPr>
           </a:lstStyle>
           <a:p>
-            <a:pPr indent="0" lvl="0" marL="0" rtl="0" algn="r">
-              <a:spcBef>
-                <a:spcPts val="0"/>
-              </a:spcBef>
-              <a:spcAft>
-                <a:spcPts val="0"/>
-              </a:spcAft>
-              <a:buNone/>
-            </a:pPr>
             <a:fld id="{00000000-1234-1234-1234-123412341234}" type="slidenum">
-              <a:rPr lang="en"/>
+              <a:rPr lang="en" smtClean="0"/>
+              <a:pPr/>
               <a:t>‹#›</a:t>
             </a:fld>
-            <a:endParaRPr/>
+            <a:endParaRPr lang="en"/>
           </a:p>
         </p:txBody>
       </p:sp>
@@ -5074,18 +5170,19 @@
 </file>
 
 <file path=ppt/slideMasters/slideMaster1.xml><?xml version="1.0" encoding="utf-8"?>
-<p:sldMaster xmlns:a="http://schemas.openxmlformats.org/drawingml/2006/main" xmlns:r="http://schemas.openxmlformats.org/officeDocument/2006/relationships" xmlns:mc="http://schemas.openxmlformats.org/markup-compatibility/2006" xmlns:mv="urn:schemas-microsoft-com:mac:vml" xmlns:p="http://schemas.openxmlformats.org/presentationml/2006/main" xmlns:c="http://schemas.openxmlformats.org/drawingml/2006/chart" xmlns:dgm="http://schemas.openxmlformats.org/drawingml/2006/diagram" xmlns:o="urn:schemas-microsoft-com:office:office" xmlns:v="urn:schemas-microsoft-com:vml" xmlns:pvml="urn:schemas-microsoft-com:office:powerpoint" xmlns:com="http://schemas.openxmlformats.org/drawingml/2006/compatibility" xmlns:p14="http://schemas.microsoft.com/office/powerpoint/2010/main" xmlns:p15="http://schemas.microsoft.com/office/powerpoint/2012/main" xmlns:ahyp="http://schemas.microsoft.com/office/drawing/2018/hyperlinkcolor">
+<p:sldMaster xmlns:a="http://schemas.openxmlformats.org/drawingml/2006/main" xmlns:r="http://schemas.openxmlformats.org/officeDocument/2006/relationships" xmlns:p="http://schemas.openxmlformats.org/presentationml/2006/main">
   <p:cSld name="simple-light-2">
     <p:bg>
       <p:bgPr>
         <a:solidFill>
           <a:schemeClr val="lt1"/>
         </a:solidFill>
+        <a:effectLst/>
       </p:bgPr>
     </p:bg>
     <p:spTree>
       <p:nvGrpSpPr>
-        <p:cNvPr id="5" name="Shape 5"/>
+        <p:cNvPr id="1" name="Shape 5"/>
         <p:cNvGrpSpPr/>
         <p:nvPr/>
       </p:nvGrpSpPr>
@@ -5100,15 +5197,17 @@
       <p:sp>
         <p:nvSpPr>
           <p:cNvPr id="6" name="Google Shape;6;p1"/>
-          <p:cNvSpPr txBox="1"/>
+          <p:cNvSpPr txBox="1">
+            <a:spLocks noGrp="1"/>
+          </p:cNvSpPr>
           <p:nvPr>
             <p:ph type="title"/>
           </p:nvPr>
         </p:nvSpPr>
         <p:spPr>
           <a:xfrm>
-            <a:off x="311700" y="593367"/>
-            <a:ext cx="8520600" cy="763500"/>
+            <a:off x="415600" y="593367"/>
+            <a:ext cx="11360800" cy="763500"/>
           </a:xfrm>
           <a:prstGeom prst="rect">
             <a:avLst/>
@@ -5119,7 +5218,7 @@
           </a:ln>
         </p:spPr>
         <p:txBody>
-          <a:bodyPr anchorCtr="0" anchor="t" bIns="91425" lIns="91425" spcFirstLastPara="1" rIns="91425" wrap="square" tIns="91425">
+          <a:bodyPr spcFirstLastPara="1" wrap="square" lIns="91425" tIns="91425" rIns="91425" bIns="91425" anchor="t" anchorCtr="0">
             <a:normAutofit/>
           </a:bodyPr>
           <a:lstStyle>
@@ -5286,21 +5385,25 @@
               </a:defRPr>
             </a:lvl9pPr>
           </a:lstStyle>
-          <a:p/>
+          <a:p>
+            <a:endParaRPr/>
+          </a:p>
         </p:txBody>
       </p:sp>
       <p:sp>
         <p:nvSpPr>
           <p:cNvPr id="7" name="Google Shape;7;p1"/>
-          <p:cNvSpPr txBox="1"/>
+          <p:cNvSpPr txBox="1">
+            <a:spLocks noGrp="1"/>
+          </p:cNvSpPr>
           <p:nvPr>
-            <p:ph idx="1" type="body"/>
+            <p:ph type="body" idx="1"/>
           </p:nvPr>
         </p:nvSpPr>
         <p:spPr>
           <a:xfrm>
-            <a:off x="311700" y="1536633"/>
-            <a:ext cx="8520600" cy="4555200"/>
+            <a:off x="415600" y="1536633"/>
+            <a:ext cx="11360800" cy="4555200"/>
           </a:xfrm>
           <a:prstGeom prst="rect">
             <a:avLst/>
@@ -5311,11 +5414,11 @@
           </a:ln>
         </p:spPr>
         <p:txBody>
-          <a:bodyPr anchorCtr="0" anchor="t" bIns="91425" lIns="91425" spcFirstLastPara="1" rIns="91425" wrap="square" tIns="91425">
+          <a:bodyPr spcFirstLastPara="1" wrap="square" lIns="91425" tIns="91425" rIns="91425" bIns="91425" anchor="t" anchorCtr="0">
             <a:normAutofit/>
           </a:bodyPr>
           <a:lstStyle>
-            <a:lvl1pPr indent="-342900" lvl="0" marL="457200">
+            <a:lvl1pPr marL="457200" lvl="0" indent="-342900">
               <a:lnSpc>
                 <a:spcPct val="115000"/>
               </a:lnSpc>
@@ -5336,7 +5439,7 @@
                 </a:solidFill>
               </a:defRPr>
             </a:lvl1pPr>
-            <a:lvl2pPr indent="-317500" lvl="1" marL="914400">
+            <a:lvl2pPr marL="914400" lvl="1" indent="-317500">
               <a:lnSpc>
                 <a:spcPct val="115000"/>
               </a:lnSpc>
@@ -5357,7 +5460,7 @@
                 </a:solidFill>
               </a:defRPr>
             </a:lvl2pPr>
-            <a:lvl3pPr indent="-317500" lvl="2" marL="1371600">
+            <a:lvl3pPr marL="1371600" lvl="2" indent="-317500">
               <a:lnSpc>
                 <a:spcPct val="115000"/>
               </a:lnSpc>
@@ -5378,7 +5481,7 @@
                 </a:solidFill>
               </a:defRPr>
             </a:lvl3pPr>
-            <a:lvl4pPr indent="-317500" lvl="3" marL="1828800">
+            <a:lvl4pPr marL="1828800" lvl="3" indent="-317500">
               <a:lnSpc>
                 <a:spcPct val="115000"/>
               </a:lnSpc>
@@ -5399,7 +5502,7 @@
                 </a:solidFill>
               </a:defRPr>
             </a:lvl4pPr>
-            <a:lvl5pPr indent="-317500" lvl="4" marL="2286000">
+            <a:lvl5pPr marL="2286000" lvl="4" indent="-317500">
               <a:lnSpc>
                 <a:spcPct val="115000"/>
               </a:lnSpc>
@@ -5420,7 +5523,7 @@
                 </a:solidFill>
               </a:defRPr>
             </a:lvl5pPr>
-            <a:lvl6pPr indent="-317500" lvl="5" marL="2743200">
+            <a:lvl6pPr marL="2743200" lvl="5" indent="-317500">
               <a:lnSpc>
                 <a:spcPct val="115000"/>
               </a:lnSpc>
@@ -5441,7 +5544,7 @@
                 </a:solidFill>
               </a:defRPr>
             </a:lvl6pPr>
-            <a:lvl7pPr indent="-317500" lvl="6" marL="3200400">
+            <a:lvl7pPr marL="3200400" lvl="6" indent="-317500">
               <a:lnSpc>
                 <a:spcPct val="115000"/>
               </a:lnSpc>
@@ -5462,7 +5565,7 @@
                 </a:solidFill>
               </a:defRPr>
             </a:lvl7pPr>
-            <a:lvl8pPr indent="-317500" lvl="7" marL="3657600">
+            <a:lvl8pPr marL="3657600" lvl="7" indent="-317500">
               <a:lnSpc>
                 <a:spcPct val="115000"/>
               </a:lnSpc>
@@ -5483,7 +5586,7 @@
                 </a:solidFill>
               </a:defRPr>
             </a:lvl8pPr>
-            <a:lvl9pPr indent="-317500" lvl="8" marL="4114800">
+            <a:lvl9pPr marL="4114800" lvl="8" indent="-317500">
               <a:lnSpc>
                 <a:spcPct val="115000"/>
               </a:lnSpc>
@@ -5505,21 +5608,25 @@
               </a:defRPr>
             </a:lvl9pPr>
           </a:lstStyle>
-          <a:p/>
+          <a:p>
+            <a:endParaRPr/>
+          </a:p>
         </p:txBody>
       </p:sp>
       <p:sp>
         <p:nvSpPr>
           <p:cNvPr id="8" name="Google Shape;8;p1"/>
-          <p:cNvSpPr txBox="1"/>
+          <p:cNvSpPr txBox="1">
+            <a:spLocks noGrp="1"/>
+          </p:cNvSpPr>
           <p:nvPr>
-            <p:ph idx="12" type="sldNum"/>
+            <p:ph type="sldNum" idx="12"/>
           </p:nvPr>
         </p:nvSpPr>
         <p:spPr>
           <a:xfrm>
-            <a:off x="8472458" y="6217622"/>
-            <a:ext cx="548700" cy="524700"/>
+            <a:off x="11296611" y="6217622"/>
+            <a:ext cx="731600" cy="524700"/>
           </a:xfrm>
           <a:prstGeom prst="rect">
             <a:avLst/>
@@ -5530,7 +5637,7 @@
           </a:ln>
         </p:spPr>
         <p:txBody>
-          <a:bodyPr anchorCtr="0" anchor="ctr" bIns="91425" lIns="91425" spcFirstLastPara="1" rIns="91425" wrap="square" tIns="91425">
+          <a:bodyPr spcFirstLastPara="1" wrap="square" lIns="91425" tIns="91425" rIns="91425" bIns="91425" anchor="ctr" anchorCtr="0">
             <a:normAutofit/>
           </a:bodyPr>
           <a:lstStyle>
@@ -5608,26 +5715,127 @@
             </a:lvl9pPr>
           </a:lstStyle>
           <a:p>
-            <a:pPr indent="0" lvl="0" marL="0" rtl="0" algn="r">
-              <a:spcBef>
-                <a:spcPts val="0"/>
-              </a:spcBef>
-              <a:spcAft>
-                <a:spcPts val="0"/>
-              </a:spcAft>
-              <a:buNone/>
-            </a:pPr>
             <a:fld id="{00000000-1234-1234-1234-123412341234}" type="slidenum">
-              <a:rPr lang="en"/>
+              <a:rPr lang="en" smtClean="0"/>
+              <a:pPr/>
               <a:t>‹#›</a:t>
             </a:fld>
-            <a:endParaRPr/>
+            <a:endParaRPr lang="en"/>
+          </a:p>
+        </p:txBody>
+      </p:sp>
+      <p:cxnSp>
+        <p:nvCxnSpPr>
+          <p:cNvPr id="2" name="직선 연결선 1">
+            <a:extLst>
+              <a:ext uri="{FF2B5EF4-FFF2-40B4-BE49-F238E27FC236}">
+                <a16:creationId xmlns:a16="http://schemas.microsoft.com/office/drawing/2014/main" id="{473FD1F0-8BD2-3060-E6D1-C152E47BBC4D}"/>
+              </a:ext>
+            </a:extLst>
+          </p:cNvPr>
+          <p:cNvCxnSpPr>
+            <a:cxnSpLocks/>
+          </p:cNvCxnSpPr>
+          <p:nvPr userDrawn="1"/>
+        </p:nvCxnSpPr>
+        <p:spPr>
+          <a:xfrm>
+            <a:off x="0" y="365125"/>
+            <a:ext cx="10582183" cy="0"/>
+          </a:xfrm>
+          <a:prstGeom prst="line">
+            <a:avLst/>
+          </a:prstGeom>
+          <a:ln w="38100"/>
+        </p:spPr>
+        <p:style>
+          <a:lnRef idx="1">
+            <a:schemeClr val="accent1"/>
+          </a:lnRef>
+          <a:fillRef idx="0">
+            <a:schemeClr val="accent1"/>
+          </a:fillRef>
+          <a:effectRef idx="0">
+            <a:schemeClr val="accent1"/>
+          </a:effectRef>
+          <a:fontRef idx="minor">
+            <a:schemeClr val="tx1"/>
+          </a:fontRef>
+        </p:style>
+      </p:cxnSp>
+      <p:pic>
+        <p:nvPicPr>
+          <p:cNvPr id="3" name="그림 2">
+            <a:extLst>
+              <a:ext uri="{FF2B5EF4-FFF2-40B4-BE49-F238E27FC236}">
+                <a16:creationId xmlns:a16="http://schemas.microsoft.com/office/drawing/2014/main" id="{EFFA7902-B494-51CF-770C-8513616CA860}"/>
+              </a:ext>
+            </a:extLst>
+          </p:cNvPr>
+          <p:cNvPicPr>
+            <a:picLocks noChangeAspect="1"/>
+          </p:cNvPicPr>
+          <p:nvPr userDrawn="1"/>
+        </p:nvPicPr>
+        <p:blipFill>
+          <a:blip r:embed="rId13"/>
+          <a:stretch>
+            <a:fillRect/>
+          </a:stretch>
+        </p:blipFill>
+        <p:spPr>
+          <a:xfrm>
+            <a:off x="10758910" y="129799"/>
+            <a:ext cx="1189780" cy="470650"/>
+          </a:xfrm>
+          <a:prstGeom prst="rect">
+            <a:avLst/>
+          </a:prstGeom>
+        </p:spPr>
+      </p:pic>
+      <p:sp>
+        <p:nvSpPr>
+          <p:cNvPr id="4" name="TextBox 3">
+            <a:extLst>
+              <a:ext uri="{FF2B5EF4-FFF2-40B4-BE49-F238E27FC236}">
+                <a16:creationId xmlns:a16="http://schemas.microsoft.com/office/drawing/2014/main" id="{4C252088-E6ED-6188-FF62-00D6C0D09673}"/>
+              </a:ext>
+            </a:extLst>
+          </p:cNvPr>
+          <p:cNvSpPr txBox="1"/>
+          <p:nvPr userDrawn="1"/>
+        </p:nvSpPr>
+        <p:spPr>
+          <a:xfrm>
+            <a:off x="5112397" y="6409678"/>
+            <a:ext cx="1967205" cy="307777"/>
+          </a:xfrm>
+          <a:prstGeom prst="rect">
+            <a:avLst/>
+          </a:prstGeom>
+          <a:noFill/>
+        </p:spPr>
+        <p:txBody>
+          <a:bodyPr wrap="none" rtlCol="0">
+            <a:spAutoFit/>
+          </a:bodyPr>
+          <a:lstStyle/>
+          <a:p>
+            <a:r>
+              <a:rPr lang="en-US" altLang="ko-KR" sz="1400" b="0" dirty="0"/>
+              <a:t>Copyright 2022 </a:t>
+            </a:r>
+            <a:r>
+              <a:rPr lang="en-US" altLang="ko-KR" sz="1400" b="0" dirty="0" err="1"/>
+              <a:t>jdedu</a:t>
+            </a:r>
+            <a:endParaRPr lang="ko-KR" altLang="en-US" sz="1400" b="0" dirty="0"/>
           </a:p>
         </p:txBody>
       </p:sp>
     </p:spTree>
   </p:cSld>
-  <p:clrMap accent1="accent1" accent2="accent2" accent3="accent3" accent4="accent4" accent5="accent5" accent6="accent6" bg1="lt1" bg2="dk2" tx1="dk1" tx2="lt2" folHlink="folHlink" hlink="hlink"/>
+  <p:clrMap bg1="lt1" tx1="dk1" bg2="dk2" tx2="lt2" accent1="accent1" accent2="accent2" accent3="accent3" accent4="accent4" accent5="accent5" accent6="accent6" hlink="hlink" folHlink="folHlink"/>
   <p:sldLayoutIdLst>
     <p:sldLayoutId id="2147483648" r:id="rId1"/>
     <p:sldLayoutId id="2147483649" r:id="rId2"/>
@@ -5641,10 +5849,10 @@
     <p:sldLayoutId id="2147483657" r:id="rId10"/>
     <p:sldLayoutId id="2147483658" r:id="rId11"/>
   </p:sldLayoutIdLst>
-  <p:hf dt="0" ftr="0" hdr="0" sldNum="0"/>
+  <p:hf sldNum="0" hdr="0" ftr="0" dt="0"/>
   <p:txStyles>
     <p:titleStyle>
-      <a:defPPr lvl="0" marR="0" rtl="0" algn="l">
+      <a:defPPr marR="0" lvl="0" algn="l" rtl="0">
         <a:lnSpc>
           <a:spcPct val="100000"/>
         </a:lnSpc>
@@ -5655,7 +5863,7 @@
           <a:spcPts val="0"/>
         </a:spcAft>
       </a:defPPr>
-      <a:lvl1pPr lvl="0" marR="0" rtl="0" algn="l">
+      <a:lvl1pPr marR="0" lvl="0" algn="l" rtl="0">
         <a:lnSpc>
           <a:spcPct val="100000"/>
         </a:lnSpc>
@@ -5669,7 +5877,7 @@
           <a:srgbClr val="000000"/>
         </a:buClr>
         <a:buFont typeface="Arial"/>
-        <a:defRPr b="0" i="0" sz="1400" u="none" cap="none" strike="noStrike">
+        <a:defRPr sz="1400" b="0" i="0" u="none" strike="noStrike" cap="none">
           <a:solidFill>
             <a:srgbClr val="000000"/>
           </a:solidFill>
@@ -5679,7 +5887,7 @@
           <a:sym typeface="Arial"/>
         </a:defRPr>
       </a:lvl1pPr>
-      <a:lvl2pPr lvl="1" marR="0" rtl="0" algn="l">
+      <a:lvl2pPr marR="0" lvl="1" algn="l" rtl="0">
         <a:lnSpc>
           <a:spcPct val="100000"/>
         </a:lnSpc>
@@ -5693,7 +5901,7 @@
           <a:srgbClr val="000000"/>
         </a:buClr>
         <a:buFont typeface="Arial"/>
-        <a:defRPr b="0" i="0" sz="1400" u="none" cap="none" strike="noStrike">
+        <a:defRPr sz="1400" b="0" i="0" u="none" strike="noStrike" cap="none">
           <a:solidFill>
             <a:srgbClr val="000000"/>
           </a:solidFill>
@@ -5703,7 +5911,7 @@
           <a:sym typeface="Arial"/>
         </a:defRPr>
       </a:lvl2pPr>
-      <a:lvl3pPr lvl="2" marR="0" rtl="0" algn="l">
+      <a:lvl3pPr marR="0" lvl="2" algn="l" rtl="0">
         <a:lnSpc>
           <a:spcPct val="100000"/>
         </a:lnSpc>
@@ -5717,7 +5925,7 @@
           <a:srgbClr val="000000"/>
         </a:buClr>
         <a:buFont typeface="Arial"/>
-        <a:defRPr b="0" i="0" sz="1400" u="none" cap="none" strike="noStrike">
+        <a:defRPr sz="1400" b="0" i="0" u="none" strike="noStrike" cap="none">
           <a:solidFill>
             <a:srgbClr val="000000"/>
           </a:solidFill>
@@ -5727,7 +5935,7 @@
           <a:sym typeface="Arial"/>
         </a:defRPr>
       </a:lvl3pPr>
-      <a:lvl4pPr lvl="3" marR="0" rtl="0" algn="l">
+      <a:lvl4pPr marR="0" lvl="3" algn="l" rtl="0">
         <a:lnSpc>
           <a:spcPct val="100000"/>
         </a:lnSpc>
@@ -5741,7 +5949,7 @@
           <a:srgbClr val="000000"/>
         </a:buClr>
         <a:buFont typeface="Arial"/>
-        <a:defRPr b="0" i="0" sz="1400" u="none" cap="none" strike="noStrike">
+        <a:defRPr sz="1400" b="0" i="0" u="none" strike="noStrike" cap="none">
           <a:solidFill>
             <a:srgbClr val="000000"/>
           </a:solidFill>
@@ -5751,7 +5959,7 @@
           <a:sym typeface="Arial"/>
         </a:defRPr>
       </a:lvl4pPr>
-      <a:lvl5pPr lvl="4" marR="0" rtl="0" algn="l">
+      <a:lvl5pPr marR="0" lvl="4" algn="l" rtl="0">
         <a:lnSpc>
           <a:spcPct val="100000"/>
         </a:lnSpc>
@@ -5765,7 +5973,7 @@
           <a:srgbClr val="000000"/>
         </a:buClr>
         <a:buFont typeface="Arial"/>
-        <a:defRPr b="0" i="0" sz="1400" u="none" cap="none" strike="noStrike">
+        <a:defRPr sz="1400" b="0" i="0" u="none" strike="noStrike" cap="none">
           <a:solidFill>
             <a:srgbClr val="000000"/>
           </a:solidFill>
@@ -5775,7 +5983,7 @@
           <a:sym typeface="Arial"/>
         </a:defRPr>
       </a:lvl5pPr>
-      <a:lvl6pPr lvl="5" marR="0" rtl="0" algn="l">
+      <a:lvl6pPr marR="0" lvl="5" algn="l" rtl="0">
         <a:lnSpc>
           <a:spcPct val="100000"/>
         </a:lnSpc>
@@ -5789,7 +5997,7 @@
           <a:srgbClr val="000000"/>
         </a:buClr>
         <a:buFont typeface="Arial"/>
-        <a:defRPr b="0" i="0" sz="1400" u="none" cap="none" strike="noStrike">
+        <a:defRPr sz="1400" b="0" i="0" u="none" strike="noStrike" cap="none">
           <a:solidFill>
             <a:srgbClr val="000000"/>
           </a:solidFill>
@@ -5799,7 +6007,7 @@
           <a:sym typeface="Arial"/>
         </a:defRPr>
       </a:lvl6pPr>
-      <a:lvl7pPr lvl="6" marR="0" rtl="0" algn="l">
+      <a:lvl7pPr marR="0" lvl="6" algn="l" rtl="0">
         <a:lnSpc>
           <a:spcPct val="100000"/>
         </a:lnSpc>
@@ -5813,7 +6021,7 @@
           <a:srgbClr val="000000"/>
         </a:buClr>
         <a:buFont typeface="Arial"/>
-        <a:defRPr b="0" i="0" sz="1400" u="none" cap="none" strike="noStrike">
+        <a:defRPr sz="1400" b="0" i="0" u="none" strike="noStrike" cap="none">
           <a:solidFill>
             <a:srgbClr val="000000"/>
           </a:solidFill>
@@ -5823,7 +6031,7 @@
           <a:sym typeface="Arial"/>
         </a:defRPr>
       </a:lvl7pPr>
-      <a:lvl8pPr lvl="7" marR="0" rtl="0" algn="l">
+      <a:lvl8pPr marR="0" lvl="7" algn="l" rtl="0">
         <a:lnSpc>
           <a:spcPct val="100000"/>
         </a:lnSpc>
@@ -5837,7 +6045,7 @@
           <a:srgbClr val="000000"/>
         </a:buClr>
         <a:buFont typeface="Arial"/>
-        <a:defRPr b="0" i="0" sz="1400" u="none" cap="none" strike="noStrike">
+        <a:defRPr sz="1400" b="0" i="0" u="none" strike="noStrike" cap="none">
           <a:solidFill>
             <a:srgbClr val="000000"/>
           </a:solidFill>
@@ -5847,7 +6055,7 @@
           <a:sym typeface="Arial"/>
         </a:defRPr>
       </a:lvl8pPr>
-      <a:lvl9pPr lvl="8" marR="0" rtl="0" algn="l">
+      <a:lvl9pPr marR="0" lvl="8" algn="l" rtl="0">
         <a:lnSpc>
           <a:spcPct val="100000"/>
         </a:lnSpc>
@@ -5861,7 +6069,7 @@
           <a:srgbClr val="000000"/>
         </a:buClr>
         <a:buFont typeface="Arial"/>
-        <a:defRPr b="0" i="0" sz="1400" u="none" cap="none" strike="noStrike">
+        <a:defRPr sz="1400" b="0" i="0" u="none" strike="noStrike" cap="none">
           <a:solidFill>
             <a:srgbClr val="000000"/>
           </a:solidFill>
@@ -5873,7 +6081,7 @@
       </a:lvl9pPr>
     </p:titleStyle>
     <p:bodyStyle>
-      <a:defPPr lvl="0" marR="0" rtl="0" algn="l">
+      <a:defPPr marR="0" lvl="0" algn="l" rtl="0">
         <a:lnSpc>
           <a:spcPct val="100000"/>
         </a:lnSpc>
@@ -5884,7 +6092,7 @@
           <a:spcPts val="0"/>
         </a:spcAft>
       </a:defPPr>
-      <a:lvl1pPr lvl="0" marR="0" rtl="0" algn="l">
+      <a:lvl1pPr marR="0" lvl="0" algn="l" rtl="0">
         <a:lnSpc>
           <a:spcPct val="100000"/>
         </a:lnSpc>
@@ -5898,7 +6106,7 @@
           <a:srgbClr val="000000"/>
         </a:buClr>
         <a:buFont typeface="Arial"/>
-        <a:defRPr b="0" i="0" sz="1400" u="none" cap="none" strike="noStrike">
+        <a:defRPr sz="1400" b="0" i="0" u="none" strike="noStrike" cap="none">
           <a:solidFill>
             <a:srgbClr val="000000"/>
           </a:solidFill>
@@ -5908,7 +6116,7 @@
           <a:sym typeface="Arial"/>
         </a:defRPr>
       </a:lvl1pPr>
-      <a:lvl2pPr lvl="1" marR="0" rtl="0" algn="l">
+      <a:lvl2pPr marR="0" lvl="1" algn="l" rtl="0">
         <a:lnSpc>
           <a:spcPct val="100000"/>
         </a:lnSpc>
@@ -5922,7 +6130,7 @@
           <a:srgbClr val="000000"/>
         </a:buClr>
         <a:buFont typeface="Arial"/>
-        <a:defRPr b="0" i="0" sz="1400" u="none" cap="none" strike="noStrike">
+        <a:defRPr sz="1400" b="0" i="0" u="none" strike="noStrike" cap="none">
           <a:solidFill>
             <a:srgbClr val="000000"/>
           </a:solidFill>
@@ -5932,7 +6140,7 @@
           <a:sym typeface="Arial"/>
         </a:defRPr>
       </a:lvl2pPr>
-      <a:lvl3pPr lvl="2" marR="0" rtl="0" algn="l">
+      <a:lvl3pPr marR="0" lvl="2" algn="l" rtl="0">
         <a:lnSpc>
           <a:spcPct val="100000"/>
         </a:lnSpc>
@@ -5946,7 +6154,7 @@
           <a:srgbClr val="000000"/>
         </a:buClr>
         <a:buFont typeface="Arial"/>
-        <a:defRPr b="0" i="0" sz="1400" u="none" cap="none" strike="noStrike">
+        <a:defRPr sz="1400" b="0" i="0" u="none" strike="noStrike" cap="none">
           <a:solidFill>
             <a:srgbClr val="000000"/>
           </a:solidFill>
@@ -5956,7 +6164,7 @@
           <a:sym typeface="Arial"/>
         </a:defRPr>
       </a:lvl3pPr>
-      <a:lvl4pPr lvl="3" marR="0" rtl="0" algn="l">
+      <a:lvl4pPr marR="0" lvl="3" algn="l" rtl="0">
         <a:lnSpc>
           <a:spcPct val="100000"/>
         </a:lnSpc>
@@ -5970,7 +6178,7 @@
           <a:srgbClr val="000000"/>
         </a:buClr>
         <a:buFont typeface="Arial"/>
-        <a:defRPr b="0" i="0" sz="1400" u="none" cap="none" strike="noStrike">
+        <a:defRPr sz="1400" b="0" i="0" u="none" strike="noStrike" cap="none">
           <a:solidFill>
             <a:srgbClr val="000000"/>
           </a:solidFill>
@@ -5980,7 +6188,7 @@
           <a:sym typeface="Arial"/>
         </a:defRPr>
       </a:lvl4pPr>
-      <a:lvl5pPr lvl="4" marR="0" rtl="0" algn="l">
+      <a:lvl5pPr marR="0" lvl="4" algn="l" rtl="0">
         <a:lnSpc>
           <a:spcPct val="100000"/>
         </a:lnSpc>
@@ -5994,7 +6202,7 @@
           <a:srgbClr val="000000"/>
         </a:buClr>
         <a:buFont typeface="Arial"/>
-        <a:defRPr b="0" i="0" sz="1400" u="none" cap="none" strike="noStrike">
+        <a:defRPr sz="1400" b="0" i="0" u="none" strike="noStrike" cap="none">
           <a:solidFill>
             <a:srgbClr val="000000"/>
           </a:solidFill>
@@ -6004,7 +6212,7 @@
           <a:sym typeface="Arial"/>
         </a:defRPr>
       </a:lvl5pPr>
-      <a:lvl6pPr lvl="5" marR="0" rtl="0" algn="l">
+      <a:lvl6pPr marR="0" lvl="5" algn="l" rtl="0">
         <a:lnSpc>
           <a:spcPct val="100000"/>
         </a:lnSpc>
@@ -6018,7 +6226,7 @@
           <a:srgbClr val="000000"/>
         </a:buClr>
         <a:buFont typeface="Arial"/>
-        <a:defRPr b="0" i="0" sz="1400" u="none" cap="none" strike="noStrike">
+        <a:defRPr sz="1400" b="0" i="0" u="none" strike="noStrike" cap="none">
           <a:solidFill>
             <a:srgbClr val="000000"/>
           </a:solidFill>
@@ -6028,7 +6236,7 @@
           <a:sym typeface="Arial"/>
         </a:defRPr>
       </a:lvl6pPr>
-      <a:lvl7pPr lvl="6" marR="0" rtl="0" algn="l">
+      <a:lvl7pPr marR="0" lvl="6" algn="l" rtl="0">
         <a:lnSpc>
           <a:spcPct val="100000"/>
         </a:lnSpc>
@@ -6042,7 +6250,7 @@
           <a:srgbClr val="000000"/>
         </a:buClr>
         <a:buFont typeface="Arial"/>
-        <a:defRPr b="0" i="0" sz="1400" u="none" cap="none" strike="noStrike">
+        <a:defRPr sz="1400" b="0" i="0" u="none" strike="noStrike" cap="none">
           <a:solidFill>
             <a:srgbClr val="000000"/>
           </a:solidFill>
@@ -6052,7 +6260,7 @@
           <a:sym typeface="Arial"/>
         </a:defRPr>
       </a:lvl7pPr>
-      <a:lvl8pPr lvl="7" marR="0" rtl="0" algn="l">
+      <a:lvl8pPr marR="0" lvl="7" algn="l" rtl="0">
         <a:lnSpc>
           <a:spcPct val="100000"/>
         </a:lnSpc>
@@ -6066,7 +6274,7 @@
           <a:srgbClr val="000000"/>
         </a:buClr>
         <a:buFont typeface="Arial"/>
-        <a:defRPr b="0" i="0" sz="1400" u="none" cap="none" strike="noStrike">
+        <a:defRPr sz="1400" b="0" i="0" u="none" strike="noStrike" cap="none">
           <a:solidFill>
             <a:srgbClr val="000000"/>
           </a:solidFill>
@@ -6076,7 +6284,7 @@
           <a:sym typeface="Arial"/>
         </a:defRPr>
       </a:lvl8pPr>
-      <a:lvl9pPr lvl="8" marR="0" rtl="0" algn="l">
+      <a:lvl9pPr marR="0" lvl="8" algn="l" rtl="0">
         <a:lnSpc>
           <a:spcPct val="100000"/>
         </a:lnSpc>
@@ -6090,7 +6298,7 @@
           <a:srgbClr val="000000"/>
         </a:buClr>
         <a:buFont typeface="Arial"/>
-        <a:defRPr b="0" i="0" sz="1400" u="none" cap="none" strike="noStrike">
+        <a:defRPr sz="1400" b="0" i="0" u="none" strike="noStrike" cap="none">
           <a:solidFill>
             <a:srgbClr val="000000"/>
           </a:solidFill>
@@ -6102,7 +6310,7 @@
       </a:lvl9pPr>
     </p:bodyStyle>
     <p:otherStyle>
-      <a:defPPr lvl="0" marR="0" rtl="0" algn="l">
+      <a:defPPr marR="0" lvl="0" algn="l" rtl="0">
         <a:lnSpc>
           <a:spcPct val="100000"/>
         </a:lnSpc>
@@ -6113,7 +6321,7 @@
           <a:spcPts val="0"/>
         </a:spcAft>
       </a:defPPr>
-      <a:lvl1pPr lvl="0" marR="0" rtl="0" algn="l">
+      <a:lvl1pPr marR="0" lvl="0" algn="l" rtl="0">
         <a:lnSpc>
           <a:spcPct val="100000"/>
         </a:lnSpc>
@@ -6127,7 +6335,7 @@
           <a:srgbClr val="000000"/>
         </a:buClr>
         <a:buFont typeface="Arial"/>
-        <a:defRPr b="0" i="0" sz="1400" u="none" cap="none" strike="noStrike">
+        <a:defRPr sz="1400" b="0" i="0" u="none" strike="noStrike" cap="none">
           <a:solidFill>
             <a:srgbClr val="000000"/>
           </a:solidFill>
@@ -6137,7 +6345,7 @@
           <a:sym typeface="Arial"/>
         </a:defRPr>
       </a:lvl1pPr>
-      <a:lvl2pPr lvl="1" marR="0" rtl="0" algn="l">
+      <a:lvl2pPr marR="0" lvl="1" algn="l" rtl="0">
         <a:lnSpc>
           <a:spcPct val="100000"/>
         </a:lnSpc>
@@ -6151,7 +6359,7 @@
           <a:srgbClr val="000000"/>
         </a:buClr>
         <a:buFont typeface="Arial"/>
-        <a:defRPr b="0" i="0" sz="1400" u="none" cap="none" strike="noStrike">
+        <a:defRPr sz="1400" b="0" i="0" u="none" strike="noStrike" cap="none">
           <a:solidFill>
             <a:srgbClr val="000000"/>
           </a:solidFill>
@@ -6161,7 +6369,7 @@
           <a:sym typeface="Arial"/>
         </a:defRPr>
       </a:lvl2pPr>
-      <a:lvl3pPr lvl="2" marR="0" rtl="0" algn="l">
+      <a:lvl3pPr marR="0" lvl="2" algn="l" rtl="0">
         <a:lnSpc>
           <a:spcPct val="100000"/>
         </a:lnSpc>
@@ -6175,7 +6383,7 @@
           <a:srgbClr val="000000"/>
         </a:buClr>
         <a:buFont typeface="Arial"/>
-        <a:defRPr b="0" i="0" sz="1400" u="none" cap="none" strike="noStrike">
+        <a:defRPr sz="1400" b="0" i="0" u="none" strike="noStrike" cap="none">
           <a:solidFill>
             <a:srgbClr val="000000"/>
           </a:solidFill>
@@ -6185,7 +6393,7 @@
           <a:sym typeface="Arial"/>
         </a:defRPr>
       </a:lvl3pPr>
-      <a:lvl4pPr lvl="3" marR="0" rtl="0" algn="l">
+      <a:lvl4pPr marR="0" lvl="3" algn="l" rtl="0">
         <a:lnSpc>
           <a:spcPct val="100000"/>
         </a:lnSpc>
@@ -6199,7 +6407,7 @@
           <a:srgbClr val="000000"/>
         </a:buClr>
         <a:buFont typeface="Arial"/>
-        <a:defRPr b="0" i="0" sz="1400" u="none" cap="none" strike="noStrike">
+        <a:defRPr sz="1400" b="0" i="0" u="none" strike="noStrike" cap="none">
           <a:solidFill>
             <a:srgbClr val="000000"/>
           </a:solidFill>
@@ -6209,7 +6417,7 @@
           <a:sym typeface="Arial"/>
         </a:defRPr>
       </a:lvl4pPr>
-      <a:lvl5pPr lvl="4" marR="0" rtl="0" algn="l">
+      <a:lvl5pPr marR="0" lvl="4" algn="l" rtl="0">
         <a:lnSpc>
           <a:spcPct val="100000"/>
         </a:lnSpc>
@@ -6223,7 +6431,7 @@
           <a:srgbClr val="000000"/>
         </a:buClr>
         <a:buFont typeface="Arial"/>
-        <a:defRPr b="0" i="0" sz="1400" u="none" cap="none" strike="noStrike">
+        <a:defRPr sz="1400" b="0" i="0" u="none" strike="noStrike" cap="none">
           <a:solidFill>
             <a:srgbClr val="000000"/>
           </a:solidFill>
@@ -6233,7 +6441,7 @@
           <a:sym typeface="Arial"/>
         </a:defRPr>
       </a:lvl5pPr>
-      <a:lvl6pPr lvl="5" marR="0" rtl="0" algn="l">
+      <a:lvl6pPr marR="0" lvl="5" algn="l" rtl="0">
         <a:lnSpc>
           <a:spcPct val="100000"/>
         </a:lnSpc>
@@ -6247,7 +6455,7 @@
           <a:srgbClr val="000000"/>
         </a:buClr>
         <a:buFont typeface="Arial"/>
-        <a:defRPr b="0" i="0" sz="1400" u="none" cap="none" strike="noStrike">
+        <a:defRPr sz="1400" b="0" i="0" u="none" strike="noStrike" cap="none">
           <a:solidFill>
             <a:srgbClr val="000000"/>
           </a:solidFill>
@@ -6257,7 +6465,7 @@
           <a:sym typeface="Arial"/>
         </a:defRPr>
       </a:lvl6pPr>
-      <a:lvl7pPr lvl="6" marR="0" rtl="0" algn="l">
+      <a:lvl7pPr marR="0" lvl="6" algn="l" rtl="0">
         <a:lnSpc>
           <a:spcPct val="100000"/>
         </a:lnSpc>
@@ -6271,7 +6479,7 @@
           <a:srgbClr val="000000"/>
         </a:buClr>
         <a:buFont typeface="Arial"/>
-        <a:defRPr b="0" i="0" sz="1400" u="none" cap="none" strike="noStrike">
+        <a:defRPr sz="1400" b="0" i="0" u="none" strike="noStrike" cap="none">
           <a:solidFill>
             <a:srgbClr val="000000"/>
           </a:solidFill>
@@ -6281,7 +6489,7 @@
           <a:sym typeface="Arial"/>
         </a:defRPr>
       </a:lvl7pPr>
-      <a:lvl8pPr lvl="7" marR="0" rtl="0" algn="l">
+      <a:lvl8pPr marR="0" lvl="7" algn="l" rtl="0">
         <a:lnSpc>
           <a:spcPct val="100000"/>
         </a:lnSpc>
@@ -6295,7 +6503,7 @@
           <a:srgbClr val="000000"/>
         </a:buClr>
         <a:buFont typeface="Arial"/>
-        <a:defRPr b="0" i="0" sz="1400" u="none" cap="none" strike="noStrike">
+        <a:defRPr sz="1400" b="0" i="0" u="none" strike="noStrike" cap="none">
           <a:solidFill>
             <a:srgbClr val="000000"/>
           </a:solidFill>
@@ -6305,7 +6513,7 @@
           <a:sym typeface="Arial"/>
         </a:defRPr>
       </a:lvl8pPr>
-      <a:lvl9pPr lvl="8" marR="0" rtl="0" algn="l">
+      <a:lvl9pPr marR="0" lvl="8" algn="l" rtl="0">
         <a:lnSpc>
           <a:spcPct val="100000"/>
         </a:lnSpc>
@@ -6319,7 +6527,7 @@
           <a:srgbClr val="000000"/>
         </a:buClr>
         <a:buFont typeface="Arial"/>
-        <a:defRPr b="0" i="0" sz="1400" u="none" cap="none" strike="noStrike">
+        <a:defRPr sz="1400" b="0" i="0" u="none" strike="noStrike" cap="none">
           <a:solidFill>
             <a:srgbClr val="000000"/>
           </a:solidFill>
@@ -6335,11 +6543,11 @@
 </file>
 
 <file path=ppt/slides/slide1.xml><?xml version="1.0" encoding="utf-8"?>
-<p:sld xmlns:a="http://schemas.openxmlformats.org/drawingml/2006/main" xmlns:r="http://schemas.openxmlformats.org/officeDocument/2006/relationships" xmlns:mc="http://schemas.openxmlformats.org/markup-compatibility/2006" xmlns:mv="urn:schemas-microsoft-com:mac:vml" xmlns:p="http://schemas.openxmlformats.org/presentationml/2006/main" xmlns:c="http://schemas.openxmlformats.org/drawingml/2006/chart" xmlns:dgm="http://schemas.openxmlformats.org/drawingml/2006/diagram" xmlns:o="urn:schemas-microsoft-com:office:office" xmlns:v="urn:schemas-microsoft-com:vml" xmlns:pvml="urn:schemas-microsoft-com:office:powerpoint" xmlns:com="http://schemas.openxmlformats.org/drawingml/2006/compatibility" xmlns:p14="http://schemas.microsoft.com/office/powerpoint/2010/main" xmlns:p15="http://schemas.microsoft.com/office/powerpoint/2012/main" xmlns:ahyp="http://schemas.microsoft.com/office/drawing/2018/hyperlinkcolor">
+<p:sld xmlns:a="http://schemas.openxmlformats.org/drawingml/2006/main" xmlns:r="http://schemas.openxmlformats.org/officeDocument/2006/relationships" xmlns:p="http://schemas.openxmlformats.org/presentationml/2006/main">
   <p:cSld>
     <p:spTree>
       <p:nvGrpSpPr>
-        <p:cNvPr id="53" name="Shape 53"/>
+        <p:cNvPr id="1" name="Shape 53"/>
         <p:cNvGrpSpPr/>
         <p:nvPr/>
       </p:nvGrpSpPr>
@@ -6354,14 +6562,16 @@
       <p:sp>
         <p:nvSpPr>
           <p:cNvPr id="54" name="Google Shape;54;p13"/>
-          <p:cNvSpPr txBox="1"/>
+          <p:cNvSpPr txBox="1">
+            <a:spLocks noGrp="1"/>
+          </p:cNvSpPr>
           <p:nvPr>
             <p:ph type="ctrTitle"/>
           </p:nvPr>
         </p:nvSpPr>
         <p:spPr>
           <a:xfrm>
-            <a:off x="311708" y="992767"/>
+            <a:off x="1835708" y="992767"/>
             <a:ext cx="8520600" cy="2736900"/>
           </a:xfrm>
           <a:prstGeom prst="rect">
@@ -6369,133 +6579,35 @@
           </a:prstGeom>
         </p:spPr>
         <p:txBody>
-          <a:bodyPr anchorCtr="0" anchor="b" bIns="91425" lIns="91425" spcFirstLastPara="1" rIns="91425" wrap="square" tIns="91425">
+          <a:bodyPr spcFirstLastPara="1" wrap="square" lIns="91425" tIns="91425" rIns="91425" bIns="91425" anchor="b" anchorCtr="0">
             <a:normAutofit/>
           </a:bodyPr>
           <a:lstStyle/>
           <a:p>
-            <a:pPr indent="0" lvl="0" marL="457200" rtl="0" algn="ctr">
-              <a:spcBef>
-                <a:spcPts val="0"/>
-              </a:spcBef>
-              <a:spcAft>
-                <a:spcPts val="0"/>
-              </a:spcAft>
-              <a:buClr>
-                <a:schemeClr val="dk1"/>
-              </a:buClr>
+            <a:pPr marL="457200">
               <a:buSzPts val="1100"/>
-              <a:buFont typeface="Arial"/>
-              <a:buNone/>
             </a:pPr>
             <a:r>
-              <a:rPr b="1" lang="en" sz="4700">
+              <a:rPr lang="en" sz="4700" b="1">
                 <a:solidFill>
                   <a:srgbClr val="274E13"/>
                 </a:solidFill>
               </a:rPr>
-              <a:t>3</a:t>
+              <a:t>3. 파이썬기초</a:t>
             </a:r>
-            <a:r>
-              <a:rPr b="1" lang="en" sz="4700">
-                <a:solidFill>
-                  <a:srgbClr val="274E13"/>
-                </a:solidFill>
-              </a:rPr>
-              <a:t>. 파이썬기초</a:t>
-            </a:r>
-            <a:endParaRPr b="1" sz="4700">
+            <a:endParaRPr sz="4700" b="1">
               <a:solidFill>
                 <a:srgbClr val="274E13"/>
               </a:solidFill>
             </a:endParaRPr>
           </a:p>
           <a:p>
-            <a:pPr indent="0" lvl="0" marL="457200" rtl="0" algn="ctr">
-              <a:spcBef>
-                <a:spcPts val="0"/>
-              </a:spcBef>
-              <a:spcAft>
-                <a:spcPts val="0"/>
-              </a:spcAft>
-              <a:buClr>
-                <a:schemeClr val="dk1"/>
-              </a:buClr>
+            <a:pPr marL="457200">
               <a:buSzPts val="1100"/>
-              <a:buFont typeface="Arial"/>
-              <a:buNone/>
             </a:pPr>
             <a:r>
-              <a:rPr b="1" lang="en"/>
+              <a:rPr lang="en" b="1"/>
               <a:t>변수와 사칙연산자</a:t>
-            </a:r>
-            <a:endParaRPr b="1"/>
-          </a:p>
-        </p:txBody>
-      </p:sp>
-      <p:sp>
-        <p:nvSpPr>
-          <p:cNvPr id="55" name="Google Shape;55;p13"/>
-          <p:cNvSpPr txBox="1"/>
-          <p:nvPr>
-            <p:ph idx="1" type="subTitle"/>
-          </p:nvPr>
-        </p:nvSpPr>
-        <p:spPr>
-          <a:xfrm>
-            <a:off x="311700" y="4007433"/>
-            <a:ext cx="8520600" cy="1056900"/>
-          </a:xfrm>
-          <a:prstGeom prst="rect">
-            <a:avLst/>
-          </a:prstGeom>
-        </p:spPr>
-        <p:txBody>
-          <a:bodyPr anchorCtr="0" anchor="t" bIns="91425" lIns="91425" spcFirstLastPara="1" rIns="91425" wrap="square" tIns="91425">
-            <a:normAutofit/>
-          </a:bodyPr>
-          <a:lstStyle/>
-          <a:p>
-            <a:pPr indent="0" lvl="0" marL="0" rtl="0" algn="ctr">
-              <a:spcBef>
-                <a:spcPts val="0"/>
-              </a:spcBef>
-              <a:spcAft>
-                <a:spcPts val="0"/>
-              </a:spcAft>
-              <a:buClr>
-                <a:schemeClr val="dk1"/>
-              </a:buClr>
-              <a:buSzPts val="1100"/>
-              <a:buFont typeface="Arial"/>
-              <a:buNone/>
-            </a:pPr>
-            <a:r>
-              <a:rPr b="1" lang="en">
-                <a:solidFill>
-                  <a:srgbClr val="0000FF"/>
-                </a:solidFill>
-              </a:rPr>
-              <a:t>JD Edu</a:t>
-            </a:r>
-            <a:endParaRPr b="1">
-              <a:solidFill>
-                <a:srgbClr val="0000FF"/>
-              </a:solidFill>
-            </a:endParaRPr>
-          </a:p>
-          <a:p>
-            <a:pPr indent="0" lvl="0" marL="0" rtl="0" algn="ctr">
-              <a:spcBef>
-                <a:spcPts val="0"/>
-              </a:spcBef>
-              <a:spcAft>
-                <a:spcPts val="0"/>
-              </a:spcAft>
-              <a:buNone/>
-            </a:pPr>
-            <a:r>
-              <a:t/>
             </a:r>
             <a:endParaRPr b="1"/>
           </a:p>
@@ -6510,11 +6622,11 @@
 </file>
 
 <file path=ppt/slides/slide10.xml><?xml version="1.0" encoding="utf-8"?>
-<p:sld xmlns:a="http://schemas.openxmlformats.org/drawingml/2006/main" xmlns:r="http://schemas.openxmlformats.org/officeDocument/2006/relationships" xmlns:mc="http://schemas.openxmlformats.org/markup-compatibility/2006" xmlns:mv="urn:schemas-microsoft-com:mac:vml" xmlns:p="http://schemas.openxmlformats.org/presentationml/2006/main" xmlns:c="http://schemas.openxmlformats.org/drawingml/2006/chart" xmlns:dgm="http://schemas.openxmlformats.org/drawingml/2006/diagram" xmlns:o="urn:schemas-microsoft-com:office:office" xmlns:v="urn:schemas-microsoft-com:vml" xmlns:pvml="urn:schemas-microsoft-com:office:powerpoint" xmlns:com="http://schemas.openxmlformats.org/drawingml/2006/compatibility" xmlns:p14="http://schemas.microsoft.com/office/powerpoint/2010/main" xmlns:p15="http://schemas.microsoft.com/office/powerpoint/2012/main" xmlns:ahyp="http://schemas.microsoft.com/office/drawing/2018/hyperlinkcolor">
+<p:sld xmlns:a="http://schemas.openxmlformats.org/drawingml/2006/main" xmlns:r="http://schemas.openxmlformats.org/officeDocument/2006/relationships" xmlns:p="http://schemas.openxmlformats.org/presentationml/2006/main">
   <p:cSld>
     <p:spTree>
       <p:nvGrpSpPr>
-        <p:cNvPr id="132" name="Shape 132"/>
+        <p:cNvPr id="1" name="Shape 132"/>
         <p:cNvGrpSpPr/>
         <p:nvPr/>
       </p:nvGrpSpPr>
@@ -6529,14 +6641,16 @@
       <p:sp>
         <p:nvSpPr>
           <p:cNvPr id="133" name="Google Shape;133;p22"/>
-          <p:cNvSpPr txBox="1"/>
+          <p:cNvSpPr txBox="1">
+            <a:spLocks noGrp="1"/>
+          </p:cNvSpPr>
           <p:nvPr>
             <p:ph type="title"/>
           </p:nvPr>
         </p:nvSpPr>
         <p:spPr>
           <a:xfrm>
-            <a:off x="311700" y="593367"/>
+            <a:off x="1835700" y="593367"/>
             <a:ext cx="8520600" cy="763500"/>
           </a:xfrm>
           <a:prstGeom prst="rect">
@@ -6544,22 +6658,13 @@
           </a:prstGeom>
         </p:spPr>
         <p:txBody>
-          <a:bodyPr anchorCtr="0" anchor="t" bIns="91425" lIns="91425" spcFirstLastPara="1" rIns="91425" wrap="square" tIns="91425">
+          <a:bodyPr spcFirstLastPara="1" wrap="square" lIns="91425" tIns="91425" rIns="91425" bIns="91425" anchor="t" anchorCtr="0">
             <a:normAutofit/>
           </a:bodyPr>
           <a:lstStyle/>
           <a:p>
-            <a:pPr indent="0" lvl="0" marL="0" rtl="0" algn="l">
-              <a:spcBef>
-                <a:spcPts val="0"/>
-              </a:spcBef>
-              <a:spcAft>
-                <a:spcPts val="0"/>
-              </a:spcAft>
-              <a:buNone/>
-            </a:pPr>
             <a:r>
-              <a:rPr b="1" lang="en"/>
+              <a:rPr lang="en" b="1"/>
               <a:t>문자형 변수의 사칙연산 </a:t>
             </a:r>
             <a:endParaRPr b="1"/>
@@ -6569,14 +6674,16 @@
       <p:sp>
         <p:nvSpPr>
           <p:cNvPr id="134" name="Google Shape;134;p22"/>
-          <p:cNvSpPr txBox="1"/>
+          <p:cNvSpPr txBox="1">
+            <a:spLocks noGrp="1"/>
+          </p:cNvSpPr>
           <p:nvPr>
-            <p:ph idx="1" type="body"/>
+            <p:ph type="body" idx="1"/>
           </p:nvPr>
         </p:nvSpPr>
         <p:spPr>
           <a:xfrm>
-            <a:off x="311700" y="1536631"/>
+            <a:off x="1835700" y="1536631"/>
             <a:ext cx="8520600" cy="1500600"/>
           </a:xfrm>
           <a:prstGeom prst="rect">
@@ -6584,21 +6691,11 @@
           </a:prstGeom>
         </p:spPr>
         <p:txBody>
-          <a:bodyPr anchorCtr="0" anchor="t" bIns="91425" lIns="91425" spcFirstLastPara="1" rIns="91425" wrap="square" tIns="91425">
+          <a:bodyPr spcFirstLastPara="1" wrap="square" lIns="91425" tIns="91425" rIns="91425" bIns="91425" anchor="t" anchorCtr="0">
             <a:normAutofit/>
           </a:bodyPr>
           <a:lstStyle/>
           <a:p>
-            <a:pPr indent="-342900" lvl="0" marL="457200" rtl="0" algn="l">
-              <a:spcBef>
-                <a:spcPts val="0"/>
-              </a:spcBef>
-              <a:spcAft>
-                <a:spcPts val="0"/>
-              </a:spcAft>
-              <a:buSzPts val="1800"/>
-              <a:buChar char="●"/>
-            </a:pPr>
             <a:r>
               <a:rPr lang="en"/>
               <a:t>사칙연산은 숫자형 변수에만 적용 됩니다. 하지만 파이썬은 일부 문자형 변수의 사칙연산을 실행합니다. </a:t>
@@ -6606,16 +6703,6 @@
             <a:endParaRPr/>
           </a:p>
           <a:p>
-            <a:pPr indent="-342900" lvl="0" marL="457200" rtl="0" algn="l">
-              <a:spcBef>
-                <a:spcPts val="0"/>
-              </a:spcBef>
-              <a:spcAft>
-                <a:spcPts val="0"/>
-              </a:spcAft>
-              <a:buSzPts val="1800"/>
-              <a:buChar char="●"/>
-            </a:pPr>
             <a:r>
               <a:rPr lang="en"/>
               <a:t>다만 결과는 숫자형 변수의 사칙연산과는 다릅니다. </a:t>
@@ -6640,7 +6727,7 @@
         </p:blipFill>
         <p:spPr>
           <a:xfrm>
-            <a:off x="715725" y="2761006"/>
+            <a:off x="2239725" y="2761006"/>
             <a:ext cx="7592532" cy="3515968"/>
           </a:xfrm>
           <a:prstGeom prst="rect">
@@ -6661,11 +6748,11 @@
 </file>
 
 <file path=ppt/slides/slide2.xml><?xml version="1.0" encoding="utf-8"?>
-<p:sld xmlns:a="http://schemas.openxmlformats.org/drawingml/2006/main" xmlns:r="http://schemas.openxmlformats.org/officeDocument/2006/relationships" xmlns:mc="http://schemas.openxmlformats.org/markup-compatibility/2006" xmlns:mv="urn:schemas-microsoft-com:mac:vml" xmlns:p="http://schemas.openxmlformats.org/presentationml/2006/main" xmlns:c="http://schemas.openxmlformats.org/drawingml/2006/chart" xmlns:dgm="http://schemas.openxmlformats.org/drawingml/2006/diagram" xmlns:o="urn:schemas-microsoft-com:office:office" xmlns:v="urn:schemas-microsoft-com:vml" xmlns:pvml="urn:schemas-microsoft-com:office:powerpoint" xmlns:com="http://schemas.openxmlformats.org/drawingml/2006/compatibility" xmlns:p14="http://schemas.microsoft.com/office/powerpoint/2010/main" xmlns:p15="http://schemas.microsoft.com/office/powerpoint/2012/main" xmlns:ahyp="http://schemas.microsoft.com/office/drawing/2018/hyperlinkcolor">
+<p:sld xmlns:a="http://schemas.openxmlformats.org/drawingml/2006/main" xmlns:r="http://schemas.openxmlformats.org/officeDocument/2006/relationships" xmlns:p="http://schemas.openxmlformats.org/presentationml/2006/main">
   <p:cSld>
     <p:spTree>
       <p:nvGrpSpPr>
-        <p:cNvPr id="59" name="Shape 59"/>
+        <p:cNvPr id="1" name="Shape 59"/>
         <p:cNvGrpSpPr/>
         <p:nvPr/>
       </p:nvGrpSpPr>
@@ -6680,14 +6767,16 @@
       <p:sp>
         <p:nvSpPr>
           <p:cNvPr id="60" name="Google Shape;60;p14"/>
-          <p:cNvSpPr txBox="1"/>
+          <p:cNvSpPr txBox="1">
+            <a:spLocks noGrp="1"/>
+          </p:cNvSpPr>
           <p:nvPr>
             <p:ph type="title"/>
           </p:nvPr>
         </p:nvSpPr>
         <p:spPr>
           <a:xfrm>
-            <a:off x="311700" y="593367"/>
+            <a:off x="1835700" y="593367"/>
             <a:ext cx="8520600" cy="763500"/>
           </a:xfrm>
           <a:prstGeom prst="rect">
@@ -6695,22 +6784,13 @@
           </a:prstGeom>
         </p:spPr>
         <p:txBody>
-          <a:bodyPr anchorCtr="0" anchor="t" bIns="91425" lIns="91425" spcFirstLastPara="1" rIns="91425" wrap="square" tIns="91425">
+          <a:bodyPr spcFirstLastPara="1" wrap="square" lIns="91425" tIns="91425" rIns="91425" bIns="91425" anchor="t" anchorCtr="0">
             <a:normAutofit/>
           </a:bodyPr>
           <a:lstStyle/>
           <a:p>
-            <a:pPr indent="0" lvl="0" marL="0" rtl="0" algn="l">
-              <a:spcBef>
-                <a:spcPts val="0"/>
-              </a:spcBef>
-              <a:spcAft>
-                <a:spcPts val="0"/>
-              </a:spcAft>
-              <a:buNone/>
-            </a:pPr>
             <a:r>
-              <a:rPr b="1" lang="en"/>
+              <a:rPr lang="en" b="1"/>
               <a:t>파이썬의 변수를 사용해 보자 </a:t>
             </a:r>
             <a:endParaRPr b="1"/>
@@ -6720,14 +6800,16 @@
       <p:sp>
         <p:nvSpPr>
           <p:cNvPr id="61" name="Google Shape;61;p14"/>
-          <p:cNvSpPr txBox="1"/>
+          <p:cNvSpPr txBox="1">
+            <a:spLocks noGrp="1"/>
+          </p:cNvSpPr>
           <p:nvPr>
-            <p:ph idx="1" type="body"/>
+            <p:ph type="body" idx="1"/>
           </p:nvPr>
         </p:nvSpPr>
         <p:spPr>
           <a:xfrm>
-            <a:off x="311700" y="1155623"/>
+            <a:off x="1835700" y="1155623"/>
             <a:ext cx="8520600" cy="2149500"/>
           </a:xfrm>
           <a:prstGeom prst="rect">
@@ -6735,21 +6817,11 @@
           </a:prstGeom>
         </p:spPr>
         <p:txBody>
-          <a:bodyPr anchorCtr="0" anchor="t" bIns="91425" lIns="91425" spcFirstLastPara="1" rIns="91425" wrap="square" tIns="91425">
+          <a:bodyPr spcFirstLastPara="1" wrap="square" lIns="91425" tIns="91425" rIns="91425" bIns="91425" anchor="t" anchorCtr="0">
             <a:normAutofit/>
           </a:bodyPr>
           <a:lstStyle/>
           <a:p>
-            <a:pPr indent="-342900" lvl="0" marL="457200" rtl="0" algn="l">
-              <a:spcBef>
-                <a:spcPts val="0"/>
-              </a:spcBef>
-              <a:spcAft>
-                <a:spcPts val="0"/>
-              </a:spcAft>
-              <a:buSzPts val="1800"/>
-              <a:buChar char="●"/>
-            </a:pPr>
             <a:r>
               <a:rPr lang="en"/>
               <a:t>파이썬에서 변수는 스크래치와 비슷하게 숫자나 문자를 저장하는 저장공간 입니다. </a:t>
@@ -6757,16 +6829,6 @@
             <a:endParaRPr/>
           </a:p>
           <a:p>
-            <a:pPr indent="-342900" lvl="0" marL="457200" rtl="0" algn="l">
-              <a:spcBef>
-                <a:spcPts val="0"/>
-              </a:spcBef>
-              <a:spcAft>
-                <a:spcPts val="0"/>
-              </a:spcAft>
-              <a:buSzPts val="1800"/>
-              <a:buChar char="●"/>
-            </a:pPr>
             <a:r>
               <a:rPr lang="en"/>
               <a:t>파이썬의 변수는 숫자, 문자, 문자열 등 데이터의 형태를 가리지 않고 모두 저장할 수 있습니다. </a:t>
@@ -6774,16 +6836,6 @@
             <a:endParaRPr/>
           </a:p>
           <a:p>
-            <a:pPr indent="-342900" lvl="0" marL="457200" rtl="0" algn="l">
-              <a:spcBef>
-                <a:spcPts val="0"/>
-              </a:spcBef>
-              <a:spcAft>
-                <a:spcPts val="0"/>
-              </a:spcAft>
-              <a:buSzPts val="1800"/>
-              <a:buChar char="●"/>
-            </a:pPr>
             <a:r>
               <a:rPr lang="en"/>
               <a:t>파이썬 변수를 만들고 여기에 숫자, 문자, 문자열을 한 번 저장해 봅시다. </a:t>
@@ -6808,7 +6860,7 @@
         </p:blipFill>
         <p:spPr>
           <a:xfrm>
-            <a:off x="789225" y="2907775"/>
+            <a:off x="2313226" y="2907775"/>
             <a:ext cx="5762439" cy="3950224"/>
           </a:xfrm>
           <a:prstGeom prst="rect">
@@ -6829,11 +6881,11 @@
 </file>
 
 <file path=ppt/slides/slide3.xml><?xml version="1.0" encoding="utf-8"?>
-<p:sld xmlns:a="http://schemas.openxmlformats.org/drawingml/2006/main" xmlns:r="http://schemas.openxmlformats.org/officeDocument/2006/relationships" xmlns:mc="http://schemas.openxmlformats.org/markup-compatibility/2006" xmlns:mv="urn:schemas-microsoft-com:mac:vml" xmlns:p="http://schemas.openxmlformats.org/presentationml/2006/main" xmlns:c="http://schemas.openxmlformats.org/drawingml/2006/chart" xmlns:dgm="http://schemas.openxmlformats.org/drawingml/2006/diagram" xmlns:o="urn:schemas-microsoft-com:office:office" xmlns:v="urn:schemas-microsoft-com:vml" xmlns:pvml="urn:schemas-microsoft-com:office:powerpoint" xmlns:com="http://schemas.openxmlformats.org/drawingml/2006/compatibility" xmlns:p14="http://schemas.microsoft.com/office/powerpoint/2010/main" xmlns:p15="http://schemas.microsoft.com/office/powerpoint/2012/main" xmlns:ahyp="http://schemas.microsoft.com/office/drawing/2018/hyperlinkcolor">
+<p:sld xmlns:a="http://schemas.openxmlformats.org/drawingml/2006/main" xmlns:r="http://schemas.openxmlformats.org/officeDocument/2006/relationships" xmlns:p="http://schemas.openxmlformats.org/presentationml/2006/main">
   <p:cSld>
     <p:spTree>
       <p:nvGrpSpPr>
-        <p:cNvPr id="66" name="Shape 66"/>
+        <p:cNvPr id="1" name="Shape 66"/>
         <p:cNvGrpSpPr/>
         <p:nvPr/>
       </p:nvGrpSpPr>
@@ -6848,14 +6900,16 @@
       <p:sp>
         <p:nvSpPr>
           <p:cNvPr id="67" name="Google Shape;67;p15"/>
-          <p:cNvSpPr txBox="1"/>
+          <p:cNvSpPr txBox="1">
+            <a:spLocks noGrp="1"/>
+          </p:cNvSpPr>
           <p:nvPr>
             <p:ph type="title"/>
           </p:nvPr>
         </p:nvSpPr>
         <p:spPr>
           <a:xfrm>
-            <a:off x="311700" y="593367"/>
+            <a:off x="1835700" y="593367"/>
             <a:ext cx="8520600" cy="763500"/>
           </a:xfrm>
           <a:prstGeom prst="rect">
@@ -6863,22 +6917,13 @@
           </a:prstGeom>
         </p:spPr>
         <p:txBody>
-          <a:bodyPr anchorCtr="0" anchor="t" bIns="91425" lIns="91425" spcFirstLastPara="1" rIns="91425" wrap="square" tIns="91425">
+          <a:bodyPr spcFirstLastPara="1" wrap="square" lIns="91425" tIns="91425" rIns="91425" bIns="91425" anchor="t" anchorCtr="0">
             <a:normAutofit/>
           </a:bodyPr>
           <a:lstStyle/>
           <a:p>
-            <a:pPr indent="0" lvl="0" marL="0" rtl="0" algn="l">
-              <a:spcBef>
-                <a:spcPts val="0"/>
-              </a:spcBef>
-              <a:spcAft>
-                <a:spcPts val="0"/>
-              </a:spcAft>
-              <a:buNone/>
-            </a:pPr>
             <a:r>
-              <a:rPr b="1" lang="en"/>
+              <a:rPr lang="en" b="1"/>
               <a:t>파이썬 변수에 데이터를 저장하기 </a:t>
             </a:r>
             <a:endParaRPr b="1"/>
@@ -6888,14 +6933,16 @@
       <p:sp>
         <p:nvSpPr>
           <p:cNvPr id="68" name="Google Shape;68;p15"/>
-          <p:cNvSpPr txBox="1"/>
+          <p:cNvSpPr txBox="1">
+            <a:spLocks noGrp="1"/>
+          </p:cNvSpPr>
           <p:nvPr>
-            <p:ph idx="1" type="body"/>
+            <p:ph type="body" idx="1"/>
           </p:nvPr>
         </p:nvSpPr>
         <p:spPr>
           <a:xfrm>
-            <a:off x="311700" y="1536629"/>
+            <a:off x="1835700" y="1536629"/>
             <a:ext cx="8520600" cy="2186400"/>
           </a:xfrm>
           <a:prstGeom prst="rect">
@@ -6903,21 +6950,11 @@
           </a:prstGeom>
         </p:spPr>
         <p:txBody>
-          <a:bodyPr anchorCtr="0" anchor="t" bIns="91425" lIns="91425" spcFirstLastPara="1" rIns="91425" wrap="square" tIns="91425">
+          <a:bodyPr spcFirstLastPara="1" wrap="square" lIns="91425" tIns="91425" rIns="91425" bIns="91425" anchor="t" anchorCtr="0">
             <a:normAutofit/>
           </a:bodyPr>
           <a:lstStyle/>
           <a:p>
-            <a:pPr indent="-342900" lvl="0" marL="457200" rtl="0" algn="l">
-              <a:spcBef>
-                <a:spcPts val="0"/>
-              </a:spcBef>
-              <a:spcAft>
-                <a:spcPts val="0"/>
-              </a:spcAft>
-              <a:buSzPts val="1800"/>
-              <a:buChar char="●"/>
-            </a:pPr>
             <a:r>
               <a:rPr lang="en"/>
               <a:t>파이썬의 변수는 사용하기 전에 바로 만들어 사용할 수 있습니다. </a:t>
@@ -6925,16 +6962,6 @@
             <a:endParaRPr/>
           </a:p>
           <a:p>
-            <a:pPr indent="-342900" lvl="0" marL="457200" rtl="0" algn="l">
-              <a:spcBef>
-                <a:spcPts val="0"/>
-              </a:spcBef>
-              <a:spcAft>
-                <a:spcPts val="0"/>
-              </a:spcAft>
-              <a:buSzPts val="1800"/>
-              <a:buChar char="●"/>
-            </a:pPr>
             <a:r>
               <a:rPr lang="en"/>
               <a:t>이름은 마음대로 지울 수 있습니다. 하지만  ‘_’를 제외한 특수문자는 사용하지 말아야 합니다. </a:t>
@@ -6942,16 +6969,6 @@
             <a:endParaRPr/>
           </a:p>
           <a:p>
-            <a:pPr indent="-342900" lvl="0" marL="457200" rtl="0" algn="l">
-              <a:spcBef>
-                <a:spcPts val="0"/>
-              </a:spcBef>
-              <a:spcAft>
-                <a:spcPts val="0"/>
-              </a:spcAft>
-              <a:buSzPts val="1800"/>
-              <a:buChar char="●"/>
-            </a:pPr>
             <a:r>
               <a:rPr lang="en"/>
               <a:t>한글로도 변수 이름을 지을 수 있습니다. </a:t>
@@ -6959,16 +6976,6 @@
             <a:endParaRPr/>
           </a:p>
           <a:p>
-            <a:pPr indent="-342900" lvl="0" marL="457200" rtl="0" algn="l">
-              <a:spcBef>
-                <a:spcPts val="0"/>
-              </a:spcBef>
-              <a:spcAft>
-                <a:spcPts val="0"/>
-              </a:spcAft>
-              <a:buSzPts val="1800"/>
-              <a:buChar char="●"/>
-            </a:pPr>
             <a:r>
               <a:rPr lang="en"/>
               <a:t>변수에 데이터를 저장하는 방법은 다음과 같습니다. </a:t>
@@ -6985,7 +6992,7 @@
         </p:nvSpPr>
         <p:spPr>
           <a:xfrm>
-            <a:off x="1347125" y="3155475"/>
+            <a:off x="2871125" y="3155475"/>
             <a:ext cx="6625200" cy="1662300"/>
           </a:xfrm>
           <a:prstGeom prst="rect">
@@ -6997,40 +7004,18 @@
           </a:ln>
         </p:spPr>
         <p:txBody>
-          <a:bodyPr anchorCtr="0" anchor="t" bIns="91425" lIns="91425" spcFirstLastPara="1" rIns="91425" wrap="square" tIns="91425">
+          <a:bodyPr spcFirstLastPara="1" wrap="square" lIns="91425" tIns="91425" rIns="91425" bIns="91425" anchor="t" anchorCtr="0">
             <a:spAutoFit/>
           </a:bodyPr>
           <a:lstStyle/>
           <a:p>
-            <a:pPr indent="0" lvl="0" marL="0" rtl="0" algn="l">
-              <a:spcBef>
-                <a:spcPts val="0"/>
-              </a:spcBef>
-              <a:spcAft>
-                <a:spcPts val="0"/>
-              </a:spcAft>
-              <a:buNone/>
-            </a:pPr>
             <a:r>
               <a:rPr lang="en" sz="4800"/>
-              <a:t>n</a:t>
-            </a:r>
-            <a:r>
-              <a:rPr lang="en" sz="4800"/>
-              <a:t>um   = 123</a:t>
+              <a:t>num   = 123</a:t>
             </a:r>
             <a:endParaRPr sz="4800"/>
           </a:p>
           <a:p>
-            <a:pPr indent="0" lvl="0" marL="0" rtl="0" algn="l">
-              <a:spcBef>
-                <a:spcPts val="0"/>
-              </a:spcBef>
-              <a:spcAft>
-                <a:spcPts val="0"/>
-              </a:spcAft>
-              <a:buNone/>
-            </a:pPr>
             <a:r>
               <a:rPr lang="en" sz="4800"/>
               <a:t>name = ‘John’</a:t>
@@ -7047,46 +7032,34 @@
         </p:nvSpPr>
         <p:spPr>
           <a:xfrm>
-            <a:off x="1816550" y="4864550"/>
+            <a:off x="3340550" y="4864550"/>
             <a:ext cx="587700" cy="453000"/>
           </a:xfrm>
           <a:prstGeom prst="upArrow">
             <a:avLst>
-              <a:gd fmla="val 50000" name="adj1"/>
-              <a:gd fmla="val 50000" name="adj2"/>
+              <a:gd name="adj1" fmla="val 50000"/>
+              <a:gd name="adj2" fmla="val 50000"/>
             </a:avLst>
           </a:prstGeom>
           <a:solidFill>
             <a:schemeClr val="lt2"/>
           </a:solidFill>
-          <a:ln cap="flat" cmpd="sng" w="9525">
+          <a:ln w="9525" cap="flat" cmpd="sng">
             <a:solidFill>
               <a:schemeClr val="dk2"/>
             </a:solidFill>
             <a:prstDash val="solid"/>
             <a:round/>
-            <a:headEnd len="sm" w="sm" type="none"/>
-            <a:tailEnd len="sm" w="sm" type="none"/>
+            <a:headEnd type="none" w="sm" len="sm"/>
+            <a:tailEnd type="none" w="sm" len="sm"/>
           </a:ln>
         </p:spPr>
         <p:txBody>
-          <a:bodyPr anchorCtr="0" anchor="ctr" bIns="91425" lIns="91425" spcFirstLastPara="1" rIns="91425" wrap="square" tIns="91425">
+          <a:bodyPr spcFirstLastPara="1" wrap="square" lIns="91425" tIns="91425" rIns="91425" bIns="91425" anchor="ctr" anchorCtr="0">
             <a:noAutofit/>
           </a:bodyPr>
           <a:lstStyle/>
           <a:p>
-            <a:pPr indent="0" lvl="0" marL="0" rtl="0" algn="l">
-              <a:spcBef>
-                <a:spcPts val="0"/>
-              </a:spcBef>
-              <a:spcAft>
-                <a:spcPts val="0"/>
-              </a:spcAft>
-              <a:buNone/>
-            </a:pPr>
-            <a:r>
-              <a:t/>
-            </a:r>
             <a:endParaRPr/>
           </a:p>
         </p:txBody>
@@ -7099,7 +7072,7 @@
         </p:nvSpPr>
         <p:spPr>
           <a:xfrm>
-            <a:off x="1552550" y="5531300"/>
+            <a:off x="3076550" y="5531300"/>
             <a:ext cx="1224600" cy="492600"/>
           </a:xfrm>
           <a:prstGeom prst="rect">
@@ -7111,20 +7084,11 @@
           </a:ln>
         </p:spPr>
         <p:txBody>
-          <a:bodyPr anchorCtr="0" anchor="t" bIns="91425" lIns="91425" spcFirstLastPara="1" rIns="91425" wrap="square" tIns="91425">
+          <a:bodyPr spcFirstLastPara="1" wrap="square" lIns="91425" tIns="91425" rIns="91425" bIns="91425" anchor="t" anchorCtr="0">
             <a:spAutoFit/>
           </a:bodyPr>
           <a:lstStyle/>
           <a:p>
-            <a:pPr indent="0" lvl="0" marL="0" rtl="0" algn="l">
-              <a:spcBef>
-                <a:spcPts val="0"/>
-              </a:spcBef>
-              <a:spcAft>
-                <a:spcPts val="0"/>
-              </a:spcAft>
-              <a:buNone/>
-            </a:pPr>
             <a:r>
               <a:rPr lang="en" sz="2000"/>
               <a:t>변수이름</a:t>
@@ -7141,46 +7105,34 @@
         </p:nvSpPr>
         <p:spPr>
           <a:xfrm>
-            <a:off x="3035750" y="4864550"/>
+            <a:off x="4559750" y="4864550"/>
             <a:ext cx="587700" cy="453000"/>
           </a:xfrm>
           <a:prstGeom prst="upArrow">
             <a:avLst>
-              <a:gd fmla="val 50000" name="adj1"/>
-              <a:gd fmla="val 50000" name="adj2"/>
+              <a:gd name="adj1" fmla="val 50000"/>
+              <a:gd name="adj2" fmla="val 50000"/>
             </a:avLst>
           </a:prstGeom>
           <a:solidFill>
             <a:schemeClr val="lt2"/>
           </a:solidFill>
-          <a:ln cap="flat" cmpd="sng" w="9525">
+          <a:ln w="9525" cap="flat" cmpd="sng">
             <a:solidFill>
               <a:schemeClr val="dk2"/>
             </a:solidFill>
             <a:prstDash val="solid"/>
             <a:round/>
-            <a:headEnd len="sm" w="sm" type="none"/>
-            <a:tailEnd len="sm" w="sm" type="none"/>
+            <a:headEnd type="none" w="sm" len="sm"/>
+            <a:tailEnd type="none" w="sm" len="sm"/>
           </a:ln>
         </p:spPr>
         <p:txBody>
-          <a:bodyPr anchorCtr="0" anchor="ctr" bIns="91425" lIns="91425" spcFirstLastPara="1" rIns="91425" wrap="square" tIns="91425">
+          <a:bodyPr spcFirstLastPara="1" wrap="square" lIns="91425" tIns="91425" rIns="91425" bIns="91425" anchor="ctr" anchorCtr="0">
             <a:noAutofit/>
           </a:bodyPr>
           <a:lstStyle/>
           <a:p>
-            <a:pPr indent="0" lvl="0" marL="0" rtl="0" algn="l">
-              <a:spcBef>
-                <a:spcPts val="0"/>
-              </a:spcBef>
-              <a:spcAft>
-                <a:spcPts val="0"/>
-              </a:spcAft>
-              <a:buNone/>
-            </a:pPr>
-            <a:r>
-              <a:t/>
-            </a:r>
             <a:endParaRPr/>
           </a:p>
         </p:txBody>
@@ -7193,7 +7145,7 @@
         </p:nvSpPr>
         <p:spPr>
           <a:xfrm>
-            <a:off x="2771750" y="5531300"/>
+            <a:off x="4295750" y="5531300"/>
             <a:ext cx="1224600" cy="1108200"/>
           </a:xfrm>
           <a:prstGeom prst="rect">
@@ -7205,20 +7157,11 @@
           </a:ln>
         </p:spPr>
         <p:txBody>
-          <a:bodyPr anchorCtr="0" anchor="t" bIns="91425" lIns="91425" spcFirstLastPara="1" rIns="91425" wrap="square" tIns="91425">
+          <a:bodyPr spcFirstLastPara="1" wrap="square" lIns="91425" tIns="91425" rIns="91425" bIns="91425" anchor="t" anchorCtr="0">
             <a:spAutoFit/>
           </a:bodyPr>
           <a:lstStyle/>
           <a:p>
-            <a:pPr indent="0" lvl="0" marL="0" rtl="0" algn="l">
-              <a:spcBef>
-                <a:spcPts val="0"/>
-              </a:spcBef>
-              <a:spcAft>
-                <a:spcPts val="0"/>
-              </a:spcAft>
-              <a:buNone/>
-            </a:pPr>
             <a:r>
               <a:rPr lang="en" sz="2000"/>
               <a:t>데이터를 저장하라는 뜻</a:t>
@@ -7235,46 +7178,34 @@
         </p:nvSpPr>
         <p:spPr>
           <a:xfrm>
-            <a:off x="4254950" y="4864550"/>
+            <a:off x="5778950" y="4864550"/>
             <a:ext cx="587700" cy="453000"/>
           </a:xfrm>
           <a:prstGeom prst="upArrow">
             <a:avLst>
-              <a:gd fmla="val 50000" name="adj1"/>
-              <a:gd fmla="val 50000" name="adj2"/>
+              <a:gd name="adj1" fmla="val 50000"/>
+              <a:gd name="adj2" fmla="val 50000"/>
             </a:avLst>
           </a:prstGeom>
           <a:solidFill>
             <a:schemeClr val="lt2"/>
           </a:solidFill>
-          <a:ln cap="flat" cmpd="sng" w="9525">
+          <a:ln w="9525" cap="flat" cmpd="sng">
             <a:solidFill>
               <a:schemeClr val="dk2"/>
             </a:solidFill>
             <a:prstDash val="solid"/>
             <a:round/>
-            <a:headEnd len="sm" w="sm" type="none"/>
-            <a:tailEnd len="sm" w="sm" type="none"/>
+            <a:headEnd type="none" w="sm" len="sm"/>
+            <a:tailEnd type="none" w="sm" len="sm"/>
           </a:ln>
         </p:spPr>
         <p:txBody>
-          <a:bodyPr anchorCtr="0" anchor="ctr" bIns="91425" lIns="91425" spcFirstLastPara="1" rIns="91425" wrap="square" tIns="91425">
+          <a:bodyPr spcFirstLastPara="1" wrap="square" lIns="91425" tIns="91425" rIns="91425" bIns="91425" anchor="ctr" anchorCtr="0">
             <a:noAutofit/>
           </a:bodyPr>
           <a:lstStyle/>
           <a:p>
-            <a:pPr indent="0" lvl="0" marL="0" rtl="0" algn="l">
-              <a:spcBef>
-                <a:spcPts val="0"/>
-              </a:spcBef>
-              <a:spcAft>
-                <a:spcPts val="0"/>
-              </a:spcAft>
-              <a:buNone/>
-            </a:pPr>
-            <a:r>
-              <a:t/>
-            </a:r>
             <a:endParaRPr/>
           </a:p>
         </p:txBody>
@@ -7287,7 +7218,7 @@
         </p:nvSpPr>
         <p:spPr>
           <a:xfrm>
-            <a:off x="3990950" y="5531300"/>
+            <a:off x="5514950" y="5531300"/>
             <a:ext cx="1224600" cy="492600"/>
           </a:xfrm>
           <a:prstGeom prst="rect">
@@ -7299,20 +7230,11 @@
           </a:ln>
         </p:spPr>
         <p:txBody>
-          <a:bodyPr anchorCtr="0" anchor="t" bIns="91425" lIns="91425" spcFirstLastPara="1" rIns="91425" wrap="square" tIns="91425">
+          <a:bodyPr spcFirstLastPara="1" wrap="square" lIns="91425" tIns="91425" rIns="91425" bIns="91425" anchor="t" anchorCtr="0">
             <a:spAutoFit/>
           </a:bodyPr>
           <a:lstStyle/>
           <a:p>
-            <a:pPr indent="0" lvl="0" marL="0" rtl="0" algn="l">
-              <a:spcBef>
-                <a:spcPts val="0"/>
-              </a:spcBef>
-              <a:spcAft>
-                <a:spcPts val="0"/>
-              </a:spcAft>
-              <a:buNone/>
-            </a:pPr>
             <a:r>
               <a:rPr lang="en" sz="2000"/>
               <a:t>  데이터</a:t>
@@ -7337,7 +7259,7 @@
         </p:blipFill>
         <p:spPr>
           <a:xfrm>
-            <a:off x="5951200" y="3796822"/>
+            <a:off x="7475201" y="3796823"/>
             <a:ext cx="486775" cy="486775"/>
           </a:xfrm>
           <a:prstGeom prst="rect">
@@ -7357,7 +7279,7 @@
         </p:nvSpPr>
         <p:spPr>
           <a:xfrm>
-            <a:off x="5905150" y="4270675"/>
+            <a:off x="7429150" y="4270675"/>
             <a:ext cx="2543700" cy="1046700"/>
           </a:xfrm>
           <a:prstGeom prst="rect">
@@ -7369,20 +7291,11 @@
           </a:ln>
         </p:spPr>
         <p:txBody>
-          <a:bodyPr anchorCtr="0" anchor="t" bIns="91425" lIns="91425" spcFirstLastPara="1" rIns="91425" wrap="square" tIns="91425">
+          <a:bodyPr spcFirstLastPara="1" wrap="square" lIns="91425" tIns="91425" rIns="91425" bIns="91425" anchor="t" anchorCtr="0">
             <a:spAutoFit/>
           </a:bodyPr>
           <a:lstStyle/>
           <a:p>
-            <a:pPr indent="0" lvl="0" marL="0" rtl="0" algn="l">
-              <a:spcBef>
-                <a:spcPts val="0"/>
-              </a:spcBef>
-              <a:spcAft>
-                <a:spcPts val="0"/>
-              </a:spcAft>
-              <a:buNone/>
-            </a:pPr>
             <a:r>
               <a:rPr lang="en"/>
               <a:t>코딩에서 ‘=’ 표시는 수학에서 ‘equal’의 의미와 다릅니다. </a:t>
@@ -7390,15 +7303,6 @@
             <a:endParaRPr/>
           </a:p>
           <a:p>
-            <a:pPr indent="0" lvl="0" marL="0" rtl="0" algn="l">
-              <a:spcBef>
-                <a:spcPts val="0"/>
-              </a:spcBef>
-              <a:spcAft>
-                <a:spcPts val="0"/>
-              </a:spcAft>
-              <a:buNone/>
-            </a:pPr>
             <a:r>
               <a:rPr lang="en"/>
               <a:t>왼쪽 데이터를 오른쪽으로 집어 넣어라 라는 뜻입니다. </a:t>
@@ -7416,11 +7320,11 @@
 </file>
 
 <file path=ppt/slides/slide4.xml><?xml version="1.0" encoding="utf-8"?>
-<p:sld xmlns:a="http://schemas.openxmlformats.org/drawingml/2006/main" xmlns:r="http://schemas.openxmlformats.org/officeDocument/2006/relationships" xmlns:mc="http://schemas.openxmlformats.org/markup-compatibility/2006" xmlns:mv="urn:schemas-microsoft-com:mac:vml" xmlns:p="http://schemas.openxmlformats.org/presentationml/2006/main" xmlns:c="http://schemas.openxmlformats.org/drawingml/2006/chart" xmlns:dgm="http://schemas.openxmlformats.org/drawingml/2006/diagram" xmlns:o="urn:schemas-microsoft-com:office:office" xmlns:v="urn:schemas-microsoft-com:vml" xmlns:pvml="urn:schemas-microsoft-com:office:powerpoint" xmlns:com="http://schemas.openxmlformats.org/drawingml/2006/compatibility" xmlns:p14="http://schemas.microsoft.com/office/powerpoint/2010/main" xmlns:p15="http://schemas.microsoft.com/office/powerpoint/2012/main" xmlns:ahyp="http://schemas.microsoft.com/office/drawing/2018/hyperlinkcolor">
+<p:sld xmlns:a="http://schemas.openxmlformats.org/drawingml/2006/main" xmlns:r="http://schemas.openxmlformats.org/officeDocument/2006/relationships" xmlns:p="http://schemas.openxmlformats.org/presentationml/2006/main">
   <p:cSld>
     <p:spTree>
       <p:nvGrpSpPr>
-        <p:cNvPr id="81" name="Shape 81"/>
+        <p:cNvPr id="1" name="Shape 81"/>
         <p:cNvGrpSpPr/>
         <p:nvPr/>
       </p:nvGrpSpPr>
@@ -7435,14 +7339,16 @@
       <p:sp>
         <p:nvSpPr>
           <p:cNvPr id="82" name="Google Shape;82;p16"/>
-          <p:cNvSpPr txBox="1"/>
+          <p:cNvSpPr txBox="1">
+            <a:spLocks noGrp="1"/>
+          </p:cNvSpPr>
           <p:nvPr>
             <p:ph type="title"/>
           </p:nvPr>
         </p:nvSpPr>
         <p:spPr>
           <a:xfrm>
-            <a:off x="311700" y="593367"/>
+            <a:off x="1835700" y="593367"/>
             <a:ext cx="8520600" cy="763500"/>
           </a:xfrm>
           <a:prstGeom prst="rect">
@@ -7450,22 +7356,13 @@
           </a:prstGeom>
         </p:spPr>
         <p:txBody>
-          <a:bodyPr anchorCtr="0" anchor="t" bIns="91425" lIns="91425" spcFirstLastPara="1" rIns="91425" wrap="square" tIns="91425">
+          <a:bodyPr spcFirstLastPara="1" wrap="square" lIns="91425" tIns="91425" rIns="91425" bIns="91425" anchor="t" anchorCtr="0">
             <a:normAutofit/>
           </a:bodyPr>
           <a:lstStyle/>
           <a:p>
-            <a:pPr indent="0" lvl="0" marL="0" rtl="0" algn="l">
-              <a:spcBef>
-                <a:spcPts val="0"/>
-              </a:spcBef>
-              <a:spcAft>
-                <a:spcPts val="0"/>
-              </a:spcAft>
-              <a:buNone/>
-            </a:pPr>
             <a:r>
-              <a:rPr b="1" lang="en"/>
+              <a:rPr lang="en" b="1"/>
               <a:t>파이썬 변수 이름 정하기 </a:t>
             </a:r>
             <a:endParaRPr b="1"/>
@@ -7475,14 +7372,16 @@
       <p:sp>
         <p:nvSpPr>
           <p:cNvPr id="83" name="Google Shape;83;p16"/>
-          <p:cNvSpPr txBox="1"/>
+          <p:cNvSpPr txBox="1">
+            <a:spLocks noGrp="1"/>
+          </p:cNvSpPr>
           <p:nvPr>
-            <p:ph idx="1" type="body"/>
+            <p:ph type="body" idx="1"/>
           </p:nvPr>
         </p:nvSpPr>
         <p:spPr>
           <a:xfrm>
-            <a:off x="311700" y="1707425"/>
+            <a:off x="1835700" y="1707425"/>
             <a:ext cx="8520600" cy="2528100"/>
           </a:xfrm>
           <a:prstGeom prst="rect">
@@ -7490,44 +7389,22 @@
           </a:prstGeom>
         </p:spPr>
         <p:txBody>
-          <a:bodyPr anchorCtr="0" anchor="t" bIns="91425" lIns="91425" spcFirstLastPara="1" rIns="91425" wrap="square" tIns="91425">
+          <a:bodyPr spcFirstLastPara="1" wrap="square" lIns="91425" tIns="91425" rIns="91425" bIns="91425" anchor="t" anchorCtr="0">
             <a:normAutofit/>
           </a:bodyPr>
           <a:lstStyle/>
           <a:p>
-            <a:pPr indent="-342900" lvl="0" marL="457200" rtl="0" algn="l">
-              <a:spcBef>
-                <a:spcPts val="0"/>
-              </a:spcBef>
-              <a:spcAft>
-                <a:spcPts val="0"/>
-              </a:spcAft>
-              <a:buSzPts val="1800"/>
+            <a:pPr>
               <a:buAutoNum type="arabicPeriod"/>
             </a:pPr>
             <a:r>
               <a:rPr lang="en"/>
-              <a:t>영어와 숫자를 사용할 수 있습니다. 한글 변수도 가능하지만 사용하지 않</a:t>
-            </a:r>
-            <a:r>
-              <a:rPr lang="en"/>
-              <a:t>는 것을</a:t>
-            </a:r>
-            <a:r>
-              <a:rPr lang="en"/>
-              <a:t> 권장합니다. </a:t>
+              <a:t>영어와 숫자를 사용할 수 있습니다. 한글 변수도 가능하지만 사용하지 않는 것을 권장합니다. </a:t>
             </a:r>
             <a:endParaRPr/>
           </a:p>
           <a:p>
-            <a:pPr indent="-342900" lvl="0" marL="457200" rtl="0" algn="l">
-              <a:spcBef>
-                <a:spcPts val="0"/>
-              </a:spcBef>
-              <a:spcAft>
-                <a:spcPts val="0"/>
-              </a:spcAft>
-              <a:buSzPts val="1800"/>
+            <a:pPr>
               <a:buAutoNum type="arabicPeriod"/>
             </a:pPr>
             <a:r>
@@ -7537,14 +7414,7 @@
             <a:endParaRPr/>
           </a:p>
           <a:p>
-            <a:pPr indent="-342900" lvl="0" marL="457200" rtl="0" algn="l">
-              <a:spcBef>
-                <a:spcPts val="0"/>
-              </a:spcBef>
-              <a:spcAft>
-                <a:spcPts val="0"/>
-              </a:spcAft>
-              <a:buSzPts val="1800"/>
+            <a:pPr>
               <a:buAutoNum type="arabicPeriod"/>
             </a:pPr>
             <a:r>
@@ -7562,35 +7432,17 @@
             <a:endParaRPr/>
           </a:p>
           <a:p>
-            <a:pPr indent="-342900" lvl="0" marL="457200" rtl="0" algn="l">
-              <a:spcBef>
-                <a:spcPts val="0"/>
-              </a:spcBef>
-              <a:spcAft>
-                <a:spcPts val="0"/>
-              </a:spcAft>
-              <a:buSzPts val="1800"/>
+            <a:pPr>
               <a:buAutoNum type="arabicPeriod"/>
             </a:pPr>
             <a:r>
               <a:rPr lang="en"/>
-              <a:t>특수문자(@,#,$,%,^,&amp;,*,+ 등)는 변수이름에 사용할 수 없습니다. ‘_’만 사용할 수 있습니다(</a:t>
-            </a:r>
-            <a:r>
-              <a:rPr lang="en"/>
-              <a:t>‘_’로 변수이름을 시작할 수 있습니다).</a:t>
+              <a:t>특수문자(@,#,$,%,^,&amp;,*,+ 등)는 변수이름에 사용할 수 없습니다. ‘_’만 사용할 수 있습니다(‘_’로 변수이름을 시작할 수 있습니다).</a:t>
             </a:r>
             <a:endParaRPr/>
           </a:p>
           <a:p>
-            <a:pPr indent="-342900" lvl="0" marL="457200" rtl="0" algn="l">
-              <a:spcBef>
-                <a:spcPts val="0"/>
-              </a:spcBef>
-              <a:spcAft>
-                <a:spcPts val="0"/>
-              </a:spcAft>
-              <a:buSzPts val="1800"/>
+            <a:pPr>
               <a:buAutoNum type="arabicPeriod"/>
             </a:pPr>
             <a:r>
@@ -7610,11 +7462,11 @@
 </file>
 
 <file path=ppt/slides/slide5.xml><?xml version="1.0" encoding="utf-8"?>
-<p:sld xmlns:a="http://schemas.openxmlformats.org/drawingml/2006/main" xmlns:r="http://schemas.openxmlformats.org/officeDocument/2006/relationships" xmlns:mc="http://schemas.openxmlformats.org/markup-compatibility/2006" xmlns:mv="urn:schemas-microsoft-com:mac:vml" xmlns:p="http://schemas.openxmlformats.org/presentationml/2006/main" xmlns:c="http://schemas.openxmlformats.org/drawingml/2006/chart" xmlns:dgm="http://schemas.openxmlformats.org/drawingml/2006/diagram" xmlns:o="urn:schemas-microsoft-com:office:office" xmlns:v="urn:schemas-microsoft-com:vml" xmlns:pvml="urn:schemas-microsoft-com:office:powerpoint" xmlns:com="http://schemas.openxmlformats.org/drawingml/2006/compatibility" xmlns:p14="http://schemas.microsoft.com/office/powerpoint/2010/main" xmlns:p15="http://schemas.microsoft.com/office/powerpoint/2012/main" xmlns:ahyp="http://schemas.microsoft.com/office/drawing/2018/hyperlinkcolor">
+<p:sld xmlns:a="http://schemas.openxmlformats.org/drawingml/2006/main" xmlns:r="http://schemas.openxmlformats.org/officeDocument/2006/relationships" xmlns:p="http://schemas.openxmlformats.org/presentationml/2006/main">
   <p:cSld>
     <p:spTree>
       <p:nvGrpSpPr>
-        <p:cNvPr id="87" name="Shape 87"/>
+        <p:cNvPr id="1" name="Shape 87"/>
         <p:cNvGrpSpPr/>
         <p:nvPr/>
       </p:nvGrpSpPr>
@@ -7629,14 +7481,16 @@
       <p:sp>
         <p:nvSpPr>
           <p:cNvPr id="88" name="Google Shape;88;p17"/>
-          <p:cNvSpPr txBox="1"/>
+          <p:cNvSpPr txBox="1">
+            <a:spLocks noGrp="1"/>
+          </p:cNvSpPr>
           <p:nvPr>
             <p:ph type="title"/>
           </p:nvPr>
         </p:nvSpPr>
         <p:spPr>
           <a:xfrm>
-            <a:off x="311700" y="593367"/>
+            <a:off x="1835700" y="593367"/>
             <a:ext cx="8520600" cy="763500"/>
           </a:xfrm>
           <a:prstGeom prst="rect">
@@ -7644,22 +7498,13 @@
           </a:prstGeom>
         </p:spPr>
         <p:txBody>
-          <a:bodyPr anchorCtr="0" anchor="t" bIns="91425" lIns="91425" spcFirstLastPara="1" rIns="91425" wrap="square" tIns="91425">
+          <a:bodyPr spcFirstLastPara="1" wrap="square" lIns="91425" tIns="91425" rIns="91425" bIns="91425" anchor="t" anchorCtr="0">
             <a:normAutofit/>
           </a:bodyPr>
           <a:lstStyle/>
           <a:p>
-            <a:pPr indent="0" lvl="0" marL="0" rtl="0" algn="l">
-              <a:spcBef>
-                <a:spcPts val="0"/>
-              </a:spcBef>
-              <a:spcAft>
-                <a:spcPts val="0"/>
-              </a:spcAft>
-              <a:buNone/>
-            </a:pPr>
             <a:r>
-              <a:rPr b="1" lang="en"/>
+              <a:rPr lang="en" b="1"/>
               <a:t>변수의 종류 </a:t>
             </a:r>
             <a:endParaRPr b="1"/>
@@ -7669,14 +7514,16 @@
       <p:sp>
         <p:nvSpPr>
           <p:cNvPr id="89" name="Google Shape;89;p17"/>
-          <p:cNvSpPr txBox="1"/>
+          <p:cNvSpPr txBox="1">
+            <a:spLocks noGrp="1"/>
+          </p:cNvSpPr>
           <p:nvPr>
-            <p:ph idx="1" type="body"/>
+            <p:ph type="body" idx="1"/>
           </p:nvPr>
         </p:nvSpPr>
         <p:spPr>
           <a:xfrm>
-            <a:off x="311700" y="1536623"/>
+            <a:off x="1835700" y="1536623"/>
             <a:ext cx="8520600" cy="1733100"/>
           </a:xfrm>
           <a:prstGeom prst="rect">
@@ -7684,21 +7531,11 @@
           </a:prstGeom>
         </p:spPr>
         <p:txBody>
-          <a:bodyPr anchorCtr="0" anchor="t" bIns="91425" lIns="91425" spcFirstLastPara="1" rIns="91425" wrap="square" tIns="91425">
+          <a:bodyPr spcFirstLastPara="1" wrap="square" lIns="91425" tIns="91425" rIns="91425" bIns="91425" anchor="t" anchorCtr="0">
             <a:normAutofit/>
           </a:bodyPr>
           <a:lstStyle/>
           <a:p>
-            <a:pPr indent="-342900" lvl="0" marL="457200" rtl="0" algn="l">
-              <a:spcBef>
-                <a:spcPts val="0"/>
-              </a:spcBef>
-              <a:spcAft>
-                <a:spcPts val="0"/>
-              </a:spcAft>
-              <a:buSzPts val="1800"/>
-              <a:buChar char="●"/>
-            </a:pPr>
             <a:r>
               <a:rPr lang="en"/>
               <a:t>파이썬 변수는 어떤 데이터 형태도 모두 저장할 수 있다고 했습니다. </a:t>
@@ -7706,16 +7543,6 @@
             <a:endParaRPr/>
           </a:p>
           <a:p>
-            <a:pPr indent="-342900" lvl="0" marL="457200" rtl="0" algn="l">
-              <a:spcBef>
-                <a:spcPts val="0"/>
-              </a:spcBef>
-              <a:spcAft>
-                <a:spcPts val="0"/>
-              </a:spcAft>
-              <a:buSzPts val="1800"/>
-              <a:buChar char="●"/>
-            </a:pPr>
             <a:r>
               <a:rPr lang="en"/>
               <a:t>이 변수는 저장된 데이터에 따라서 종류가 나누어 집니다. </a:t>
@@ -7723,7 +7550,7 @@
             <a:endParaRPr/>
           </a:p>
           <a:p>
-            <a:pPr indent="0" lvl="0" marL="0" rtl="0" algn="l">
+            <a:pPr marL="0" indent="0">
               <a:spcBef>
                 <a:spcPts val="1200"/>
               </a:spcBef>
@@ -7732,9 +7559,6 @@
               </a:spcAft>
               <a:buNone/>
             </a:pPr>
-            <a:r>
-              <a:t/>
-            </a:r>
             <a:endParaRPr/>
           </a:p>
         </p:txBody>
@@ -7747,7 +7571,7 @@
         </p:nvSpPr>
         <p:spPr>
           <a:xfrm>
-            <a:off x="416375" y="2398925"/>
+            <a:off x="1940375" y="2398925"/>
             <a:ext cx="7592700" cy="4063500"/>
           </a:xfrm>
           <a:prstGeom prst="rect">
@@ -7759,20 +7583,11 @@
           </a:ln>
         </p:spPr>
         <p:txBody>
-          <a:bodyPr anchorCtr="0" anchor="t" bIns="91425" lIns="91425" spcFirstLastPara="1" rIns="91425" wrap="square" tIns="91425">
+          <a:bodyPr spcFirstLastPara="1" wrap="square" lIns="91425" tIns="91425" rIns="91425" bIns="91425" anchor="t" anchorCtr="0">
             <a:spAutoFit/>
           </a:bodyPr>
           <a:lstStyle/>
           <a:p>
-            <a:pPr indent="0" lvl="0" marL="0" rtl="0" algn="l">
-              <a:spcBef>
-                <a:spcPts val="0"/>
-              </a:spcBef>
-              <a:spcAft>
-                <a:spcPts val="0"/>
-              </a:spcAft>
-              <a:buNone/>
-            </a:pPr>
             <a:r>
               <a:rPr lang="en" sz="1800"/>
               <a:t>문자형 변수: 변수에 문자를 저장할 경우 문자형 변수가 됩니다.  </a:t>
@@ -7780,30 +7595,9 @@
             <a:endParaRPr sz="1800"/>
           </a:p>
           <a:p>
-            <a:pPr indent="0" lvl="0" marL="0" rtl="0" algn="l">
-              <a:spcBef>
-                <a:spcPts val="0"/>
-              </a:spcBef>
-              <a:spcAft>
-                <a:spcPts val="0"/>
-              </a:spcAft>
-              <a:buNone/>
-            </a:pPr>
-            <a:r>
-              <a:t/>
-            </a:r>
             <a:endParaRPr sz="1800"/>
           </a:p>
           <a:p>
-            <a:pPr indent="0" lvl="0" marL="0" rtl="0" algn="l">
-              <a:spcBef>
-                <a:spcPts val="0"/>
-              </a:spcBef>
-              <a:spcAft>
-                <a:spcPts val="0"/>
-              </a:spcAft>
-              <a:buNone/>
-            </a:pPr>
             <a:r>
               <a:rPr lang="en" sz="1800"/>
               <a:t>a = ‘hello world’</a:t>
@@ -7811,15 +7605,6 @@
             <a:endParaRPr sz="1800"/>
           </a:p>
           <a:p>
-            <a:pPr indent="0" lvl="0" marL="0" rtl="0" algn="l">
-              <a:spcBef>
-                <a:spcPts val="0"/>
-              </a:spcBef>
-              <a:spcAft>
-                <a:spcPts val="0"/>
-              </a:spcAft>
-              <a:buNone/>
-            </a:pPr>
             <a:r>
               <a:rPr lang="en" sz="1800"/>
               <a:t>b = ‘c’</a:t>
@@ -7827,30 +7612,9 @@
             <a:endParaRPr sz="1800"/>
           </a:p>
           <a:p>
-            <a:pPr indent="0" lvl="0" marL="0" rtl="0" algn="l">
-              <a:spcBef>
-                <a:spcPts val="0"/>
-              </a:spcBef>
-              <a:spcAft>
-                <a:spcPts val="0"/>
-              </a:spcAft>
-              <a:buNone/>
-            </a:pPr>
-            <a:r>
-              <a:t/>
-            </a:r>
             <a:endParaRPr sz="1800"/>
           </a:p>
           <a:p>
-            <a:pPr indent="0" lvl="0" marL="0" rtl="0" algn="l">
-              <a:spcBef>
-                <a:spcPts val="0"/>
-              </a:spcBef>
-              <a:spcAft>
-                <a:spcPts val="0"/>
-              </a:spcAft>
-              <a:buNone/>
-            </a:pPr>
             <a:r>
               <a:rPr lang="en" sz="1800"/>
               <a:t>숫자형 변수: 변수에 숫자를 저장할 경우 숫자형 변수가 됩니다. </a:t>
@@ -7858,30 +7622,9 @@
             <a:endParaRPr sz="1800"/>
           </a:p>
           <a:p>
-            <a:pPr indent="0" lvl="0" marL="0" rtl="0" algn="l">
-              <a:spcBef>
-                <a:spcPts val="0"/>
-              </a:spcBef>
-              <a:spcAft>
-                <a:spcPts val="0"/>
-              </a:spcAft>
-              <a:buNone/>
-            </a:pPr>
-            <a:r>
-              <a:t/>
-            </a:r>
             <a:endParaRPr sz="1800"/>
           </a:p>
           <a:p>
-            <a:pPr indent="0" lvl="0" marL="0" rtl="0" algn="l">
-              <a:spcBef>
-                <a:spcPts val="0"/>
-              </a:spcBef>
-              <a:spcAft>
-                <a:spcPts val="0"/>
-              </a:spcAft>
-              <a:buNone/>
-            </a:pPr>
             <a:r>
               <a:rPr lang="en" sz="1800"/>
               <a:t>d = 123</a:t>
@@ -7889,15 +7632,6 @@
             <a:endParaRPr sz="1800"/>
           </a:p>
           <a:p>
-            <a:pPr indent="0" lvl="0" marL="0" rtl="0" algn="l">
-              <a:spcBef>
-                <a:spcPts val="0"/>
-              </a:spcBef>
-              <a:spcAft>
-                <a:spcPts val="0"/>
-              </a:spcAft>
-              <a:buNone/>
-            </a:pPr>
             <a:r>
               <a:rPr lang="en" sz="1800"/>
               <a:t>e = 0x16</a:t>
@@ -7905,30 +7639,9 @@
             <a:endParaRPr sz="1800"/>
           </a:p>
           <a:p>
-            <a:pPr indent="0" lvl="0" marL="0" rtl="0" algn="l">
-              <a:spcBef>
-                <a:spcPts val="0"/>
-              </a:spcBef>
-              <a:spcAft>
-                <a:spcPts val="0"/>
-              </a:spcAft>
-              <a:buNone/>
-            </a:pPr>
-            <a:r>
-              <a:t/>
-            </a:r>
             <a:endParaRPr sz="1800"/>
           </a:p>
           <a:p>
-            <a:pPr indent="0" lvl="0" marL="0" rtl="0" algn="l">
-              <a:spcBef>
-                <a:spcPts val="0"/>
-              </a:spcBef>
-              <a:spcAft>
-                <a:spcPts val="0"/>
-              </a:spcAft>
-              <a:buNone/>
-            </a:pPr>
             <a:r>
               <a:rPr lang="en" sz="1800"/>
               <a:t>부울형 변수: 변수에 부울(bool)값을 저장할 경우 부울형 변수가 됩니다. </a:t>
@@ -7936,30 +7649,9 @@
             <a:endParaRPr sz="1800"/>
           </a:p>
           <a:p>
-            <a:pPr indent="0" lvl="0" marL="0" rtl="0" algn="l">
-              <a:spcBef>
-                <a:spcPts val="0"/>
-              </a:spcBef>
-              <a:spcAft>
-                <a:spcPts val="0"/>
-              </a:spcAft>
-              <a:buNone/>
-            </a:pPr>
-            <a:r>
-              <a:t/>
-            </a:r>
             <a:endParaRPr sz="1800"/>
           </a:p>
           <a:p>
-            <a:pPr indent="0" lvl="0" marL="0" rtl="0" algn="l">
-              <a:spcBef>
-                <a:spcPts val="0"/>
-              </a:spcBef>
-              <a:spcAft>
-                <a:spcPts val="0"/>
-              </a:spcAft>
-              <a:buNone/>
-            </a:pPr>
             <a:r>
               <a:rPr lang="en" sz="1800"/>
               <a:t>g = False</a:t>
@@ -7967,15 +7659,6 @@
             <a:endParaRPr sz="1800"/>
           </a:p>
           <a:p>
-            <a:pPr indent="0" lvl="0" marL="0" rtl="0" algn="l">
-              <a:spcBef>
-                <a:spcPts val="0"/>
-              </a:spcBef>
-              <a:spcAft>
-                <a:spcPts val="0"/>
-              </a:spcAft>
-              <a:buNone/>
-            </a:pPr>
             <a:r>
               <a:rPr lang="en" sz="1800"/>
               <a:t>h = True</a:t>
@@ -8000,7 +7683,7 @@
         </p:blipFill>
         <p:spPr>
           <a:xfrm>
-            <a:off x="5914450" y="5642247"/>
+            <a:off x="7438451" y="5642248"/>
             <a:ext cx="486775" cy="486775"/>
           </a:xfrm>
           <a:prstGeom prst="rect">
@@ -8020,7 +7703,7 @@
         </p:nvSpPr>
         <p:spPr>
           <a:xfrm>
-            <a:off x="5868400" y="6116100"/>
+            <a:off x="7392400" y="6116100"/>
             <a:ext cx="2543700" cy="615600"/>
           </a:xfrm>
           <a:prstGeom prst="rect">
@@ -8032,20 +7715,11 @@
           </a:ln>
         </p:spPr>
         <p:txBody>
-          <a:bodyPr anchorCtr="0" anchor="t" bIns="91425" lIns="91425" spcFirstLastPara="1" rIns="91425" wrap="square" tIns="91425">
+          <a:bodyPr spcFirstLastPara="1" wrap="square" lIns="91425" tIns="91425" rIns="91425" bIns="91425" anchor="t" anchorCtr="0">
             <a:spAutoFit/>
           </a:bodyPr>
           <a:lstStyle/>
           <a:p>
-            <a:pPr indent="0" lvl="0" marL="0" rtl="0" algn="l">
-              <a:spcBef>
-                <a:spcPts val="0"/>
-              </a:spcBef>
-              <a:spcAft>
-                <a:spcPts val="0"/>
-              </a:spcAft>
-              <a:buNone/>
-            </a:pPr>
             <a:r>
               <a:rPr lang="en"/>
               <a:t>부울변수는 차차 배우게 됩니다, </a:t>
@@ -8063,11 +7737,11 @@
 </file>
 
 <file path=ppt/slides/slide6.xml><?xml version="1.0" encoding="utf-8"?>
-<p:sld xmlns:a="http://schemas.openxmlformats.org/drawingml/2006/main" xmlns:r="http://schemas.openxmlformats.org/officeDocument/2006/relationships" xmlns:mc="http://schemas.openxmlformats.org/markup-compatibility/2006" xmlns:mv="urn:schemas-microsoft-com:mac:vml" xmlns:p="http://schemas.openxmlformats.org/presentationml/2006/main" xmlns:c="http://schemas.openxmlformats.org/drawingml/2006/chart" xmlns:dgm="http://schemas.openxmlformats.org/drawingml/2006/diagram" xmlns:o="urn:schemas-microsoft-com:office:office" xmlns:v="urn:schemas-microsoft-com:vml" xmlns:pvml="urn:schemas-microsoft-com:office:powerpoint" xmlns:com="http://schemas.openxmlformats.org/drawingml/2006/compatibility" xmlns:p14="http://schemas.microsoft.com/office/powerpoint/2010/main" xmlns:p15="http://schemas.microsoft.com/office/powerpoint/2012/main" xmlns:ahyp="http://schemas.microsoft.com/office/drawing/2018/hyperlinkcolor">
+<p:sld xmlns:a="http://schemas.openxmlformats.org/drawingml/2006/main" xmlns:r="http://schemas.openxmlformats.org/officeDocument/2006/relationships" xmlns:p="http://schemas.openxmlformats.org/presentationml/2006/main">
   <p:cSld>
     <p:spTree>
       <p:nvGrpSpPr>
-        <p:cNvPr id="96" name="Shape 96"/>
+        <p:cNvPr id="1" name="Shape 96"/>
         <p:cNvGrpSpPr/>
         <p:nvPr/>
       </p:nvGrpSpPr>
@@ -8082,14 +7756,16 @@
       <p:sp>
         <p:nvSpPr>
           <p:cNvPr id="97" name="Google Shape;97;p18"/>
-          <p:cNvSpPr txBox="1"/>
+          <p:cNvSpPr txBox="1">
+            <a:spLocks noGrp="1"/>
+          </p:cNvSpPr>
           <p:nvPr>
             <p:ph type="title"/>
           </p:nvPr>
         </p:nvSpPr>
         <p:spPr>
           <a:xfrm>
-            <a:off x="311700" y="593367"/>
+            <a:off x="1835700" y="593367"/>
             <a:ext cx="8520600" cy="763500"/>
           </a:xfrm>
           <a:prstGeom prst="rect">
@@ -8097,22 +7773,13 @@
           </a:prstGeom>
         </p:spPr>
         <p:txBody>
-          <a:bodyPr anchorCtr="0" anchor="t" bIns="91425" lIns="91425" spcFirstLastPara="1" rIns="91425" wrap="square" tIns="91425">
+          <a:bodyPr spcFirstLastPara="1" wrap="square" lIns="91425" tIns="91425" rIns="91425" bIns="91425" anchor="t" anchorCtr="0">
             <a:normAutofit/>
           </a:bodyPr>
           <a:lstStyle/>
           <a:p>
-            <a:pPr indent="0" lvl="0" marL="0" rtl="0" algn="l">
-              <a:spcBef>
-                <a:spcPts val="0"/>
-              </a:spcBef>
-              <a:spcAft>
-                <a:spcPts val="0"/>
-              </a:spcAft>
-              <a:buNone/>
-            </a:pPr>
             <a:r>
-              <a:rPr b="1" lang="en"/>
+              <a:rPr lang="en" b="1"/>
               <a:t>변수의 종류를 확인하려면...</a:t>
             </a:r>
             <a:endParaRPr b="1"/>
@@ -8122,14 +7789,16 @@
       <p:sp>
         <p:nvSpPr>
           <p:cNvPr id="98" name="Google Shape;98;p18"/>
-          <p:cNvSpPr txBox="1"/>
+          <p:cNvSpPr txBox="1">
+            <a:spLocks noGrp="1"/>
+          </p:cNvSpPr>
           <p:nvPr>
-            <p:ph idx="1" type="body"/>
+            <p:ph type="body" idx="1"/>
           </p:nvPr>
         </p:nvSpPr>
         <p:spPr>
           <a:xfrm>
-            <a:off x="311700" y="1536629"/>
+            <a:off x="1835700" y="1536629"/>
             <a:ext cx="8520600" cy="2517000"/>
           </a:xfrm>
           <a:prstGeom prst="rect">
@@ -8137,21 +7806,11 @@
           </a:prstGeom>
         </p:spPr>
         <p:txBody>
-          <a:bodyPr anchorCtr="0" anchor="t" bIns="91425" lIns="91425" spcFirstLastPara="1" rIns="91425" wrap="square" tIns="91425">
+          <a:bodyPr spcFirstLastPara="1" wrap="square" lIns="91425" tIns="91425" rIns="91425" bIns="91425" anchor="t" anchorCtr="0">
             <a:normAutofit/>
           </a:bodyPr>
           <a:lstStyle/>
           <a:p>
-            <a:pPr indent="-342900" lvl="0" marL="457200" rtl="0" algn="l">
-              <a:spcBef>
-                <a:spcPts val="0"/>
-              </a:spcBef>
-              <a:spcAft>
-                <a:spcPts val="0"/>
-              </a:spcAft>
-              <a:buSzPts val="1800"/>
-              <a:buChar char="●"/>
-            </a:pPr>
             <a:r>
               <a:rPr lang="en"/>
               <a:t>파이썬 변수에는 아무 데이터나 저장할 수 있기 때문에 종종 내가 사용하고 있는 변수의 종류를 확인할 필요가 있습니다. </a:t>
@@ -8159,16 +7818,6 @@
             <a:endParaRPr/>
           </a:p>
           <a:p>
-            <a:pPr indent="-342900" lvl="0" marL="457200" rtl="0" algn="l">
-              <a:spcBef>
-                <a:spcPts val="0"/>
-              </a:spcBef>
-              <a:spcAft>
-                <a:spcPts val="0"/>
-              </a:spcAft>
-              <a:buSzPts val="1800"/>
-              <a:buChar char="●"/>
-            </a:pPr>
             <a:r>
               <a:rPr lang="en"/>
               <a:t>type() 명령을 통해서 파이썬 변수의 종류를 파악할 수 있습니다. </a:t>
@@ -8176,7 +7825,7 @@
             <a:endParaRPr/>
           </a:p>
           <a:p>
-            <a:pPr indent="0" lvl="0" marL="0" rtl="0" algn="l">
+            <a:pPr marL="0" indent="0">
               <a:spcBef>
                 <a:spcPts val="1200"/>
               </a:spcBef>
@@ -8185,9 +7834,6 @@
               </a:spcAft>
               <a:buNone/>
             </a:pPr>
-            <a:r>
-              <a:t/>
-            </a:r>
             <a:endParaRPr/>
           </a:p>
         </p:txBody>
@@ -8208,7 +7854,7 @@
         </p:blipFill>
         <p:spPr>
           <a:xfrm>
-            <a:off x="752475" y="2809924"/>
+            <a:off x="2276475" y="2809924"/>
             <a:ext cx="7306926" cy="2945900"/>
           </a:xfrm>
           <a:prstGeom prst="rect">
@@ -8229,11 +7875,11 @@
 </file>
 
 <file path=ppt/slides/slide7.xml><?xml version="1.0" encoding="utf-8"?>
-<p:sld xmlns:a="http://schemas.openxmlformats.org/drawingml/2006/main" xmlns:r="http://schemas.openxmlformats.org/officeDocument/2006/relationships" xmlns:mc="http://schemas.openxmlformats.org/markup-compatibility/2006" xmlns:mv="urn:schemas-microsoft-com:mac:vml" xmlns:p="http://schemas.openxmlformats.org/presentationml/2006/main" xmlns:c="http://schemas.openxmlformats.org/drawingml/2006/chart" xmlns:dgm="http://schemas.openxmlformats.org/drawingml/2006/diagram" xmlns:o="urn:schemas-microsoft-com:office:office" xmlns:v="urn:schemas-microsoft-com:vml" xmlns:pvml="urn:schemas-microsoft-com:office:powerpoint" xmlns:com="http://schemas.openxmlformats.org/drawingml/2006/compatibility" xmlns:p14="http://schemas.microsoft.com/office/powerpoint/2010/main" xmlns:p15="http://schemas.microsoft.com/office/powerpoint/2012/main" xmlns:ahyp="http://schemas.microsoft.com/office/drawing/2018/hyperlinkcolor">
+<p:sld xmlns:a="http://schemas.openxmlformats.org/drawingml/2006/main" xmlns:r="http://schemas.openxmlformats.org/officeDocument/2006/relationships" xmlns:p="http://schemas.openxmlformats.org/presentationml/2006/main">
   <p:cSld>
     <p:spTree>
       <p:nvGrpSpPr>
-        <p:cNvPr id="103" name="Shape 103"/>
+        <p:cNvPr id="1" name="Shape 103"/>
         <p:cNvGrpSpPr/>
         <p:nvPr/>
       </p:nvGrpSpPr>
@@ -8248,14 +7894,16 @@
       <p:sp>
         <p:nvSpPr>
           <p:cNvPr id="104" name="Google Shape;104;p19"/>
-          <p:cNvSpPr txBox="1"/>
+          <p:cNvSpPr txBox="1">
+            <a:spLocks noGrp="1"/>
+          </p:cNvSpPr>
           <p:nvPr>
             <p:ph type="title"/>
           </p:nvPr>
         </p:nvSpPr>
         <p:spPr>
           <a:xfrm>
-            <a:off x="311700" y="593367"/>
+            <a:off x="1835700" y="593367"/>
             <a:ext cx="8520600" cy="763500"/>
           </a:xfrm>
           <a:prstGeom prst="rect">
@@ -8263,22 +7911,13 @@
           </a:prstGeom>
         </p:spPr>
         <p:txBody>
-          <a:bodyPr anchorCtr="0" anchor="t" bIns="91425" lIns="91425" spcFirstLastPara="1" rIns="91425" wrap="square" tIns="91425">
+          <a:bodyPr spcFirstLastPara="1" wrap="square" lIns="91425" tIns="91425" rIns="91425" bIns="91425" anchor="t" anchorCtr="0">
             <a:normAutofit/>
           </a:bodyPr>
           <a:lstStyle/>
           <a:p>
-            <a:pPr indent="0" lvl="0" marL="0" rtl="0" algn="l">
-              <a:spcBef>
-                <a:spcPts val="0"/>
-              </a:spcBef>
-              <a:spcAft>
-                <a:spcPts val="0"/>
-              </a:spcAft>
-              <a:buNone/>
-            </a:pPr>
             <a:r>
-              <a:rPr b="1" lang="en"/>
+              <a:rPr lang="en" b="1"/>
               <a:t>그리고 몇가지 변수 사용</a:t>
             </a:r>
             <a:endParaRPr b="1"/>
@@ -8288,14 +7927,16 @@
       <p:sp>
         <p:nvSpPr>
           <p:cNvPr id="105" name="Google Shape;105;p19"/>
-          <p:cNvSpPr txBox="1"/>
+          <p:cNvSpPr txBox="1">
+            <a:spLocks noGrp="1"/>
+          </p:cNvSpPr>
           <p:nvPr>
-            <p:ph idx="1" type="body"/>
+            <p:ph type="body" idx="1"/>
           </p:nvPr>
         </p:nvSpPr>
         <p:spPr>
           <a:xfrm>
-            <a:off x="311700" y="1079430"/>
+            <a:off x="1835700" y="1079430"/>
             <a:ext cx="8520600" cy="1831200"/>
           </a:xfrm>
           <a:prstGeom prst="rect">
@@ -8303,21 +7944,11 @@
           </a:prstGeom>
         </p:spPr>
         <p:txBody>
-          <a:bodyPr anchorCtr="0" anchor="t" bIns="91425" lIns="91425" spcFirstLastPara="1" rIns="91425" wrap="square" tIns="91425">
+          <a:bodyPr spcFirstLastPara="1" wrap="square" lIns="91425" tIns="91425" rIns="91425" bIns="91425" anchor="t" anchorCtr="0">
             <a:normAutofit/>
           </a:bodyPr>
           <a:lstStyle/>
           <a:p>
-            <a:pPr indent="-342900" lvl="0" marL="457200" rtl="0" algn="l">
-              <a:spcBef>
-                <a:spcPts val="0"/>
-              </a:spcBef>
-              <a:spcAft>
-                <a:spcPts val="0"/>
-              </a:spcAft>
-              <a:buSzPts val="1800"/>
-              <a:buChar char="●"/>
-            </a:pPr>
             <a:r>
               <a:rPr lang="en"/>
               <a:t>파이썬에서는 여러개의 변수에 여러 데이터를 한꺼번에 넣을 수 있습니다.</a:t>
@@ -8325,16 +7956,6 @@
             <a:endParaRPr/>
           </a:p>
           <a:p>
-            <a:pPr indent="-342900" lvl="0" marL="457200" rtl="0" algn="l">
-              <a:spcBef>
-                <a:spcPts val="0"/>
-              </a:spcBef>
-              <a:spcAft>
-                <a:spcPts val="0"/>
-              </a:spcAft>
-              <a:buSzPts val="1800"/>
-              <a:buChar char="●"/>
-            </a:pPr>
             <a:r>
               <a:rPr lang="en"/>
               <a:t>같은 데이터를 여러 변수에 한번에 넣을 수 있습니다. </a:t>
@@ -8342,16 +7963,6 @@
             <a:endParaRPr/>
           </a:p>
           <a:p>
-            <a:pPr indent="-342900" lvl="0" marL="457200" rtl="0" algn="l">
-              <a:spcBef>
-                <a:spcPts val="0"/>
-              </a:spcBef>
-              <a:spcAft>
-                <a:spcPts val="0"/>
-              </a:spcAft>
-              <a:buSzPts val="1800"/>
-              <a:buChar char="●"/>
-            </a:pPr>
             <a:r>
               <a:rPr lang="en"/>
               <a:t>변수를 삭제하려면 del() 명령을 사용합니다.  </a:t>
@@ -8376,7 +7987,7 @@
         </p:blipFill>
         <p:spPr>
           <a:xfrm>
-            <a:off x="801450" y="2192100"/>
+            <a:off x="2325450" y="2192101"/>
             <a:ext cx="7729776" cy="4513501"/>
           </a:xfrm>
           <a:prstGeom prst="rect">
@@ -8397,11 +8008,11 @@
 </file>
 
 <file path=ppt/slides/slide8.xml><?xml version="1.0" encoding="utf-8"?>
-<p:sld xmlns:a="http://schemas.openxmlformats.org/drawingml/2006/main" xmlns:r="http://schemas.openxmlformats.org/officeDocument/2006/relationships" xmlns:mc="http://schemas.openxmlformats.org/markup-compatibility/2006" xmlns:mv="urn:schemas-microsoft-com:mac:vml" xmlns:p="http://schemas.openxmlformats.org/presentationml/2006/main" xmlns:c="http://schemas.openxmlformats.org/drawingml/2006/chart" xmlns:dgm="http://schemas.openxmlformats.org/drawingml/2006/diagram" xmlns:o="urn:schemas-microsoft-com:office:office" xmlns:v="urn:schemas-microsoft-com:vml" xmlns:pvml="urn:schemas-microsoft-com:office:powerpoint" xmlns:com="http://schemas.openxmlformats.org/drawingml/2006/compatibility" xmlns:p14="http://schemas.microsoft.com/office/powerpoint/2010/main" xmlns:p15="http://schemas.microsoft.com/office/powerpoint/2012/main" xmlns:ahyp="http://schemas.microsoft.com/office/drawing/2018/hyperlinkcolor">
+<p:sld xmlns:a="http://schemas.openxmlformats.org/drawingml/2006/main" xmlns:r="http://schemas.openxmlformats.org/officeDocument/2006/relationships" xmlns:p="http://schemas.openxmlformats.org/presentationml/2006/main">
   <p:cSld>
     <p:spTree>
       <p:nvGrpSpPr>
-        <p:cNvPr id="110" name="Shape 110"/>
+        <p:cNvPr id="1" name="Shape 110"/>
         <p:cNvGrpSpPr/>
         <p:nvPr/>
       </p:nvGrpSpPr>
@@ -8416,14 +8027,16 @@
       <p:sp>
         <p:nvSpPr>
           <p:cNvPr id="111" name="Google Shape;111;p20"/>
-          <p:cNvSpPr txBox="1"/>
+          <p:cNvSpPr txBox="1">
+            <a:spLocks noGrp="1"/>
+          </p:cNvSpPr>
           <p:nvPr>
             <p:ph type="title"/>
           </p:nvPr>
         </p:nvSpPr>
         <p:spPr>
           <a:xfrm>
-            <a:off x="311700" y="593367"/>
+            <a:off x="1835700" y="593367"/>
             <a:ext cx="8520600" cy="763500"/>
           </a:xfrm>
           <a:prstGeom prst="rect">
@@ -8431,22 +8044,13 @@
           </a:prstGeom>
         </p:spPr>
         <p:txBody>
-          <a:bodyPr anchorCtr="0" anchor="t" bIns="91425" lIns="91425" spcFirstLastPara="1" rIns="91425" wrap="square" tIns="91425">
+          <a:bodyPr spcFirstLastPara="1" wrap="square" lIns="91425" tIns="91425" rIns="91425" bIns="91425" anchor="t" anchorCtr="0">
             <a:normAutofit/>
           </a:bodyPr>
           <a:lstStyle/>
           <a:p>
-            <a:pPr indent="0" lvl="0" marL="0" rtl="0" algn="l">
-              <a:spcBef>
-                <a:spcPts val="0"/>
-              </a:spcBef>
-              <a:spcAft>
-                <a:spcPts val="0"/>
-              </a:spcAft>
-              <a:buNone/>
-            </a:pPr>
             <a:r>
-              <a:rPr b="1" lang="en"/>
+              <a:rPr lang="en" b="1"/>
               <a:t>파이썬의 연산자</a:t>
             </a:r>
             <a:endParaRPr b="1"/>
@@ -8456,14 +8060,16 @@
       <p:sp>
         <p:nvSpPr>
           <p:cNvPr id="112" name="Google Shape;112;p20"/>
-          <p:cNvSpPr txBox="1"/>
+          <p:cNvSpPr txBox="1">
+            <a:spLocks noGrp="1"/>
+          </p:cNvSpPr>
           <p:nvPr>
-            <p:ph idx="1" type="body"/>
+            <p:ph type="body" idx="1"/>
           </p:nvPr>
         </p:nvSpPr>
         <p:spPr>
           <a:xfrm>
-            <a:off x="311700" y="1536631"/>
+            <a:off x="1835700" y="1536631"/>
             <a:ext cx="8520600" cy="1145400"/>
           </a:xfrm>
           <a:prstGeom prst="rect">
@@ -8471,21 +8077,11 @@
           </a:prstGeom>
         </p:spPr>
         <p:txBody>
-          <a:bodyPr anchorCtr="0" anchor="t" bIns="91425" lIns="91425" spcFirstLastPara="1" rIns="91425" wrap="square" tIns="91425">
+          <a:bodyPr spcFirstLastPara="1" wrap="square" lIns="91425" tIns="91425" rIns="91425" bIns="91425" anchor="t" anchorCtr="0">
             <a:normAutofit/>
           </a:bodyPr>
           <a:lstStyle/>
           <a:p>
-            <a:pPr indent="-342900" lvl="0" marL="457200" rtl="0" algn="l">
-              <a:spcBef>
-                <a:spcPts val="0"/>
-              </a:spcBef>
-              <a:spcAft>
-                <a:spcPts val="0"/>
-              </a:spcAft>
-              <a:buSzPts val="1800"/>
-              <a:buChar char="●"/>
-            </a:pPr>
             <a:r>
               <a:rPr lang="en"/>
               <a:t>파이썬에는 연산자라는 것이 있습니다. </a:t>
@@ -8493,16 +8089,6 @@
             <a:endParaRPr/>
           </a:p>
           <a:p>
-            <a:pPr indent="-342900" lvl="0" marL="457200" rtl="0" algn="l">
-              <a:spcBef>
-                <a:spcPts val="0"/>
-              </a:spcBef>
-              <a:spcAft>
-                <a:spcPts val="0"/>
-              </a:spcAft>
-              <a:buSzPts val="1800"/>
-              <a:buChar char="●"/>
-            </a:pPr>
             <a:r>
               <a:rPr lang="en"/>
               <a:t>이중에서 사칙연산자를 우선 배우겠습니다. </a:t>
@@ -8519,7 +8105,7 @@
         </p:nvSpPr>
         <p:spPr>
           <a:xfrm>
-            <a:off x="1259400" y="2682025"/>
+            <a:off x="2783400" y="2682025"/>
             <a:ext cx="6625200" cy="1569900"/>
           </a:xfrm>
           <a:prstGeom prst="rect">
@@ -8531,20 +8117,11 @@
           </a:ln>
         </p:spPr>
         <p:txBody>
-          <a:bodyPr anchorCtr="0" anchor="t" bIns="91425" lIns="91425" spcFirstLastPara="1" rIns="91425" wrap="square" tIns="91425">
+          <a:bodyPr spcFirstLastPara="1" wrap="square" lIns="91425" tIns="91425" rIns="91425" bIns="91425" anchor="t" anchorCtr="0">
             <a:spAutoFit/>
           </a:bodyPr>
           <a:lstStyle/>
           <a:p>
-            <a:pPr indent="0" lvl="0" marL="0" rtl="0" algn="l">
-              <a:spcBef>
-                <a:spcPts val="0"/>
-              </a:spcBef>
-              <a:spcAft>
-                <a:spcPts val="0"/>
-              </a:spcAft>
-              <a:buNone/>
-            </a:pPr>
             <a:r>
               <a:rPr lang="en" sz="3000"/>
               <a:t>num1      =       5</a:t>
@@ -8552,15 +8129,6 @@
             <a:endParaRPr sz="3000"/>
           </a:p>
           <a:p>
-            <a:pPr indent="0" lvl="0" marL="0" rtl="0" algn="l">
-              <a:spcBef>
-                <a:spcPts val="0"/>
-              </a:spcBef>
-              <a:spcAft>
-                <a:spcPts val="0"/>
-              </a:spcAft>
-              <a:buNone/>
-            </a:pPr>
             <a:r>
               <a:rPr lang="en" sz="3000"/>
               <a:t>num2      =       7</a:t>
@@ -8568,15 +8136,6 @@
             <a:endParaRPr sz="3000"/>
           </a:p>
           <a:p>
-            <a:pPr indent="0" lvl="0" marL="0" rtl="0" algn="l">
-              <a:spcBef>
-                <a:spcPts val="0"/>
-              </a:spcBef>
-              <a:spcAft>
-                <a:spcPts val="0"/>
-              </a:spcAft>
-              <a:buNone/>
-            </a:pPr>
             <a:r>
               <a:rPr lang="en" sz="3000"/>
               <a:t>result      =       num1 + num2  </a:t>
@@ -8593,46 +8152,34 @@
         </p:nvSpPr>
         <p:spPr>
           <a:xfrm>
-            <a:off x="1511750" y="4559750"/>
+            <a:off x="3035750" y="4559750"/>
             <a:ext cx="587700" cy="453000"/>
           </a:xfrm>
           <a:prstGeom prst="upArrow">
             <a:avLst>
-              <a:gd fmla="val 50000" name="adj1"/>
-              <a:gd fmla="val 50000" name="adj2"/>
+              <a:gd name="adj1" fmla="val 50000"/>
+              <a:gd name="adj2" fmla="val 50000"/>
             </a:avLst>
           </a:prstGeom>
           <a:solidFill>
             <a:schemeClr val="lt2"/>
           </a:solidFill>
-          <a:ln cap="flat" cmpd="sng" w="9525">
+          <a:ln w="9525" cap="flat" cmpd="sng">
             <a:solidFill>
               <a:schemeClr val="dk2"/>
             </a:solidFill>
             <a:prstDash val="solid"/>
             <a:round/>
-            <a:headEnd len="sm" w="sm" type="none"/>
-            <a:tailEnd len="sm" w="sm" type="none"/>
+            <a:headEnd type="none" w="sm" len="sm"/>
+            <a:tailEnd type="none" w="sm" len="sm"/>
           </a:ln>
         </p:spPr>
         <p:txBody>
-          <a:bodyPr anchorCtr="0" anchor="ctr" bIns="91425" lIns="91425" spcFirstLastPara="1" rIns="91425" wrap="square" tIns="91425">
+          <a:bodyPr spcFirstLastPara="1" wrap="square" lIns="91425" tIns="91425" rIns="91425" bIns="91425" anchor="ctr" anchorCtr="0">
             <a:noAutofit/>
           </a:bodyPr>
           <a:lstStyle/>
           <a:p>
-            <a:pPr indent="0" lvl="0" marL="0" rtl="0" algn="l">
-              <a:spcBef>
-                <a:spcPts val="0"/>
-              </a:spcBef>
-              <a:spcAft>
-                <a:spcPts val="0"/>
-              </a:spcAft>
-              <a:buNone/>
-            </a:pPr>
-            <a:r>
-              <a:t/>
-            </a:r>
             <a:endParaRPr/>
           </a:p>
         </p:txBody>
@@ -8645,7 +8192,7 @@
         </p:nvSpPr>
         <p:spPr>
           <a:xfrm>
-            <a:off x="1247750" y="5226500"/>
+            <a:off x="2771750" y="5226500"/>
             <a:ext cx="1224600" cy="492600"/>
           </a:xfrm>
           <a:prstGeom prst="rect">
@@ -8657,20 +8204,11 @@
           </a:ln>
         </p:spPr>
         <p:txBody>
-          <a:bodyPr anchorCtr="0" anchor="t" bIns="91425" lIns="91425" spcFirstLastPara="1" rIns="91425" wrap="square" tIns="91425">
+          <a:bodyPr spcFirstLastPara="1" wrap="square" lIns="91425" tIns="91425" rIns="91425" bIns="91425" anchor="t" anchorCtr="0">
             <a:spAutoFit/>
           </a:bodyPr>
           <a:lstStyle/>
           <a:p>
-            <a:pPr indent="0" lvl="0" marL="0" rtl="0" algn="l">
-              <a:spcBef>
-                <a:spcPts val="0"/>
-              </a:spcBef>
-              <a:spcAft>
-                <a:spcPts val="0"/>
-              </a:spcAft>
-              <a:buNone/>
-            </a:pPr>
             <a:r>
               <a:rPr lang="en" sz="2000"/>
               <a:t>변수이름</a:t>
@@ -8687,46 +8225,34 @@
         </p:nvSpPr>
         <p:spPr>
           <a:xfrm>
-            <a:off x="2730950" y="4559750"/>
+            <a:off x="4254950" y="4559750"/>
             <a:ext cx="587700" cy="453000"/>
           </a:xfrm>
           <a:prstGeom prst="upArrow">
             <a:avLst>
-              <a:gd fmla="val 50000" name="adj1"/>
-              <a:gd fmla="val 50000" name="adj2"/>
+              <a:gd name="adj1" fmla="val 50000"/>
+              <a:gd name="adj2" fmla="val 50000"/>
             </a:avLst>
           </a:prstGeom>
           <a:solidFill>
             <a:schemeClr val="lt2"/>
           </a:solidFill>
-          <a:ln cap="flat" cmpd="sng" w="9525">
+          <a:ln w="9525" cap="flat" cmpd="sng">
             <a:solidFill>
               <a:schemeClr val="dk2"/>
             </a:solidFill>
             <a:prstDash val="solid"/>
             <a:round/>
-            <a:headEnd len="sm" w="sm" type="none"/>
-            <a:tailEnd len="sm" w="sm" type="none"/>
+            <a:headEnd type="none" w="sm" len="sm"/>
+            <a:tailEnd type="none" w="sm" len="sm"/>
           </a:ln>
         </p:spPr>
         <p:txBody>
-          <a:bodyPr anchorCtr="0" anchor="ctr" bIns="91425" lIns="91425" spcFirstLastPara="1" rIns="91425" wrap="square" tIns="91425">
+          <a:bodyPr spcFirstLastPara="1" wrap="square" lIns="91425" tIns="91425" rIns="91425" bIns="91425" anchor="ctr" anchorCtr="0">
             <a:noAutofit/>
           </a:bodyPr>
           <a:lstStyle/>
           <a:p>
-            <a:pPr indent="0" lvl="0" marL="0" rtl="0" algn="l">
-              <a:spcBef>
-                <a:spcPts val="0"/>
-              </a:spcBef>
-              <a:spcAft>
-                <a:spcPts val="0"/>
-              </a:spcAft>
-              <a:buNone/>
-            </a:pPr>
-            <a:r>
-              <a:t/>
-            </a:r>
             <a:endParaRPr/>
           </a:p>
         </p:txBody>
@@ -8739,7 +8265,7 @@
         </p:nvSpPr>
         <p:spPr>
           <a:xfrm>
-            <a:off x="2466950" y="5226500"/>
+            <a:off x="3990950" y="5226500"/>
             <a:ext cx="1224600" cy="1108200"/>
           </a:xfrm>
           <a:prstGeom prst="rect">
@@ -8751,20 +8277,11 @@
           </a:ln>
         </p:spPr>
         <p:txBody>
-          <a:bodyPr anchorCtr="0" anchor="t" bIns="91425" lIns="91425" spcFirstLastPara="1" rIns="91425" wrap="square" tIns="91425">
+          <a:bodyPr spcFirstLastPara="1" wrap="square" lIns="91425" tIns="91425" rIns="91425" bIns="91425" anchor="t" anchorCtr="0">
             <a:spAutoFit/>
           </a:bodyPr>
           <a:lstStyle/>
           <a:p>
-            <a:pPr indent="0" lvl="0" marL="0" rtl="0" algn="l">
-              <a:spcBef>
-                <a:spcPts val="0"/>
-              </a:spcBef>
-              <a:spcAft>
-                <a:spcPts val="0"/>
-              </a:spcAft>
-              <a:buNone/>
-            </a:pPr>
             <a:r>
               <a:rPr lang="en" sz="2000"/>
               <a:t>데이터를 저장하라는 뜻</a:t>
@@ -8781,46 +8298,34 @@
         </p:nvSpPr>
         <p:spPr>
           <a:xfrm>
-            <a:off x="4483550" y="4559750"/>
+            <a:off x="6007550" y="4559750"/>
             <a:ext cx="587700" cy="453000"/>
           </a:xfrm>
           <a:prstGeom prst="upArrow">
             <a:avLst>
-              <a:gd fmla="val 50000" name="adj1"/>
-              <a:gd fmla="val 50000" name="adj2"/>
+              <a:gd name="adj1" fmla="val 50000"/>
+              <a:gd name="adj2" fmla="val 50000"/>
             </a:avLst>
           </a:prstGeom>
           <a:solidFill>
             <a:schemeClr val="lt2"/>
           </a:solidFill>
-          <a:ln cap="flat" cmpd="sng" w="9525">
+          <a:ln w="9525" cap="flat" cmpd="sng">
             <a:solidFill>
               <a:schemeClr val="dk2"/>
             </a:solidFill>
             <a:prstDash val="solid"/>
             <a:round/>
-            <a:headEnd len="sm" w="sm" type="none"/>
-            <a:tailEnd len="sm" w="sm" type="none"/>
+            <a:headEnd type="none" w="sm" len="sm"/>
+            <a:tailEnd type="none" w="sm" len="sm"/>
           </a:ln>
         </p:spPr>
         <p:txBody>
-          <a:bodyPr anchorCtr="0" anchor="ctr" bIns="91425" lIns="91425" spcFirstLastPara="1" rIns="91425" wrap="square" tIns="91425">
+          <a:bodyPr spcFirstLastPara="1" wrap="square" lIns="91425" tIns="91425" rIns="91425" bIns="91425" anchor="ctr" anchorCtr="0">
             <a:noAutofit/>
           </a:bodyPr>
           <a:lstStyle/>
           <a:p>
-            <a:pPr indent="0" lvl="0" marL="0" rtl="0" algn="l">
-              <a:spcBef>
-                <a:spcPts val="0"/>
-              </a:spcBef>
-              <a:spcAft>
-                <a:spcPts val="0"/>
-              </a:spcAft>
-              <a:buNone/>
-            </a:pPr>
-            <a:r>
-              <a:t/>
-            </a:r>
             <a:endParaRPr/>
           </a:p>
         </p:txBody>
@@ -8833,7 +8338,7 @@
         </p:nvSpPr>
         <p:spPr>
           <a:xfrm>
-            <a:off x="4219550" y="5226500"/>
+            <a:off x="5743550" y="5226500"/>
             <a:ext cx="2295600" cy="1108200"/>
           </a:xfrm>
           <a:prstGeom prst="rect">
@@ -8845,20 +8350,11 @@
           </a:ln>
         </p:spPr>
         <p:txBody>
-          <a:bodyPr anchorCtr="0" anchor="t" bIns="91425" lIns="91425" spcFirstLastPara="1" rIns="91425" wrap="square" tIns="91425">
+          <a:bodyPr spcFirstLastPara="1" wrap="square" lIns="91425" tIns="91425" rIns="91425" bIns="91425" anchor="t" anchorCtr="0">
             <a:spAutoFit/>
           </a:bodyPr>
           <a:lstStyle/>
           <a:p>
-            <a:pPr indent="0" lvl="0" marL="0" rtl="0" algn="l">
-              <a:spcBef>
-                <a:spcPts val="0"/>
-              </a:spcBef>
-              <a:spcAft>
-                <a:spcPts val="0"/>
-              </a:spcAft>
-              <a:buNone/>
-            </a:pPr>
             <a:r>
               <a:rPr lang="en" sz="2000"/>
               <a:t>두 변수에 저장된 숫자를 더하라는 의미 </a:t>
@@ -8883,7 +8379,7 @@
         </p:blipFill>
         <p:spPr>
           <a:xfrm>
-            <a:off x="6637000" y="3796822"/>
+            <a:off x="8161001" y="3796823"/>
             <a:ext cx="486775" cy="486775"/>
           </a:xfrm>
           <a:prstGeom prst="rect">
@@ -8903,7 +8399,7 @@
         </p:nvSpPr>
         <p:spPr>
           <a:xfrm>
-            <a:off x="6590950" y="4270675"/>
+            <a:off x="8114950" y="4270675"/>
             <a:ext cx="2543700" cy="1477500"/>
           </a:xfrm>
           <a:prstGeom prst="rect">
@@ -8915,20 +8411,11 @@
           </a:ln>
         </p:spPr>
         <p:txBody>
-          <a:bodyPr anchorCtr="0" anchor="t" bIns="91425" lIns="91425" spcFirstLastPara="1" rIns="91425" wrap="square" tIns="91425">
+          <a:bodyPr spcFirstLastPara="1" wrap="square" lIns="91425" tIns="91425" rIns="91425" bIns="91425" anchor="t" anchorCtr="0">
             <a:spAutoFit/>
           </a:bodyPr>
           <a:lstStyle/>
           <a:p>
-            <a:pPr indent="0" lvl="0" marL="0" rtl="0" algn="l">
-              <a:spcBef>
-                <a:spcPts val="0"/>
-              </a:spcBef>
-              <a:spcAft>
-                <a:spcPts val="0"/>
-              </a:spcAft>
-              <a:buNone/>
-            </a:pPr>
             <a:r>
               <a:rPr lang="en"/>
               <a:t>코딩에서 ‘+’는 수학과 같이 더하라는 의미 입니다, 하지만 ’‘=’ 표시는 수학에서 ‘equal’의 의미와 다릅니다. </a:t>
@@ -8936,15 +8423,6 @@
             <a:endParaRPr/>
           </a:p>
           <a:p>
-            <a:pPr indent="0" lvl="0" marL="0" rtl="0" algn="l">
-              <a:spcBef>
-                <a:spcPts val="0"/>
-              </a:spcBef>
-              <a:spcAft>
-                <a:spcPts val="0"/>
-              </a:spcAft>
-              <a:buNone/>
-            </a:pPr>
             <a:r>
               <a:rPr lang="en"/>
               <a:t>왼쪽 데이터를 오른쪽으로 집어 넣어라 라는 뜻입니다. </a:t>
@@ -8962,11 +8440,11 @@
 </file>
 
 <file path=ppt/slides/slide9.xml><?xml version="1.0" encoding="utf-8"?>
-<p:sld xmlns:a="http://schemas.openxmlformats.org/drawingml/2006/main" xmlns:r="http://schemas.openxmlformats.org/officeDocument/2006/relationships" xmlns:mc="http://schemas.openxmlformats.org/markup-compatibility/2006" xmlns:mv="urn:schemas-microsoft-com:mac:vml" xmlns:p="http://schemas.openxmlformats.org/presentationml/2006/main" xmlns:c="http://schemas.openxmlformats.org/drawingml/2006/chart" xmlns:dgm="http://schemas.openxmlformats.org/drawingml/2006/diagram" xmlns:o="urn:schemas-microsoft-com:office:office" xmlns:v="urn:schemas-microsoft-com:vml" xmlns:pvml="urn:schemas-microsoft-com:office:powerpoint" xmlns:com="http://schemas.openxmlformats.org/drawingml/2006/compatibility" xmlns:p14="http://schemas.microsoft.com/office/powerpoint/2010/main" xmlns:p15="http://schemas.microsoft.com/office/powerpoint/2012/main" xmlns:ahyp="http://schemas.microsoft.com/office/drawing/2018/hyperlinkcolor">
+<p:sld xmlns:a="http://schemas.openxmlformats.org/drawingml/2006/main" xmlns:r="http://schemas.openxmlformats.org/officeDocument/2006/relationships" xmlns:p="http://schemas.openxmlformats.org/presentationml/2006/main">
   <p:cSld>
     <p:spTree>
       <p:nvGrpSpPr>
-        <p:cNvPr id="125" name="Shape 125"/>
+        <p:cNvPr id="1" name="Shape 125"/>
         <p:cNvGrpSpPr/>
         <p:nvPr/>
       </p:nvGrpSpPr>
@@ -8981,14 +8459,16 @@
       <p:sp>
         <p:nvSpPr>
           <p:cNvPr id="126" name="Google Shape;126;p21"/>
-          <p:cNvSpPr txBox="1"/>
+          <p:cNvSpPr txBox="1">
+            <a:spLocks noGrp="1"/>
+          </p:cNvSpPr>
           <p:nvPr>
             <p:ph type="title"/>
           </p:nvPr>
         </p:nvSpPr>
         <p:spPr>
           <a:xfrm>
-            <a:off x="311700" y="593367"/>
+            <a:off x="1835700" y="593367"/>
             <a:ext cx="8520600" cy="763500"/>
           </a:xfrm>
           <a:prstGeom prst="rect">
@@ -8996,22 +8476,13 @@
           </a:prstGeom>
         </p:spPr>
         <p:txBody>
-          <a:bodyPr anchorCtr="0" anchor="t" bIns="91425" lIns="91425" spcFirstLastPara="1" rIns="91425" wrap="square" tIns="91425">
+          <a:bodyPr spcFirstLastPara="1" wrap="square" lIns="91425" tIns="91425" rIns="91425" bIns="91425" anchor="t" anchorCtr="0">
             <a:normAutofit/>
           </a:bodyPr>
           <a:lstStyle/>
           <a:p>
-            <a:pPr indent="0" lvl="0" marL="0" rtl="0" algn="l">
-              <a:spcBef>
-                <a:spcPts val="0"/>
-              </a:spcBef>
-              <a:spcAft>
-                <a:spcPts val="0"/>
-              </a:spcAft>
-              <a:buNone/>
-            </a:pPr>
             <a:r>
-              <a:rPr b="1" lang="en"/>
+              <a:rPr lang="en" b="1"/>
               <a:t>파이썬의 산술연산자 </a:t>
             </a:r>
             <a:endParaRPr b="1"/>
@@ -9021,14 +8492,16 @@
       <p:sp>
         <p:nvSpPr>
           <p:cNvPr id="127" name="Google Shape;127;p21"/>
-          <p:cNvSpPr txBox="1"/>
+          <p:cNvSpPr txBox="1">
+            <a:spLocks noGrp="1"/>
+          </p:cNvSpPr>
           <p:nvPr>
-            <p:ph idx="1" type="body"/>
+            <p:ph type="body" idx="1"/>
           </p:nvPr>
         </p:nvSpPr>
         <p:spPr>
           <a:xfrm>
-            <a:off x="311700" y="1079428"/>
+            <a:off x="1835700" y="1079428"/>
             <a:ext cx="8520600" cy="2712900"/>
           </a:xfrm>
           <a:prstGeom prst="rect">
@@ -9036,21 +8509,11 @@
           </a:prstGeom>
         </p:spPr>
         <p:txBody>
-          <a:bodyPr anchorCtr="0" anchor="t" bIns="91425" lIns="91425" spcFirstLastPara="1" rIns="91425" wrap="square" tIns="91425">
-            <a:normAutofit lnSpcReduction="20000"/>
+          <a:bodyPr spcFirstLastPara="1" wrap="square" lIns="91425" tIns="91425" rIns="91425" bIns="91425" anchor="t" anchorCtr="0">
+            <a:normAutofit fontScale="92500"/>
           </a:bodyPr>
           <a:lstStyle/>
           <a:p>
-            <a:pPr indent="-342900" lvl="0" marL="457200" rtl="0" algn="l">
-              <a:spcBef>
-                <a:spcPts val="0"/>
-              </a:spcBef>
-              <a:spcAft>
-                <a:spcPts val="0"/>
-              </a:spcAft>
-              <a:buSzPts val="1800"/>
-              <a:buChar char="●"/>
-            </a:pPr>
             <a:r>
               <a:rPr lang="en"/>
               <a:t>파이썬에서 사칙연산자는 여러가지가 있는데 다음 5가지만 우선 알아보겠습니다. </a:t>
@@ -9058,16 +8521,6 @@
             <a:endParaRPr/>
           </a:p>
           <a:p>
-            <a:pPr indent="-342900" lvl="0" marL="457200" rtl="0" algn="l">
-              <a:spcBef>
-                <a:spcPts val="0"/>
-              </a:spcBef>
-              <a:spcAft>
-                <a:spcPts val="0"/>
-              </a:spcAft>
-              <a:buSzPts val="1800"/>
-              <a:buChar char="●"/>
-            </a:pPr>
             <a:r>
               <a:rPr lang="en"/>
               <a:t>더하기( + ) : 두 숫자를 더하는 연산을 합니다. 결과는 두 수의 합 입니다.  </a:t>
@@ -9075,16 +8528,6 @@
             <a:endParaRPr/>
           </a:p>
           <a:p>
-            <a:pPr indent="-342900" lvl="0" marL="457200" rtl="0" algn="l">
-              <a:spcBef>
-                <a:spcPts val="0"/>
-              </a:spcBef>
-              <a:spcAft>
-                <a:spcPts val="0"/>
-              </a:spcAft>
-              <a:buSzPts val="1800"/>
-              <a:buChar char="●"/>
-            </a:pPr>
             <a:r>
               <a:rPr lang="en"/>
               <a:t>빼기( - ) : 두 숫자를 빼는 연산을 합니다. 결과는 두 수의 차 입니다 </a:t>
@@ -9092,16 +8535,6 @@
             <a:endParaRPr/>
           </a:p>
           <a:p>
-            <a:pPr indent="-342900" lvl="0" marL="457200" rtl="0" algn="l">
-              <a:spcBef>
-                <a:spcPts val="0"/>
-              </a:spcBef>
-              <a:spcAft>
-                <a:spcPts val="0"/>
-              </a:spcAft>
-              <a:buSzPts val="1800"/>
-              <a:buChar char="●"/>
-            </a:pPr>
             <a:r>
               <a:rPr lang="en"/>
               <a:t>곱하기( * ) : 두 숫자를 곱하는 연산을 합니다.  결과는 두 수의 곱 입니다. </a:t>
@@ -9109,16 +8542,6 @@
             <a:endParaRPr/>
           </a:p>
           <a:p>
-            <a:pPr indent="-342900" lvl="0" marL="457200" rtl="0" algn="l">
-              <a:spcBef>
-                <a:spcPts val="0"/>
-              </a:spcBef>
-              <a:spcAft>
-                <a:spcPts val="0"/>
-              </a:spcAft>
-              <a:buSzPts val="1800"/>
-              <a:buChar char="●"/>
-            </a:pPr>
             <a:r>
               <a:rPr lang="en"/>
               <a:t>나누기( / ) : 두 숫자를 나누는 연산을 합니다. 결과는 두 수의 나눈 값입니다.</a:t>
@@ -9126,16 +8549,6 @@
             <a:endParaRPr/>
           </a:p>
           <a:p>
-            <a:pPr indent="-342900" lvl="0" marL="457200" rtl="0" algn="l">
-              <a:spcBef>
-                <a:spcPts val="0"/>
-              </a:spcBef>
-              <a:spcAft>
-                <a:spcPts val="0"/>
-              </a:spcAft>
-              <a:buSzPts val="1800"/>
-              <a:buChar char="●"/>
-            </a:pPr>
             <a:r>
               <a:rPr lang="en"/>
               <a:t>몫 구하기(//) : 두 숫자를 나누고 못을 구하는 연산을 합니다.  </a:t>
@@ -9143,16 +8556,6 @@
             <a:endParaRPr/>
           </a:p>
           <a:p>
-            <a:pPr indent="-342900" lvl="0" marL="457200" rtl="0" algn="l">
-              <a:spcBef>
-                <a:spcPts val="0"/>
-              </a:spcBef>
-              <a:spcAft>
-                <a:spcPts val="0"/>
-              </a:spcAft>
-              <a:buSzPts val="1800"/>
-              <a:buChar char="●"/>
-            </a:pPr>
             <a:r>
               <a:rPr lang="en"/>
               <a:t>모듈로( % ):  두 숫자를 나누고 그 나머지를 결과는 두수를 나눈 나머지 입니다. </a:t>
@@ -9177,7 +8580,7 @@
         </p:blipFill>
         <p:spPr>
           <a:xfrm>
-            <a:off x="762000" y="3759275"/>
+            <a:off x="2286000" y="3759276"/>
             <a:ext cx="7109726" cy="3098725"/>
           </a:xfrm>
           <a:prstGeom prst="rect">
@@ -9198,7 +8601,288 @@
 </file>
 
 <file path=ppt/theme/theme1.xml><?xml version="1.0" encoding="utf-8"?>
-<a:theme xmlns:a="http://schemas.openxmlformats.org/drawingml/2006/main" xmlns:r="http://schemas.openxmlformats.org/officeDocument/2006/relationships">
+<a:theme xmlns:a="http://schemas.openxmlformats.org/drawingml/2006/main" name="Simple Light">
+  <a:themeElements>
+    <a:clrScheme name="Simple Light">
+      <a:dk1>
+        <a:srgbClr val="000000"/>
+      </a:dk1>
+      <a:lt1>
+        <a:srgbClr val="FFFFFF"/>
+      </a:lt1>
+      <a:dk2>
+        <a:srgbClr val="595959"/>
+      </a:dk2>
+      <a:lt2>
+        <a:srgbClr val="EEEEEE"/>
+      </a:lt2>
+      <a:accent1>
+        <a:srgbClr val="4285F4"/>
+      </a:accent1>
+      <a:accent2>
+        <a:srgbClr val="212121"/>
+      </a:accent2>
+      <a:accent3>
+        <a:srgbClr val="78909C"/>
+      </a:accent3>
+      <a:accent4>
+        <a:srgbClr val="FFAB40"/>
+      </a:accent4>
+      <a:accent5>
+        <a:srgbClr val="0097A7"/>
+      </a:accent5>
+      <a:accent6>
+        <a:srgbClr val="EEFF41"/>
+      </a:accent6>
+      <a:hlink>
+        <a:srgbClr val="0097A7"/>
+      </a:hlink>
+      <a:folHlink>
+        <a:srgbClr val="0097A7"/>
+      </a:folHlink>
+    </a:clrScheme>
+    <a:fontScheme name="Office">
+      <a:majorFont>
+        <a:latin typeface="Arial"/>
+        <a:ea typeface=""/>
+        <a:cs typeface=""/>
+        <a:font script="Jpan" typeface="ＭＳ Ｐゴシック"/>
+        <a:font script="Hang" typeface="맑은 고딕"/>
+        <a:font script="Hans" typeface="宋体"/>
+        <a:font script="Hant" typeface="新細明體"/>
+        <a:font script="Arab" typeface="Times New Roman"/>
+        <a:font script="Hebr" typeface="Times New Roman"/>
+        <a:font script="Thai" typeface="Angsana New"/>
+        <a:font script="Ethi" typeface="Nyala"/>
+        <a:font script="Beng" typeface="Vrinda"/>
+        <a:font script="Gujr" typeface="Shruti"/>
+        <a:font script="Khmr" typeface="MoolBoran"/>
+        <a:font script="Knda" typeface="Tunga"/>
+        <a:font script="Guru" typeface="Raavi"/>
+        <a:font script="Cans" typeface="Euphemia"/>
+        <a:font script="Cher" typeface="Plantagenet Cherokee"/>
+        <a:font script="Yiii" typeface="Microsoft Yi Baiti"/>
+        <a:font script="Tibt" typeface="Microsoft Himalaya"/>
+        <a:font script="Thaa" typeface="MV Boli"/>
+        <a:font script="Deva" typeface="Mangal"/>
+        <a:font script="Telu" typeface="Gautami"/>
+        <a:font script="Taml" typeface="Latha"/>
+        <a:font script="Syrc" typeface="Estrangelo Edessa"/>
+        <a:font script="Orya" typeface="Kalinga"/>
+        <a:font script="Mlym" typeface="Kartika"/>
+        <a:font script="Laoo" typeface="DokChampa"/>
+        <a:font script="Sinh" typeface="Iskoola Pota"/>
+        <a:font script="Mong" typeface="Mongolian Baiti"/>
+        <a:font script="Viet" typeface="Times New Roman"/>
+        <a:font script="Uigh" typeface="Microsoft Uighur"/>
+        <a:font script="Geor" typeface="Sylfaen"/>
+      </a:majorFont>
+      <a:minorFont>
+        <a:latin typeface="Arial"/>
+        <a:ea typeface=""/>
+        <a:cs typeface=""/>
+        <a:font script="Jpan" typeface="ＭＳ Ｐゴシック"/>
+        <a:font script="Hang" typeface="맑은 고딕"/>
+        <a:font script="Hans" typeface="宋体"/>
+        <a:font script="Hant" typeface="新細明體"/>
+        <a:font script="Arab" typeface="Arial"/>
+        <a:font script="Hebr" typeface="Arial"/>
+        <a:font script="Thai" typeface="Cordia New"/>
+        <a:font script="Ethi" typeface="Nyala"/>
+        <a:font script="Beng" typeface="Vrinda"/>
+        <a:font script="Gujr" typeface="Shruti"/>
+        <a:font script="Khmr" typeface="DaunPenh"/>
+        <a:font script="Knda" typeface="Tunga"/>
+        <a:font script="Guru" typeface="Raavi"/>
+        <a:font script="Cans" typeface="Euphemia"/>
+        <a:font script="Cher" typeface="Plantagenet Cherokee"/>
+        <a:font script="Yiii" typeface="Microsoft Yi Baiti"/>
+        <a:font script="Tibt" typeface="Microsoft Himalaya"/>
+        <a:font script="Thaa" typeface="MV Boli"/>
+        <a:font script="Deva" typeface="Mangal"/>
+        <a:font script="Telu" typeface="Gautami"/>
+        <a:font script="Taml" typeface="Latha"/>
+        <a:font script="Syrc" typeface="Estrangelo Edessa"/>
+        <a:font script="Orya" typeface="Kalinga"/>
+        <a:font script="Mlym" typeface="Kartika"/>
+        <a:font script="Laoo" typeface="DokChampa"/>
+        <a:font script="Sinh" typeface="Iskoola Pota"/>
+        <a:font script="Mong" typeface="Mongolian Baiti"/>
+        <a:font script="Viet" typeface="Arial"/>
+        <a:font script="Uigh" typeface="Microsoft Uighur"/>
+        <a:font script="Geor" typeface="Sylfaen"/>
+      </a:minorFont>
+    </a:fontScheme>
+    <a:fmtScheme name="Office">
+      <a:fillStyleLst>
+        <a:solidFill>
+          <a:schemeClr val="phClr"/>
+        </a:solidFill>
+        <a:gradFill rotWithShape="1">
+          <a:gsLst>
+            <a:gs pos="0">
+              <a:schemeClr val="phClr">
+                <a:tint val="50000"/>
+                <a:satMod val="300000"/>
+              </a:schemeClr>
+            </a:gs>
+            <a:gs pos="35000">
+              <a:schemeClr val="phClr">
+                <a:tint val="37000"/>
+                <a:satMod val="300000"/>
+              </a:schemeClr>
+            </a:gs>
+            <a:gs pos="100000">
+              <a:schemeClr val="phClr">
+                <a:tint val="15000"/>
+                <a:satMod val="350000"/>
+              </a:schemeClr>
+            </a:gs>
+          </a:gsLst>
+          <a:lin ang="16200000" scaled="1"/>
+        </a:gradFill>
+        <a:gradFill rotWithShape="1">
+          <a:gsLst>
+            <a:gs pos="0">
+              <a:schemeClr val="phClr">
+                <a:tint val="100000"/>
+                <a:shade val="100000"/>
+                <a:satMod val="130000"/>
+              </a:schemeClr>
+            </a:gs>
+            <a:gs pos="100000">
+              <a:schemeClr val="phClr">
+                <a:tint val="50000"/>
+                <a:shade val="100000"/>
+                <a:satMod val="350000"/>
+              </a:schemeClr>
+            </a:gs>
+          </a:gsLst>
+          <a:lin ang="16200000" scaled="0"/>
+        </a:gradFill>
+      </a:fillStyleLst>
+      <a:lnStyleLst>
+        <a:ln w="9525" cap="flat" cmpd="sng" algn="ctr">
+          <a:solidFill>
+            <a:schemeClr val="phClr">
+              <a:shade val="95000"/>
+              <a:satMod val="105000"/>
+            </a:schemeClr>
+          </a:solidFill>
+          <a:prstDash val="solid"/>
+        </a:ln>
+        <a:ln w="25400" cap="flat" cmpd="sng" algn="ctr">
+          <a:solidFill>
+            <a:schemeClr val="phClr"/>
+          </a:solidFill>
+          <a:prstDash val="solid"/>
+        </a:ln>
+        <a:ln w="38100" cap="flat" cmpd="sng" algn="ctr">
+          <a:solidFill>
+            <a:schemeClr val="phClr"/>
+          </a:solidFill>
+          <a:prstDash val="solid"/>
+        </a:ln>
+      </a:lnStyleLst>
+      <a:effectStyleLst>
+        <a:effectStyle>
+          <a:effectLst>
+            <a:outerShdw blurRad="40000" dist="20000" dir="5400000" rotWithShape="0">
+              <a:srgbClr val="000000">
+                <a:alpha val="38000"/>
+              </a:srgbClr>
+            </a:outerShdw>
+          </a:effectLst>
+        </a:effectStyle>
+        <a:effectStyle>
+          <a:effectLst>
+            <a:outerShdw blurRad="40000" dist="23000" dir="5400000" rotWithShape="0">
+              <a:srgbClr val="000000">
+                <a:alpha val="35000"/>
+              </a:srgbClr>
+            </a:outerShdw>
+          </a:effectLst>
+        </a:effectStyle>
+        <a:effectStyle>
+          <a:effectLst>
+            <a:outerShdw blurRad="40000" dist="23000" dir="5400000" rotWithShape="0">
+              <a:srgbClr val="000000">
+                <a:alpha val="35000"/>
+              </a:srgbClr>
+            </a:outerShdw>
+          </a:effectLst>
+          <a:scene3d>
+            <a:camera prst="orthographicFront">
+              <a:rot lat="0" lon="0" rev="0"/>
+            </a:camera>
+            <a:lightRig rig="threePt" dir="t">
+              <a:rot lat="0" lon="0" rev="1200000"/>
+            </a:lightRig>
+          </a:scene3d>
+          <a:sp3d>
+            <a:bevelT w="63500" h="25400"/>
+          </a:sp3d>
+        </a:effectStyle>
+      </a:effectStyleLst>
+      <a:bgFillStyleLst>
+        <a:solidFill>
+          <a:schemeClr val="phClr"/>
+        </a:solidFill>
+        <a:gradFill rotWithShape="1">
+          <a:gsLst>
+            <a:gs pos="0">
+              <a:schemeClr val="phClr">
+                <a:tint val="40000"/>
+                <a:satMod val="350000"/>
+              </a:schemeClr>
+            </a:gs>
+            <a:gs pos="40000">
+              <a:schemeClr val="phClr">
+                <a:tint val="45000"/>
+                <a:shade val="99000"/>
+                <a:satMod val="350000"/>
+              </a:schemeClr>
+            </a:gs>
+            <a:gs pos="100000">
+              <a:schemeClr val="phClr">
+                <a:shade val="20000"/>
+                <a:satMod val="255000"/>
+              </a:schemeClr>
+            </a:gs>
+          </a:gsLst>
+          <a:path path="circle">
+            <a:fillToRect l="50000" t="-80000" r="50000" b="180000"/>
+          </a:path>
+        </a:gradFill>
+        <a:gradFill rotWithShape="1">
+          <a:gsLst>
+            <a:gs pos="0">
+              <a:schemeClr val="phClr">
+                <a:tint val="80000"/>
+                <a:satMod val="300000"/>
+              </a:schemeClr>
+            </a:gs>
+            <a:gs pos="100000">
+              <a:schemeClr val="phClr">
+                <a:shade val="30000"/>
+                <a:satMod val="200000"/>
+              </a:schemeClr>
+            </a:gs>
+          </a:gsLst>
+          <a:path path="circle">
+            <a:fillToRect l="50000" t="50000" r="50000" b="50000"/>
+          </a:path>
+        </a:gradFill>
+      </a:bgFillStyleLst>
+    </a:fmtScheme>
+  </a:themeElements>
+  <a:objectDefaults/>
+  <a:extraClrSchemeLst/>
+</a:theme>
+</file>
+
+<file path=ppt/theme/theme2.xml><?xml version="1.0" encoding="utf-8"?>
+<a:theme xmlns:a="http://schemas.openxmlformats.org/drawingml/2006/main">
   <a:themeElements>
     <a:clrScheme name="Default">
       <a:dk1>
@@ -9473,284 +9157,7 @@
       </a:bgFillStyleLst>
     </a:fmtScheme>
   </a:themeElements>
-</a:theme>
-</file>
-
-<file path=ppt/theme/theme2.xml><?xml version="1.0" encoding="utf-8"?>
-<a:theme xmlns:a="http://schemas.openxmlformats.org/drawingml/2006/main" xmlns:r="http://schemas.openxmlformats.org/officeDocument/2006/relationships" name="Simple Light">
-  <a:themeElements>
-    <a:clrScheme name="Simple Light">
-      <a:dk1>
-        <a:srgbClr val="000000"/>
-      </a:dk1>
-      <a:lt1>
-        <a:srgbClr val="FFFFFF"/>
-      </a:lt1>
-      <a:dk2>
-        <a:srgbClr val="595959"/>
-      </a:dk2>
-      <a:lt2>
-        <a:srgbClr val="EEEEEE"/>
-      </a:lt2>
-      <a:accent1>
-        <a:srgbClr val="4285F4"/>
-      </a:accent1>
-      <a:accent2>
-        <a:srgbClr val="212121"/>
-      </a:accent2>
-      <a:accent3>
-        <a:srgbClr val="78909C"/>
-      </a:accent3>
-      <a:accent4>
-        <a:srgbClr val="FFAB40"/>
-      </a:accent4>
-      <a:accent5>
-        <a:srgbClr val="0097A7"/>
-      </a:accent5>
-      <a:accent6>
-        <a:srgbClr val="EEFF41"/>
-      </a:accent6>
-      <a:hlink>
-        <a:srgbClr val="0097A7"/>
-      </a:hlink>
-      <a:folHlink>
-        <a:srgbClr val="0097A7"/>
-      </a:folHlink>
-    </a:clrScheme>
-    <a:fontScheme name="Office">
-      <a:majorFont>
-        <a:latin typeface="Arial"/>
-        <a:ea typeface=""/>
-        <a:cs typeface=""/>
-        <a:font script="Jpan" typeface="ＭＳ Ｐゴシック"/>
-        <a:font script="Hang" typeface="맑은 고딕"/>
-        <a:font script="Hans" typeface="宋体"/>
-        <a:font script="Hant" typeface="新細明體"/>
-        <a:font script="Arab" typeface="Times New Roman"/>
-        <a:font script="Hebr" typeface="Times New Roman"/>
-        <a:font script="Thai" typeface="Angsana New"/>
-        <a:font script="Ethi" typeface="Nyala"/>
-        <a:font script="Beng" typeface="Vrinda"/>
-        <a:font script="Gujr" typeface="Shruti"/>
-        <a:font script="Khmr" typeface="MoolBoran"/>
-        <a:font script="Knda" typeface="Tunga"/>
-        <a:font script="Guru" typeface="Raavi"/>
-        <a:font script="Cans" typeface="Euphemia"/>
-        <a:font script="Cher" typeface="Plantagenet Cherokee"/>
-        <a:font script="Yiii" typeface="Microsoft Yi Baiti"/>
-        <a:font script="Tibt" typeface="Microsoft Himalaya"/>
-        <a:font script="Thaa" typeface="MV Boli"/>
-        <a:font script="Deva" typeface="Mangal"/>
-        <a:font script="Telu" typeface="Gautami"/>
-        <a:font script="Taml" typeface="Latha"/>
-        <a:font script="Syrc" typeface="Estrangelo Edessa"/>
-        <a:font script="Orya" typeface="Kalinga"/>
-        <a:font script="Mlym" typeface="Kartika"/>
-        <a:font script="Laoo" typeface="DokChampa"/>
-        <a:font script="Sinh" typeface="Iskoola Pota"/>
-        <a:font script="Mong" typeface="Mongolian Baiti"/>
-        <a:font script="Viet" typeface="Times New Roman"/>
-        <a:font script="Uigh" typeface="Microsoft Uighur"/>
-        <a:font script="Geor" typeface="Sylfaen"/>
-      </a:majorFont>
-      <a:minorFont>
-        <a:latin typeface="Arial"/>
-        <a:ea typeface=""/>
-        <a:cs typeface=""/>
-        <a:font script="Jpan" typeface="ＭＳ Ｐゴシック"/>
-        <a:font script="Hang" typeface="맑은 고딕"/>
-        <a:font script="Hans" typeface="宋体"/>
-        <a:font script="Hant" typeface="新細明體"/>
-        <a:font script="Arab" typeface="Arial"/>
-        <a:font script="Hebr" typeface="Arial"/>
-        <a:font script="Thai" typeface="Cordia New"/>
-        <a:font script="Ethi" typeface="Nyala"/>
-        <a:font script="Beng" typeface="Vrinda"/>
-        <a:font script="Gujr" typeface="Shruti"/>
-        <a:font script="Khmr" typeface="DaunPenh"/>
-        <a:font script="Knda" typeface="Tunga"/>
-        <a:font script="Guru" typeface="Raavi"/>
-        <a:font script="Cans" typeface="Euphemia"/>
-        <a:font script="Cher" typeface="Plantagenet Cherokee"/>
-        <a:font script="Yiii" typeface="Microsoft Yi Baiti"/>
-        <a:font script="Tibt" typeface="Microsoft Himalaya"/>
-        <a:font script="Thaa" typeface="MV Boli"/>
-        <a:font script="Deva" typeface="Mangal"/>
-        <a:font script="Telu" typeface="Gautami"/>
-        <a:font script="Taml" typeface="Latha"/>
-        <a:font script="Syrc" typeface="Estrangelo Edessa"/>
-        <a:font script="Orya" typeface="Kalinga"/>
-        <a:font script="Mlym" typeface="Kartika"/>
-        <a:font script="Laoo" typeface="DokChampa"/>
-        <a:font script="Sinh" typeface="Iskoola Pota"/>
-        <a:font script="Mong" typeface="Mongolian Baiti"/>
-        <a:font script="Viet" typeface="Arial"/>
-        <a:font script="Uigh" typeface="Microsoft Uighur"/>
-        <a:font script="Geor" typeface="Sylfaen"/>
-      </a:minorFont>
-    </a:fontScheme>
-    <a:fmtScheme name="Office">
-      <a:fillStyleLst>
-        <a:solidFill>
-          <a:schemeClr val="phClr"/>
-        </a:solidFill>
-        <a:gradFill rotWithShape="1">
-          <a:gsLst>
-            <a:gs pos="0">
-              <a:schemeClr val="phClr">
-                <a:tint val="50000"/>
-                <a:satMod val="300000"/>
-              </a:schemeClr>
-            </a:gs>
-            <a:gs pos="35000">
-              <a:schemeClr val="phClr">
-                <a:tint val="37000"/>
-                <a:satMod val="300000"/>
-              </a:schemeClr>
-            </a:gs>
-            <a:gs pos="100000">
-              <a:schemeClr val="phClr">
-                <a:tint val="15000"/>
-                <a:satMod val="350000"/>
-              </a:schemeClr>
-            </a:gs>
-          </a:gsLst>
-          <a:lin ang="16200000" scaled="1"/>
-        </a:gradFill>
-        <a:gradFill rotWithShape="1">
-          <a:gsLst>
-            <a:gs pos="0">
-              <a:schemeClr val="phClr">
-                <a:tint val="100000"/>
-                <a:shade val="100000"/>
-                <a:satMod val="130000"/>
-              </a:schemeClr>
-            </a:gs>
-            <a:gs pos="100000">
-              <a:schemeClr val="phClr">
-                <a:tint val="50000"/>
-                <a:shade val="100000"/>
-                <a:satMod val="350000"/>
-              </a:schemeClr>
-            </a:gs>
-          </a:gsLst>
-          <a:lin ang="16200000" scaled="0"/>
-        </a:gradFill>
-      </a:fillStyleLst>
-      <a:lnStyleLst>
-        <a:ln w="9525" cap="flat" cmpd="sng" algn="ctr">
-          <a:solidFill>
-            <a:schemeClr val="phClr">
-              <a:shade val="95000"/>
-              <a:satMod val="105000"/>
-            </a:schemeClr>
-          </a:solidFill>
-          <a:prstDash val="solid"/>
-        </a:ln>
-        <a:ln w="25400" cap="flat" cmpd="sng" algn="ctr">
-          <a:solidFill>
-            <a:schemeClr val="phClr"/>
-          </a:solidFill>
-          <a:prstDash val="solid"/>
-        </a:ln>
-        <a:ln w="38100" cap="flat" cmpd="sng" algn="ctr">
-          <a:solidFill>
-            <a:schemeClr val="phClr"/>
-          </a:solidFill>
-          <a:prstDash val="solid"/>
-        </a:ln>
-      </a:lnStyleLst>
-      <a:effectStyleLst>
-        <a:effectStyle>
-          <a:effectLst>
-            <a:outerShdw blurRad="40000" dist="20000" dir="5400000" rotWithShape="0">
-              <a:srgbClr val="000000">
-                <a:alpha val="38000"/>
-              </a:srgbClr>
-            </a:outerShdw>
-          </a:effectLst>
-        </a:effectStyle>
-        <a:effectStyle>
-          <a:effectLst>
-            <a:outerShdw blurRad="40000" dist="23000" dir="5400000" rotWithShape="0">
-              <a:srgbClr val="000000">
-                <a:alpha val="35000"/>
-              </a:srgbClr>
-            </a:outerShdw>
-          </a:effectLst>
-        </a:effectStyle>
-        <a:effectStyle>
-          <a:effectLst>
-            <a:outerShdw blurRad="40000" dist="23000" dir="5400000" rotWithShape="0">
-              <a:srgbClr val="000000">
-                <a:alpha val="35000"/>
-              </a:srgbClr>
-            </a:outerShdw>
-          </a:effectLst>
-          <a:scene3d>
-            <a:camera prst="orthographicFront">
-              <a:rot lat="0" lon="0" rev="0"/>
-            </a:camera>
-            <a:lightRig rig="threePt" dir="t">
-              <a:rot lat="0" lon="0" rev="1200000"/>
-            </a:lightRig>
-          </a:scene3d>
-          <a:sp3d>
-            <a:bevelT w="63500" h="25400"/>
-          </a:sp3d>
-        </a:effectStyle>
-      </a:effectStyleLst>
-      <a:bgFillStyleLst>
-        <a:solidFill>
-          <a:schemeClr val="phClr"/>
-        </a:solidFill>
-        <a:gradFill rotWithShape="1">
-          <a:gsLst>
-            <a:gs pos="0">
-              <a:schemeClr val="phClr">
-                <a:tint val="40000"/>
-                <a:satMod val="350000"/>
-              </a:schemeClr>
-            </a:gs>
-            <a:gs pos="40000">
-              <a:schemeClr val="phClr">
-                <a:tint val="45000"/>
-                <a:shade val="99000"/>
-                <a:satMod val="350000"/>
-              </a:schemeClr>
-            </a:gs>
-            <a:gs pos="100000">
-              <a:schemeClr val="phClr">
-                <a:shade val="20000"/>
-                <a:satMod val="255000"/>
-              </a:schemeClr>
-            </a:gs>
-          </a:gsLst>
-          <a:path path="circle">
-            <a:fillToRect l="50000" t="-80000" r="50000" b="180000"/>
-          </a:path>
-        </a:gradFill>
-        <a:gradFill rotWithShape="1">
-          <a:gsLst>
-            <a:gs pos="0">
-              <a:schemeClr val="phClr">
-                <a:tint val="80000"/>
-                <a:satMod val="300000"/>
-              </a:schemeClr>
-            </a:gs>
-            <a:gs pos="100000">
-              <a:schemeClr val="phClr">
-                <a:shade val="30000"/>
-                <a:satMod val="200000"/>
-              </a:schemeClr>
-            </a:gs>
-          </a:gsLst>
-          <a:path path="circle">
-            <a:fillToRect l="50000" t="50000" r="50000" b="50000"/>
-          </a:path>
-        </a:gradFill>
-      </a:bgFillStyleLst>
-    </a:fmtScheme>
-  </a:themeElements>
+  <a:objectDefaults/>
+  <a:extraClrSchemeLst/>
 </a:theme>
 </file>